--- a/lecture_slides/2_Python Lesson 2 - Programs.pptx
+++ b/lecture_slides/2_Python Lesson 2 - Programs.pptx
@@ -5,7 +5,7 @@
     <p:sldMasterId id="2147483657" r:id="rId1"/>
   </p:sldMasterIdLst>
   <p:notesMasterIdLst>
-    <p:notesMasterId r:id="rId17"/>
+    <p:notesMasterId r:id="rId12"/>
   </p:notesMasterIdLst>
   <p:sldIdLst>
     <p:sldId id="256" r:id="rId2"/>
@@ -17,33 +17,28 @@
     <p:sldId id="313" r:id="rId8"/>
     <p:sldId id="314" r:id="rId9"/>
     <p:sldId id="316" r:id="rId10"/>
-    <p:sldId id="315" r:id="rId11"/>
-    <p:sldId id="305" r:id="rId12"/>
-    <p:sldId id="306" r:id="rId13"/>
-    <p:sldId id="307" r:id="rId14"/>
-    <p:sldId id="308" r:id="rId15"/>
-    <p:sldId id="280" r:id="rId16"/>
+    <p:sldId id="280" r:id="rId11"/>
   </p:sldIdLst>
   <p:sldSz cx="9144000" cy="5143500" type="screen16x9"/>
   <p:notesSz cx="6858000" cy="9144000"/>
   <p:embeddedFontLst>
     <p:embeddedFont>
       <p:font typeface="Helvetica Neue" panose="020B0604020202020204" charset="0"/>
-      <p:regular r:id="rId18"/>
-      <p:bold r:id="rId19"/>
-      <p:italic r:id="rId20"/>
-      <p:boldItalic r:id="rId21"/>
+      <p:regular r:id="rId13"/>
+      <p:bold r:id="rId14"/>
+      <p:italic r:id="rId15"/>
+      <p:boldItalic r:id="rId16"/>
     </p:embeddedFont>
     <p:embeddedFont>
       <p:font typeface="Muli" panose="020B0604020202020204" charset="0"/>
-      <p:regular r:id="rId22"/>
-      <p:bold r:id="rId23"/>
-      <p:italic r:id="rId24"/>
-      <p:boldItalic r:id="rId25"/>
+      <p:regular r:id="rId17"/>
+      <p:bold r:id="rId18"/>
+      <p:italic r:id="rId19"/>
+      <p:boldItalic r:id="rId20"/>
     </p:embeddedFont>
     <p:embeddedFont>
       <p:font typeface="Nixie One" panose="020B0604020202020204" charset="0"/>
-      <p:regular r:id="rId26"/>
+      <p:regular r:id="rId21"/>
     </p:embeddedFont>
   </p:embeddedFontLst>
   <p:defaultTextStyle>
@@ -292,6 +287,111 @@
     </p:ext>
   </p:extLst>
 </p:presentation>
+</file>
+
+<file path=ppt/changesInfos/changesInfo1.xml><?xml version="1.0" encoding="utf-8"?>
+<pc:chgInfo xmlns:a="http://schemas.openxmlformats.org/drawingml/2006/main" xmlns:r="http://schemas.openxmlformats.org/officeDocument/2006/relationships" xmlns:ac="http://schemas.microsoft.com/office/drawing/2013/main/command" xmlns:pc="http://schemas.microsoft.com/office/powerpoint/2013/main/command">
+  <pc:docChgLst>
+    <pc:chgData name="Brandon Hoffman" userId="b3ee02141e2b4ef5" providerId="LiveId" clId="{1BF8F24B-2D11-4826-BC32-5B20083A8774}"/>
+    <pc:docChg chg="delSld modSld">
+      <pc:chgData name="Brandon Hoffman" userId="b3ee02141e2b4ef5" providerId="LiveId" clId="{1BF8F24B-2D11-4826-BC32-5B20083A8774}" dt="2020-10-21T07:12:16.814" v="229" actId="47"/>
+      <pc:docMkLst>
+        <pc:docMk/>
+      </pc:docMkLst>
+      <pc:sldChg chg="modNotesTx">
+        <pc:chgData name="Brandon Hoffman" userId="b3ee02141e2b4ef5" providerId="LiveId" clId="{1BF8F24B-2D11-4826-BC32-5B20083A8774}" dt="2020-10-21T06:58:10.952" v="18" actId="20577"/>
+        <pc:sldMkLst>
+          <pc:docMk/>
+          <pc:sldMk cId="1358657504" sldId="304"/>
+        </pc:sldMkLst>
+      </pc:sldChg>
+      <pc:sldChg chg="del">
+        <pc:chgData name="Brandon Hoffman" userId="b3ee02141e2b4ef5" providerId="LiveId" clId="{1BF8F24B-2D11-4826-BC32-5B20083A8774}" dt="2020-10-21T07:12:16.814" v="229" actId="47"/>
+        <pc:sldMkLst>
+          <pc:docMk/>
+          <pc:sldMk cId="3446700200" sldId="305"/>
+        </pc:sldMkLst>
+      </pc:sldChg>
+      <pc:sldChg chg="del">
+        <pc:chgData name="Brandon Hoffman" userId="b3ee02141e2b4ef5" providerId="LiveId" clId="{1BF8F24B-2D11-4826-BC32-5B20083A8774}" dt="2020-10-21T07:12:16.814" v="229" actId="47"/>
+        <pc:sldMkLst>
+          <pc:docMk/>
+          <pc:sldMk cId="71015598" sldId="306"/>
+        </pc:sldMkLst>
+      </pc:sldChg>
+      <pc:sldChg chg="del">
+        <pc:chgData name="Brandon Hoffman" userId="b3ee02141e2b4ef5" providerId="LiveId" clId="{1BF8F24B-2D11-4826-BC32-5B20083A8774}" dt="2020-10-21T07:12:16.814" v="229" actId="47"/>
+        <pc:sldMkLst>
+          <pc:docMk/>
+          <pc:sldMk cId="3413647341" sldId="307"/>
+        </pc:sldMkLst>
+      </pc:sldChg>
+      <pc:sldChg chg="del">
+        <pc:chgData name="Brandon Hoffman" userId="b3ee02141e2b4ef5" providerId="LiveId" clId="{1BF8F24B-2D11-4826-BC32-5B20083A8774}" dt="2020-10-21T07:12:16.814" v="229" actId="47"/>
+        <pc:sldMkLst>
+          <pc:docMk/>
+          <pc:sldMk cId="2444779775" sldId="308"/>
+        </pc:sldMkLst>
+      </pc:sldChg>
+      <pc:sldChg chg="modNotesTx">
+        <pc:chgData name="Brandon Hoffman" userId="b3ee02141e2b4ef5" providerId="LiveId" clId="{1BF8F24B-2D11-4826-BC32-5B20083A8774}" dt="2020-10-21T06:58:56.953" v="88" actId="20577"/>
+        <pc:sldMkLst>
+          <pc:docMk/>
+          <pc:sldMk cId="3083027518" sldId="309"/>
+        </pc:sldMkLst>
+      </pc:sldChg>
+      <pc:sldChg chg="modNotesTx">
+        <pc:chgData name="Brandon Hoffman" userId="b3ee02141e2b4ef5" providerId="LiveId" clId="{1BF8F24B-2D11-4826-BC32-5B20083A8774}" dt="2020-10-21T07:00:48.854" v="122" actId="20577"/>
+        <pc:sldMkLst>
+          <pc:docMk/>
+          <pc:sldMk cId="3294944925" sldId="310"/>
+        </pc:sldMkLst>
+      </pc:sldChg>
+      <pc:sldChg chg="modNotesTx">
+        <pc:chgData name="Brandon Hoffman" userId="b3ee02141e2b4ef5" providerId="LiveId" clId="{1BF8F24B-2D11-4826-BC32-5B20083A8774}" dt="2020-10-21T07:02:14.978" v="142" actId="20577"/>
+        <pc:sldMkLst>
+          <pc:docMk/>
+          <pc:sldMk cId="2902104317" sldId="311"/>
+        </pc:sldMkLst>
+      </pc:sldChg>
+      <pc:sldChg chg="modNotesTx">
+        <pc:chgData name="Brandon Hoffman" userId="b3ee02141e2b4ef5" providerId="LiveId" clId="{1BF8F24B-2D11-4826-BC32-5B20083A8774}" dt="2020-10-21T07:03:02.821" v="150" actId="20577"/>
+        <pc:sldMkLst>
+          <pc:docMk/>
+          <pc:sldMk cId="1228559315" sldId="312"/>
+        </pc:sldMkLst>
+      </pc:sldChg>
+      <pc:sldChg chg="modNotesTx">
+        <pc:chgData name="Brandon Hoffman" userId="b3ee02141e2b4ef5" providerId="LiveId" clId="{1BF8F24B-2D11-4826-BC32-5B20083A8774}" dt="2020-10-21T07:03:22.346" v="155" actId="20577"/>
+        <pc:sldMkLst>
+          <pc:docMk/>
+          <pc:sldMk cId="323955816" sldId="313"/>
+        </pc:sldMkLst>
+      </pc:sldChg>
+      <pc:sldChg chg="modNotesTx">
+        <pc:chgData name="Brandon Hoffman" userId="b3ee02141e2b4ef5" providerId="LiveId" clId="{1BF8F24B-2D11-4826-BC32-5B20083A8774}" dt="2020-10-21T07:05:04.077" v="174" actId="20577"/>
+        <pc:sldMkLst>
+          <pc:docMk/>
+          <pc:sldMk cId="2266037910" sldId="314"/>
+        </pc:sldMkLst>
+      </pc:sldChg>
+      <pc:sldChg chg="del modNotesTx">
+        <pc:chgData name="Brandon Hoffman" userId="b3ee02141e2b4ef5" providerId="LiveId" clId="{1BF8F24B-2D11-4826-BC32-5B20083A8774}" dt="2020-10-21T07:12:16.814" v="229" actId="47"/>
+        <pc:sldMkLst>
+          <pc:docMk/>
+          <pc:sldMk cId="909066802" sldId="315"/>
+        </pc:sldMkLst>
+      </pc:sldChg>
+      <pc:sldChg chg="modNotesTx">
+        <pc:chgData name="Brandon Hoffman" userId="b3ee02141e2b4ef5" providerId="LiveId" clId="{1BF8F24B-2D11-4826-BC32-5B20083A8774}" dt="2020-10-21T07:12:02.336" v="228" actId="20577"/>
+        <pc:sldMkLst>
+          <pc:docMk/>
+          <pc:sldMk cId="892223705" sldId="316"/>
+        </pc:sldMkLst>
+      </pc:sldChg>
+    </pc:docChg>
+  </pc:docChgLst>
+</pc:chgInfo>
 </file>
 
 <file path=ppt/notesMasters/notesMaster1.xml><?xml version="1.0" encoding="utf-8"?>
@@ -849,555 +949,6 @@
   <p:cSld>
     <p:spTree>
       <p:nvGrpSpPr>
-        <p:cNvPr id="1" name="Shape 425"/>
-        <p:cNvGrpSpPr/>
-        <p:nvPr/>
-      </p:nvGrpSpPr>
-      <p:grpSpPr>
-        <a:xfrm>
-          <a:off x="0" y="0"/>
-          <a:ext cx="0" cy="0"/>
-          <a:chOff x="0" y="0"/>
-          <a:chExt cx="0" cy="0"/>
-        </a:xfrm>
-      </p:grpSpPr>
-      <p:sp>
-        <p:nvSpPr>
-          <p:cNvPr id="426" name="Google Shape;426;g35f391192_073:notes"/>
-          <p:cNvSpPr>
-            <a:spLocks noGrp="1" noRot="1" noChangeAspect="1"/>
-          </p:cNvSpPr>
-          <p:nvPr>
-            <p:ph type="sldImg" idx="2"/>
-          </p:nvPr>
-        </p:nvSpPr>
-        <p:spPr>
-          <a:xfrm>
-            <a:off x="381000" y="685800"/>
-            <a:ext cx="6096000" cy="3429000"/>
-          </a:xfrm>
-          <a:custGeom>
-            <a:avLst/>
-            <a:gdLst/>
-            <a:ahLst/>
-            <a:cxnLst/>
-            <a:rect l="l" t="t" r="r" b="b"/>
-            <a:pathLst>
-              <a:path w="120000" h="120000" extrusionOk="0">
-                <a:moveTo>
-                  <a:pt x="0" y="0"/>
-                </a:moveTo>
-                <a:lnTo>
-                  <a:pt x="120000" y="0"/>
-                </a:lnTo>
-                <a:lnTo>
-                  <a:pt x="120000" y="120000"/>
-                </a:lnTo>
-                <a:lnTo>
-                  <a:pt x="0" y="120000"/>
-                </a:lnTo>
-                <a:close/>
-              </a:path>
-            </a:pathLst>
-          </a:custGeom>
-        </p:spPr>
-      </p:sp>
-      <p:sp>
-        <p:nvSpPr>
-          <p:cNvPr id="427" name="Google Shape;427;g35f391192_073:notes"/>
-          <p:cNvSpPr txBox="1">
-            <a:spLocks noGrp="1"/>
-          </p:cNvSpPr>
-          <p:nvPr>
-            <p:ph type="body" idx="1"/>
-          </p:nvPr>
-        </p:nvSpPr>
-        <p:spPr>
-          <a:xfrm>
-            <a:off x="685800" y="4343400"/>
-            <a:ext cx="5486400" cy="4114800"/>
-          </a:xfrm>
-          <a:prstGeom prst="rect">
-            <a:avLst/>
-          </a:prstGeom>
-        </p:spPr>
-        <p:txBody>
-          <a:bodyPr spcFirstLastPara="1" wrap="square" lIns="91425" tIns="91425" rIns="91425" bIns="91425" anchor="t" anchorCtr="0">
-            <a:noAutofit/>
-          </a:bodyPr>
-          <a:lstStyle/>
-          <a:p>
-            <a:pPr marL="0" lvl="0" indent="0" algn="l" rtl="0">
-              <a:spcBef>
-                <a:spcPts val="0"/>
-              </a:spcBef>
-              <a:spcAft>
-                <a:spcPts val="0"/>
-              </a:spcAft>
-              <a:buNone/>
-            </a:pPr>
-            <a:r>
-              <a:rPr lang="en-US" dirty="0" smtClean="0"/>
-              <a:t>Well, here's the first set of them. There's a lot on this slide, but you're going to get used to them. And most of them make sense .If I want to add together either two ints or two floats, my expression is to have two numbers as I just did, 3 plus 2.The value associated with that is the combination of adding the two things together. I can subtract, I can multiply. And for these examples, if both I and J are ints, the result is an int. If either of them or both of them are floats, the result is a float. And let's look at an example. If I do 3 plus 2, I get 5.If I do 3.0 plus 2, I get the float 5.So Python is always using, if you like, the higher level representation when it does those kinds of operations. Divisions, a little trickier, because I have both standard division, which will be a float, and I have integer division, which will be the quotient without the remainder. And let's look at two examples. If I do 5 divided by 2, I get 2 and 1/2.If I do 5 with two slashes divided by 2,I get the integer part, which is 2.The .5 is thrown away. And if I wanted to get the .5 I could do 5 remainder 2, which is the percent sign, and that gives me the piece left over when I divide those two pieces together. Finally, I can raise something to a power. And that is done right here with I. Two stars, J. So one star is multiplication. Two stars, gives me power.</a:t>
-            </a:r>
-            <a:endParaRPr dirty="0"/>
-          </a:p>
-        </p:txBody>
-      </p:sp>
-    </p:spTree>
-    <p:extLst>
-      <p:ext uri="{BB962C8B-B14F-4D97-AF65-F5344CB8AC3E}">
-        <p14:creationId xmlns:p14="http://schemas.microsoft.com/office/powerpoint/2010/main" val="4131668357"/>
-      </p:ext>
-    </p:extLst>
-  </p:cSld>
-  <p:clrMapOvr>
-    <a:masterClrMapping/>
-  </p:clrMapOvr>
-</p:notes>
-</file>
-
-<file path=ppt/notesSlides/notesSlide11.xml><?xml version="1.0" encoding="utf-8"?>
-<p:notes xmlns:a="http://schemas.openxmlformats.org/drawingml/2006/main" xmlns:r="http://schemas.openxmlformats.org/officeDocument/2006/relationships" xmlns:p="http://schemas.openxmlformats.org/presentationml/2006/main" showMasterSp="0" showMasterPhAnim="0">
-  <p:cSld>
-    <p:spTree>
-      <p:nvGrpSpPr>
-        <p:cNvPr id="1" name="Shape 425"/>
-        <p:cNvGrpSpPr/>
-        <p:nvPr/>
-      </p:nvGrpSpPr>
-      <p:grpSpPr>
-        <a:xfrm>
-          <a:off x="0" y="0"/>
-          <a:ext cx="0" cy="0"/>
-          <a:chOff x="0" y="0"/>
-          <a:chExt cx="0" cy="0"/>
-        </a:xfrm>
-      </p:grpSpPr>
-      <p:sp>
-        <p:nvSpPr>
-          <p:cNvPr id="426" name="Google Shape;426;g35f391192_073:notes"/>
-          <p:cNvSpPr>
-            <a:spLocks noGrp="1" noRot="1" noChangeAspect="1"/>
-          </p:cNvSpPr>
-          <p:nvPr>
-            <p:ph type="sldImg" idx="2"/>
-          </p:nvPr>
-        </p:nvSpPr>
-        <p:spPr>
-          <a:xfrm>
-            <a:off x="381000" y="685800"/>
-            <a:ext cx="6096000" cy="3429000"/>
-          </a:xfrm>
-          <a:custGeom>
-            <a:avLst/>
-            <a:gdLst/>
-            <a:ahLst/>
-            <a:cxnLst/>
-            <a:rect l="l" t="t" r="r" b="b"/>
-            <a:pathLst>
-              <a:path w="120000" h="120000" extrusionOk="0">
-                <a:moveTo>
-                  <a:pt x="0" y="0"/>
-                </a:moveTo>
-                <a:lnTo>
-                  <a:pt x="120000" y="0"/>
-                </a:lnTo>
-                <a:lnTo>
-                  <a:pt x="120000" y="120000"/>
-                </a:lnTo>
-                <a:lnTo>
-                  <a:pt x="0" y="120000"/>
-                </a:lnTo>
-                <a:close/>
-              </a:path>
-            </a:pathLst>
-          </a:custGeom>
-        </p:spPr>
-      </p:sp>
-      <p:sp>
-        <p:nvSpPr>
-          <p:cNvPr id="427" name="Google Shape;427;g35f391192_073:notes"/>
-          <p:cNvSpPr txBox="1">
-            <a:spLocks noGrp="1"/>
-          </p:cNvSpPr>
-          <p:nvPr>
-            <p:ph type="body" idx="1"/>
-          </p:nvPr>
-        </p:nvSpPr>
-        <p:spPr>
-          <a:xfrm>
-            <a:off x="685800" y="4343400"/>
-            <a:ext cx="5486400" cy="4114800"/>
-          </a:xfrm>
-          <a:prstGeom prst="rect">
-            <a:avLst/>
-          </a:prstGeom>
-        </p:spPr>
-        <p:txBody>
-          <a:bodyPr spcFirstLastPara="1" wrap="square" lIns="91425" tIns="91425" rIns="91425" bIns="91425" anchor="t" anchorCtr="0">
-            <a:noAutofit/>
-          </a:bodyPr>
-          <a:lstStyle/>
-          <a:p>
-            <a:pPr marL="0" lvl="0" indent="0" algn="l" rtl="0">
-              <a:spcBef>
-                <a:spcPts val="0"/>
-              </a:spcBef>
-              <a:spcAft>
-                <a:spcPts val="0"/>
-              </a:spcAft>
-              <a:buNone/>
-            </a:pPr>
-            <a:endParaRPr dirty="0"/>
-          </a:p>
-        </p:txBody>
-      </p:sp>
-    </p:spTree>
-    <p:extLst>
-      <p:ext uri="{BB962C8B-B14F-4D97-AF65-F5344CB8AC3E}">
-        <p14:creationId xmlns:p14="http://schemas.microsoft.com/office/powerpoint/2010/main" val="1044122054"/>
-      </p:ext>
-    </p:extLst>
-  </p:cSld>
-  <p:clrMapOvr>
-    <a:masterClrMapping/>
-  </p:clrMapOvr>
-</p:notes>
-</file>
-
-<file path=ppt/notesSlides/notesSlide12.xml><?xml version="1.0" encoding="utf-8"?>
-<p:notes xmlns:a="http://schemas.openxmlformats.org/drawingml/2006/main" xmlns:r="http://schemas.openxmlformats.org/officeDocument/2006/relationships" xmlns:p="http://schemas.openxmlformats.org/presentationml/2006/main" showMasterSp="0" showMasterPhAnim="0">
-  <p:cSld>
-    <p:spTree>
-      <p:nvGrpSpPr>
-        <p:cNvPr id="1" name="Shape 425"/>
-        <p:cNvGrpSpPr/>
-        <p:nvPr/>
-      </p:nvGrpSpPr>
-      <p:grpSpPr>
-        <a:xfrm>
-          <a:off x="0" y="0"/>
-          <a:ext cx="0" cy="0"/>
-          <a:chOff x="0" y="0"/>
-          <a:chExt cx="0" cy="0"/>
-        </a:xfrm>
-      </p:grpSpPr>
-      <p:sp>
-        <p:nvSpPr>
-          <p:cNvPr id="426" name="Google Shape;426;g35f391192_073:notes"/>
-          <p:cNvSpPr>
-            <a:spLocks noGrp="1" noRot="1" noChangeAspect="1"/>
-          </p:cNvSpPr>
-          <p:nvPr>
-            <p:ph type="sldImg" idx="2"/>
-          </p:nvPr>
-        </p:nvSpPr>
-        <p:spPr>
-          <a:xfrm>
-            <a:off x="381000" y="685800"/>
-            <a:ext cx="6096000" cy="3429000"/>
-          </a:xfrm>
-          <a:custGeom>
-            <a:avLst/>
-            <a:gdLst/>
-            <a:ahLst/>
-            <a:cxnLst/>
-            <a:rect l="l" t="t" r="r" b="b"/>
-            <a:pathLst>
-              <a:path w="120000" h="120000" extrusionOk="0">
-                <a:moveTo>
-                  <a:pt x="0" y="0"/>
-                </a:moveTo>
-                <a:lnTo>
-                  <a:pt x="120000" y="0"/>
-                </a:lnTo>
-                <a:lnTo>
-                  <a:pt x="120000" y="120000"/>
-                </a:lnTo>
-                <a:lnTo>
-                  <a:pt x="0" y="120000"/>
-                </a:lnTo>
-                <a:close/>
-              </a:path>
-            </a:pathLst>
-          </a:custGeom>
-        </p:spPr>
-      </p:sp>
-      <p:sp>
-        <p:nvSpPr>
-          <p:cNvPr id="427" name="Google Shape;427;g35f391192_073:notes"/>
-          <p:cNvSpPr txBox="1">
-            <a:spLocks noGrp="1"/>
-          </p:cNvSpPr>
-          <p:nvPr>
-            <p:ph type="body" idx="1"/>
-          </p:nvPr>
-        </p:nvSpPr>
-        <p:spPr>
-          <a:xfrm>
-            <a:off x="685800" y="4343400"/>
-            <a:ext cx="5486400" cy="4114800"/>
-          </a:xfrm>
-          <a:prstGeom prst="rect">
-            <a:avLst/>
-          </a:prstGeom>
-        </p:spPr>
-        <p:txBody>
-          <a:bodyPr spcFirstLastPara="1" wrap="square" lIns="91425" tIns="91425" rIns="91425" bIns="91425" anchor="t" anchorCtr="0">
-            <a:noAutofit/>
-          </a:bodyPr>
-          <a:lstStyle/>
-          <a:p>
-            <a:pPr marL="0" lvl="0" indent="0" algn="l" rtl="0">
-              <a:spcBef>
-                <a:spcPts val="0"/>
-              </a:spcBef>
-              <a:spcAft>
-                <a:spcPts val="0"/>
-              </a:spcAft>
-              <a:buNone/>
-            </a:pPr>
-            <a:endParaRPr dirty="0"/>
-          </a:p>
-        </p:txBody>
-      </p:sp>
-    </p:spTree>
-    <p:extLst>
-      <p:ext uri="{BB962C8B-B14F-4D97-AF65-F5344CB8AC3E}">
-        <p14:creationId xmlns:p14="http://schemas.microsoft.com/office/powerpoint/2010/main" val="1441945787"/>
-      </p:ext>
-    </p:extLst>
-  </p:cSld>
-  <p:clrMapOvr>
-    <a:masterClrMapping/>
-  </p:clrMapOvr>
-</p:notes>
-</file>
-
-<file path=ppt/notesSlides/notesSlide13.xml><?xml version="1.0" encoding="utf-8"?>
-<p:notes xmlns:a="http://schemas.openxmlformats.org/drawingml/2006/main" xmlns:r="http://schemas.openxmlformats.org/officeDocument/2006/relationships" xmlns:p="http://schemas.openxmlformats.org/presentationml/2006/main" showMasterSp="0" showMasterPhAnim="0">
-  <p:cSld>
-    <p:spTree>
-      <p:nvGrpSpPr>
-        <p:cNvPr id="1" name="Shape 425"/>
-        <p:cNvGrpSpPr/>
-        <p:nvPr/>
-      </p:nvGrpSpPr>
-      <p:grpSpPr>
-        <a:xfrm>
-          <a:off x="0" y="0"/>
-          <a:ext cx="0" cy="0"/>
-          <a:chOff x="0" y="0"/>
-          <a:chExt cx="0" cy="0"/>
-        </a:xfrm>
-      </p:grpSpPr>
-      <p:sp>
-        <p:nvSpPr>
-          <p:cNvPr id="426" name="Google Shape;426;g35f391192_073:notes"/>
-          <p:cNvSpPr>
-            <a:spLocks noGrp="1" noRot="1" noChangeAspect="1"/>
-          </p:cNvSpPr>
-          <p:nvPr>
-            <p:ph type="sldImg" idx="2"/>
-          </p:nvPr>
-        </p:nvSpPr>
-        <p:spPr>
-          <a:xfrm>
-            <a:off x="381000" y="685800"/>
-            <a:ext cx="6096000" cy="3429000"/>
-          </a:xfrm>
-          <a:custGeom>
-            <a:avLst/>
-            <a:gdLst/>
-            <a:ahLst/>
-            <a:cxnLst/>
-            <a:rect l="l" t="t" r="r" b="b"/>
-            <a:pathLst>
-              <a:path w="120000" h="120000" extrusionOk="0">
-                <a:moveTo>
-                  <a:pt x="0" y="0"/>
-                </a:moveTo>
-                <a:lnTo>
-                  <a:pt x="120000" y="0"/>
-                </a:lnTo>
-                <a:lnTo>
-                  <a:pt x="120000" y="120000"/>
-                </a:lnTo>
-                <a:lnTo>
-                  <a:pt x="0" y="120000"/>
-                </a:lnTo>
-                <a:close/>
-              </a:path>
-            </a:pathLst>
-          </a:custGeom>
-        </p:spPr>
-      </p:sp>
-      <p:sp>
-        <p:nvSpPr>
-          <p:cNvPr id="427" name="Google Shape;427;g35f391192_073:notes"/>
-          <p:cNvSpPr txBox="1">
-            <a:spLocks noGrp="1"/>
-          </p:cNvSpPr>
-          <p:nvPr>
-            <p:ph type="body" idx="1"/>
-          </p:nvPr>
-        </p:nvSpPr>
-        <p:spPr>
-          <a:xfrm>
-            <a:off x="685800" y="4343400"/>
-            <a:ext cx="5486400" cy="4114800"/>
-          </a:xfrm>
-          <a:prstGeom prst="rect">
-            <a:avLst/>
-          </a:prstGeom>
-        </p:spPr>
-        <p:txBody>
-          <a:bodyPr spcFirstLastPara="1" wrap="square" lIns="91425" tIns="91425" rIns="91425" bIns="91425" anchor="t" anchorCtr="0">
-            <a:noAutofit/>
-          </a:bodyPr>
-          <a:lstStyle/>
-          <a:p>
-            <a:pPr marL="0" lvl="0" indent="0" algn="l" rtl="0">
-              <a:spcBef>
-                <a:spcPts val="0"/>
-              </a:spcBef>
-              <a:spcAft>
-                <a:spcPts val="0"/>
-              </a:spcAft>
-              <a:buNone/>
-            </a:pPr>
-            <a:endParaRPr dirty="0"/>
-          </a:p>
-        </p:txBody>
-      </p:sp>
-    </p:spTree>
-    <p:extLst>
-      <p:ext uri="{BB962C8B-B14F-4D97-AF65-F5344CB8AC3E}">
-        <p14:creationId xmlns:p14="http://schemas.microsoft.com/office/powerpoint/2010/main" val="2851111936"/>
-      </p:ext>
-    </p:extLst>
-  </p:cSld>
-  <p:clrMapOvr>
-    <a:masterClrMapping/>
-  </p:clrMapOvr>
-</p:notes>
-</file>
-
-<file path=ppt/notesSlides/notesSlide14.xml><?xml version="1.0" encoding="utf-8"?>
-<p:notes xmlns:a="http://schemas.openxmlformats.org/drawingml/2006/main" xmlns:r="http://schemas.openxmlformats.org/officeDocument/2006/relationships" xmlns:p="http://schemas.openxmlformats.org/presentationml/2006/main" showMasterSp="0" showMasterPhAnim="0">
-  <p:cSld>
-    <p:spTree>
-      <p:nvGrpSpPr>
-        <p:cNvPr id="1" name="Shape 425"/>
-        <p:cNvGrpSpPr/>
-        <p:nvPr/>
-      </p:nvGrpSpPr>
-      <p:grpSpPr>
-        <a:xfrm>
-          <a:off x="0" y="0"/>
-          <a:ext cx="0" cy="0"/>
-          <a:chOff x="0" y="0"/>
-          <a:chExt cx="0" cy="0"/>
-        </a:xfrm>
-      </p:grpSpPr>
-      <p:sp>
-        <p:nvSpPr>
-          <p:cNvPr id="426" name="Google Shape;426;g35f391192_073:notes"/>
-          <p:cNvSpPr>
-            <a:spLocks noGrp="1" noRot="1" noChangeAspect="1"/>
-          </p:cNvSpPr>
-          <p:nvPr>
-            <p:ph type="sldImg" idx="2"/>
-          </p:nvPr>
-        </p:nvSpPr>
-        <p:spPr>
-          <a:xfrm>
-            <a:off x="381000" y="685800"/>
-            <a:ext cx="6096000" cy="3429000"/>
-          </a:xfrm>
-          <a:custGeom>
-            <a:avLst/>
-            <a:gdLst/>
-            <a:ahLst/>
-            <a:cxnLst/>
-            <a:rect l="l" t="t" r="r" b="b"/>
-            <a:pathLst>
-              <a:path w="120000" h="120000" extrusionOk="0">
-                <a:moveTo>
-                  <a:pt x="0" y="0"/>
-                </a:moveTo>
-                <a:lnTo>
-                  <a:pt x="120000" y="0"/>
-                </a:lnTo>
-                <a:lnTo>
-                  <a:pt x="120000" y="120000"/>
-                </a:lnTo>
-                <a:lnTo>
-                  <a:pt x="0" y="120000"/>
-                </a:lnTo>
-                <a:close/>
-              </a:path>
-            </a:pathLst>
-          </a:custGeom>
-        </p:spPr>
-      </p:sp>
-      <p:sp>
-        <p:nvSpPr>
-          <p:cNvPr id="427" name="Google Shape;427;g35f391192_073:notes"/>
-          <p:cNvSpPr txBox="1">
-            <a:spLocks noGrp="1"/>
-          </p:cNvSpPr>
-          <p:nvPr>
-            <p:ph type="body" idx="1"/>
-          </p:nvPr>
-        </p:nvSpPr>
-        <p:spPr>
-          <a:xfrm>
-            <a:off x="685800" y="4343400"/>
-            <a:ext cx="5486400" cy="4114800"/>
-          </a:xfrm>
-          <a:prstGeom prst="rect">
-            <a:avLst/>
-          </a:prstGeom>
-        </p:spPr>
-        <p:txBody>
-          <a:bodyPr spcFirstLastPara="1" wrap="square" lIns="91425" tIns="91425" rIns="91425" bIns="91425" anchor="t" anchorCtr="0">
-            <a:noAutofit/>
-          </a:bodyPr>
-          <a:lstStyle/>
-          <a:p>
-            <a:pPr marL="0" lvl="0" indent="0" algn="l" rtl="0">
-              <a:spcBef>
-                <a:spcPts val="0"/>
-              </a:spcBef>
-              <a:spcAft>
-                <a:spcPts val="0"/>
-              </a:spcAft>
-              <a:buNone/>
-            </a:pPr>
-            <a:endParaRPr dirty="0"/>
-          </a:p>
-        </p:txBody>
-      </p:sp>
-    </p:spTree>
-    <p:extLst>
-      <p:ext uri="{BB962C8B-B14F-4D97-AF65-F5344CB8AC3E}">
-        <p14:creationId xmlns:p14="http://schemas.microsoft.com/office/powerpoint/2010/main" val="1954281726"/>
-      </p:ext>
-    </p:extLst>
-  </p:cSld>
-  <p:clrMapOvr>
-    <a:masterClrMapping/>
-  </p:clrMapOvr>
-</p:notes>
-</file>
-
-<file path=ppt/notesSlides/notesSlide15.xml><?xml version="1.0" encoding="utf-8"?>
-<p:notes xmlns:a="http://schemas.openxmlformats.org/drawingml/2006/main" xmlns:r="http://schemas.openxmlformats.org/officeDocument/2006/relationships" xmlns:p="http://schemas.openxmlformats.org/presentationml/2006/main" showMasterSp="0" showMasterPhAnim="0">
-  <p:cSld>
-    <p:spTree>
-      <p:nvGrpSpPr>
         <p:cNvPr id="1" name="Shape 568"/>
         <p:cNvGrpSpPr/>
         <p:nvPr/>
@@ -1590,15 +1141,300 @@
               <a:buNone/>
             </a:pPr>
             <a:r>
-              <a:rPr lang="en-US" dirty="0" smtClean="0"/>
-              <a:t>Now that we have the idea that we want to put together expressions, by putting together primitives in legal ways, we can take up that idea of how to use that to start capturing recipes, start capturing algorithms. So let's talk about a Python program. Python being the language we're going to use in this class to do programming. And the program, just as you saw with the recipe, is going to be a sequence of definitions and commands. Definitions as we'll see a little bit later on, are ways of either assigning names to values, or more importantly, creating procedures that we're going to treat as if they're primitives. Those we refer to as being evaluated. Commands, are simpler expressions that we can execute directly within Python. And we do that in something called a shell. In a moment I'm going to use a shell. A shell is simply a window into which I can type expressions. They get passed into the Python interpreter, it follows the set of instructions to figure out what's the semantics -- what's the meaning associated with that expression? And then it prints out the result. Commands are statements that instruct the interpreter to do something. So the commands could be simply, do this arithmetic operation. Or commands could be apply a primitive that I created to do some work for us. The last piece, and we're going to see both of the seas we go through the course, is that we can either type things directly into the shell. That's a window that the interpreter is listening to. That's something where we type something in and the machine does something with it. Or, we can store it in a file that gets read into the shell when we're ready to use it. But otherwise, can be saved away. To start with, we're just </a:t>
-            </a:r>
-            <a:r>
-              <a:rPr lang="en-US" dirty="0" err="1" smtClean="0"/>
+              <a:rPr lang="en-US" dirty="0"/>
+              <a:t>Now that we have the idea that we want to put together expressions, by putting together primitives in legal ways, we can take up that idea of how to use that to start capturing recipes, start capturing algorithms. </a:t>
+            </a:r>
+          </a:p>
+          <a:p>
+            <a:pPr marL="0" lvl="0" indent="0" algn="l" rtl="0">
+              <a:spcBef>
+                <a:spcPts val="0"/>
+              </a:spcBef>
+              <a:spcAft>
+                <a:spcPts val="0"/>
+              </a:spcAft>
+              <a:buNone/>
+            </a:pPr>
+            <a:r>
+              <a:rPr lang="en-US" dirty="0"/>
+              <a:t>So let's talk about a Python program. Python being the language we're going to use in this class to do programming. </a:t>
+            </a:r>
+          </a:p>
+          <a:p>
+            <a:pPr marL="0" lvl="0" indent="0" algn="l" rtl="0">
+              <a:spcBef>
+                <a:spcPts val="0"/>
+              </a:spcBef>
+              <a:spcAft>
+                <a:spcPts val="0"/>
+              </a:spcAft>
+              <a:buNone/>
+            </a:pPr>
+            <a:r>
+              <a:rPr lang="en-US" dirty="0"/>
+              <a:t>And the program, just as you saw with the recipe, is going to be a sequence of definitions and commands. </a:t>
+            </a:r>
+          </a:p>
+          <a:p>
+            <a:pPr marL="0" lvl="0" indent="0" algn="l" rtl="0">
+              <a:spcBef>
+                <a:spcPts val="0"/>
+              </a:spcBef>
+              <a:spcAft>
+                <a:spcPts val="0"/>
+              </a:spcAft>
+              <a:buNone/>
+            </a:pPr>
+            <a:r>
+              <a:rPr lang="en-US" dirty="0"/>
+              <a:t>Definitions as we'll see a little bit later on, are ways of either assigning names to values, or more importantly, creating procedures that we're going to treat as if they're primitives. </a:t>
+            </a:r>
+          </a:p>
+          <a:p>
+            <a:pPr marL="0" lvl="0" indent="0" algn="l" rtl="0">
+              <a:spcBef>
+                <a:spcPts val="0"/>
+              </a:spcBef>
+              <a:spcAft>
+                <a:spcPts val="0"/>
+              </a:spcAft>
+              <a:buNone/>
+            </a:pPr>
+            <a:r>
+              <a:rPr lang="en-US" dirty="0"/>
+              <a:t>Those we refer to as being evaluated. </a:t>
+            </a:r>
+          </a:p>
+          <a:p>
+            <a:pPr marL="0" lvl="0" indent="0" algn="l" rtl="0">
+              <a:spcBef>
+                <a:spcPts val="0"/>
+              </a:spcBef>
+              <a:spcAft>
+                <a:spcPts val="0"/>
+              </a:spcAft>
+              <a:buNone/>
+            </a:pPr>
+            <a:r>
+              <a:rPr lang="en-US" dirty="0"/>
+              <a:t>Commands, are simpler expressions that we can execute directly within Python. </a:t>
+            </a:r>
+          </a:p>
+          <a:p>
+            <a:pPr marL="0" lvl="0" indent="0" algn="l" rtl="0">
+              <a:spcBef>
+                <a:spcPts val="0"/>
+              </a:spcBef>
+              <a:spcAft>
+                <a:spcPts val="0"/>
+              </a:spcAft>
+              <a:buNone/>
+            </a:pPr>
+            <a:r>
+              <a:rPr lang="en-US" dirty="0"/>
+              <a:t>And we do that in something called a shell. </a:t>
+            </a:r>
+          </a:p>
+          <a:p>
+            <a:pPr marL="0" lvl="0" indent="0" algn="l" rtl="0">
+              <a:spcBef>
+                <a:spcPts val="0"/>
+              </a:spcBef>
+              <a:spcAft>
+                <a:spcPts val="0"/>
+              </a:spcAft>
+              <a:buNone/>
+            </a:pPr>
+            <a:r>
+              <a:rPr lang="en-US" dirty="0"/>
+              <a:t>In a moment I'm going to use a shell. </a:t>
+            </a:r>
+          </a:p>
+          <a:p>
+            <a:pPr marL="0" lvl="0" indent="0" algn="l" rtl="0">
+              <a:spcBef>
+                <a:spcPts val="0"/>
+              </a:spcBef>
+              <a:spcAft>
+                <a:spcPts val="0"/>
+              </a:spcAft>
+              <a:buNone/>
+            </a:pPr>
+            <a:r>
+              <a:rPr lang="en-US" dirty="0"/>
+              <a:t>A shell is simply a window into which I can type expressions. </a:t>
+            </a:r>
+          </a:p>
+          <a:p>
+            <a:pPr marL="0" lvl="0" indent="0" algn="l" rtl="0">
+              <a:spcBef>
+                <a:spcPts val="0"/>
+              </a:spcBef>
+              <a:spcAft>
+                <a:spcPts val="0"/>
+              </a:spcAft>
+              <a:buNone/>
+            </a:pPr>
+            <a:r>
+              <a:rPr lang="en-US" dirty="0"/>
+              <a:t>They get passed into the Python interpreter, it follows the set of instructions to figure out what's the semantics -- what's the meaning associated with that expression? </a:t>
+            </a:r>
+          </a:p>
+          <a:p>
+            <a:pPr marL="0" lvl="0" indent="0" algn="l" rtl="0">
+              <a:spcBef>
+                <a:spcPts val="0"/>
+              </a:spcBef>
+              <a:spcAft>
+                <a:spcPts val="0"/>
+              </a:spcAft>
+              <a:buNone/>
+            </a:pPr>
+            <a:r>
+              <a:rPr lang="en-US" dirty="0"/>
+              <a:t>And then it prints out the result. </a:t>
+            </a:r>
+          </a:p>
+          <a:p>
+            <a:pPr marL="0" lvl="0" indent="0" algn="l" rtl="0">
+              <a:spcBef>
+                <a:spcPts val="0"/>
+              </a:spcBef>
+              <a:spcAft>
+                <a:spcPts val="0"/>
+              </a:spcAft>
+              <a:buNone/>
+            </a:pPr>
+            <a:r>
+              <a:rPr lang="en-US" dirty="0"/>
+              <a:t>Commands are statements that instruct the interpreter to do something. </a:t>
+            </a:r>
+          </a:p>
+          <a:p>
+            <a:pPr marL="0" lvl="0" indent="0" algn="l" rtl="0">
+              <a:spcBef>
+                <a:spcPts val="0"/>
+              </a:spcBef>
+              <a:spcAft>
+                <a:spcPts val="0"/>
+              </a:spcAft>
+              <a:buNone/>
+            </a:pPr>
+            <a:r>
+              <a:rPr lang="en-US" dirty="0"/>
+              <a:t>So the commands could be simply, do this arithmetic operation. </a:t>
+            </a:r>
+          </a:p>
+          <a:p>
+            <a:pPr marL="0" lvl="0" indent="0" algn="l" rtl="0">
+              <a:spcBef>
+                <a:spcPts val="0"/>
+              </a:spcBef>
+              <a:spcAft>
+                <a:spcPts val="0"/>
+              </a:spcAft>
+              <a:buNone/>
+            </a:pPr>
+            <a:r>
+              <a:rPr lang="en-US" dirty="0"/>
+              <a:t>Or commands could be apply a primitive that I created to do some work for us. </a:t>
+            </a:r>
+          </a:p>
+          <a:p>
+            <a:pPr marL="0" lvl="0" indent="0" algn="l" rtl="0">
+              <a:spcBef>
+                <a:spcPts val="0"/>
+              </a:spcBef>
+              <a:spcAft>
+                <a:spcPts val="0"/>
+              </a:spcAft>
+              <a:buNone/>
+            </a:pPr>
+            <a:r>
+              <a:rPr lang="en-US" dirty="0"/>
+              <a:t>The last piece, and we're going to see both of the seas we go through the course, is that we can either type things directly into the shell. </a:t>
+            </a:r>
+          </a:p>
+          <a:p>
+            <a:pPr marL="0" lvl="0" indent="0" algn="l" rtl="0">
+              <a:spcBef>
+                <a:spcPts val="0"/>
+              </a:spcBef>
+              <a:spcAft>
+                <a:spcPts val="0"/>
+              </a:spcAft>
+              <a:buNone/>
+            </a:pPr>
+            <a:r>
+              <a:rPr lang="en-US" dirty="0"/>
+              <a:t>That's a window that the interpreter is listening to. </a:t>
+            </a:r>
+          </a:p>
+          <a:p>
+            <a:pPr marL="0" lvl="0" indent="0" algn="l" rtl="0">
+              <a:spcBef>
+                <a:spcPts val="0"/>
+              </a:spcBef>
+              <a:spcAft>
+                <a:spcPts val="0"/>
+              </a:spcAft>
+              <a:buNone/>
+            </a:pPr>
+            <a:r>
+              <a:rPr lang="en-US" dirty="0"/>
+              <a:t>That's something where we type something in and the machine does something with it. </a:t>
+            </a:r>
+          </a:p>
+          <a:p>
+            <a:pPr marL="0" lvl="0" indent="0" algn="l" rtl="0">
+              <a:spcBef>
+                <a:spcPts val="0"/>
+              </a:spcBef>
+              <a:spcAft>
+                <a:spcPts val="0"/>
+              </a:spcAft>
+              <a:buNone/>
+            </a:pPr>
+            <a:r>
+              <a:rPr lang="en-US" dirty="0"/>
+              <a:t>Or, we can store it in a file that gets read into the shell when we're ready to use it. </a:t>
+            </a:r>
+          </a:p>
+          <a:p>
+            <a:pPr marL="0" lvl="0" indent="0" algn="l" rtl="0">
+              <a:spcBef>
+                <a:spcPts val="0"/>
+              </a:spcBef>
+              <a:spcAft>
+                <a:spcPts val="0"/>
+              </a:spcAft>
+              <a:buNone/>
+            </a:pPr>
+            <a:r>
+              <a:rPr lang="en-US" dirty="0"/>
+              <a:t>But otherwise, can be saved away. </a:t>
+            </a:r>
+          </a:p>
+          <a:p>
+            <a:pPr marL="0" lvl="0" indent="0" algn="l" rtl="0">
+              <a:spcBef>
+                <a:spcPts val="0"/>
+              </a:spcBef>
+              <a:spcAft>
+                <a:spcPts val="0"/>
+              </a:spcAft>
+              <a:buNone/>
+            </a:pPr>
+            <a:r>
+              <a:rPr lang="en-US" dirty="0"/>
+              <a:t>To start with, we're just </a:t>
+            </a:r>
+            <a:r>
+              <a:rPr lang="en-US" dirty="0" err="1"/>
               <a:t>gonna</a:t>
             </a:r>
             <a:r>
-              <a:rPr lang="en-US" dirty="0" smtClean="0"/>
+              <a:rPr lang="en-US" dirty="0"/>
               <a:t> type directly into the shell, but we'll see examples of files in a little bit.</a:t>
             </a:r>
             <a:endParaRPr dirty="0"/>
@@ -1711,8 +1547,188 @@
               <a:buNone/>
             </a:pPr>
             <a:r>
-              <a:rPr lang="en-US" dirty="0" smtClean="0"/>
-              <a:t>OK, we're almost ready to start programming. We know the pieces we need. Let's start with what are the fundamental primitives that represent data? Those, we call objects. And programs manipulate data objects in order to get out parts of those objects or to do something with those objects. Every object has a type associated with it that tells us what kind of thing it is. And more importantly, that type is really important. That type tells programs whether they can act on it or not. If a program is expecting a number and I give it a string, it's not going to try and do something with it. So the type of the object is really valuable. Finally, objects come either as scalars, which says they can't be subdivided. Or, if they're scalars, obviously non-scalars which are things that have internal structure into which we can pull out parts. Let's start with the simplest version of these, scalar objects in Python.</a:t>
+              <a:rPr lang="en-US" dirty="0"/>
+              <a:t>OK, we're almost ready to start programming. </a:t>
+            </a:r>
+          </a:p>
+          <a:p>
+            <a:pPr marL="0" lvl="0" indent="0" algn="l" rtl="0">
+              <a:spcBef>
+                <a:spcPts val="0"/>
+              </a:spcBef>
+              <a:spcAft>
+                <a:spcPts val="0"/>
+              </a:spcAft>
+              <a:buNone/>
+            </a:pPr>
+            <a:r>
+              <a:rPr lang="en-US" dirty="0"/>
+              <a:t>We know the pieces we need. </a:t>
+            </a:r>
+          </a:p>
+          <a:p>
+            <a:pPr marL="0" lvl="0" indent="0" algn="l" rtl="0">
+              <a:spcBef>
+                <a:spcPts val="0"/>
+              </a:spcBef>
+              <a:spcAft>
+                <a:spcPts val="0"/>
+              </a:spcAft>
+              <a:buNone/>
+            </a:pPr>
+            <a:r>
+              <a:rPr lang="en-US" dirty="0"/>
+              <a:t>Let's start with what are the fundamental primitives that represent data? </a:t>
+            </a:r>
+          </a:p>
+          <a:p>
+            <a:pPr marL="0" lvl="0" indent="0" algn="l" rtl="0">
+              <a:spcBef>
+                <a:spcPts val="0"/>
+              </a:spcBef>
+              <a:spcAft>
+                <a:spcPts val="0"/>
+              </a:spcAft>
+              <a:buNone/>
+            </a:pPr>
+            <a:r>
+              <a:rPr lang="en-US" dirty="0"/>
+              <a:t>Those, we call objects. </a:t>
+            </a:r>
+          </a:p>
+          <a:p>
+            <a:pPr marL="0" lvl="0" indent="0" algn="l" rtl="0">
+              <a:spcBef>
+                <a:spcPts val="0"/>
+              </a:spcBef>
+              <a:spcAft>
+                <a:spcPts val="0"/>
+              </a:spcAft>
+              <a:buNone/>
+            </a:pPr>
+            <a:r>
+              <a:rPr lang="en-US" dirty="0"/>
+              <a:t>And programs manipulate data objects in order to get out parts of those objects or to do something with those objects. </a:t>
+            </a:r>
+          </a:p>
+          <a:p>
+            <a:pPr marL="0" lvl="0" indent="0" algn="l" rtl="0">
+              <a:spcBef>
+                <a:spcPts val="0"/>
+              </a:spcBef>
+              <a:spcAft>
+                <a:spcPts val="0"/>
+              </a:spcAft>
+              <a:buNone/>
+            </a:pPr>
+            <a:r>
+              <a:rPr lang="en-US" dirty="0"/>
+              <a:t>Every object has a type associated with it that tells us what kind of thing it is. </a:t>
+            </a:r>
+          </a:p>
+          <a:p>
+            <a:pPr marL="0" lvl="0" indent="0" algn="l" rtl="0">
+              <a:spcBef>
+                <a:spcPts val="0"/>
+              </a:spcBef>
+              <a:spcAft>
+                <a:spcPts val="0"/>
+              </a:spcAft>
+              <a:buNone/>
+            </a:pPr>
+            <a:r>
+              <a:rPr lang="en-US" dirty="0"/>
+              <a:t>And more importantly, that type is really important. </a:t>
+            </a:r>
+          </a:p>
+          <a:p>
+            <a:pPr marL="0" lvl="0" indent="0" algn="l" rtl="0">
+              <a:spcBef>
+                <a:spcPts val="0"/>
+              </a:spcBef>
+              <a:spcAft>
+                <a:spcPts val="0"/>
+              </a:spcAft>
+              <a:buNone/>
+            </a:pPr>
+            <a:r>
+              <a:rPr lang="en-US" dirty="0"/>
+              <a:t>That type tells programs whether they can act on it or not. </a:t>
+            </a:r>
+          </a:p>
+          <a:p>
+            <a:pPr marL="0" lvl="0" indent="0" algn="l" rtl="0">
+              <a:spcBef>
+                <a:spcPts val="0"/>
+              </a:spcBef>
+              <a:spcAft>
+                <a:spcPts val="0"/>
+              </a:spcAft>
+              <a:buNone/>
+            </a:pPr>
+            <a:r>
+              <a:rPr lang="en-US" dirty="0"/>
+              <a:t>If a program is expecting a number and I give it a string, it's not going to try and do something with it. </a:t>
+            </a:r>
+          </a:p>
+          <a:p>
+            <a:pPr marL="0" lvl="0" indent="0" algn="l" rtl="0">
+              <a:spcBef>
+                <a:spcPts val="0"/>
+              </a:spcBef>
+              <a:spcAft>
+                <a:spcPts val="0"/>
+              </a:spcAft>
+              <a:buNone/>
+            </a:pPr>
+            <a:r>
+              <a:rPr lang="en-US" dirty="0"/>
+              <a:t>So the type of the object is really valuable. </a:t>
+            </a:r>
+          </a:p>
+          <a:p>
+            <a:pPr marL="0" lvl="0" indent="0" algn="l" rtl="0">
+              <a:spcBef>
+                <a:spcPts val="0"/>
+              </a:spcBef>
+              <a:spcAft>
+                <a:spcPts val="0"/>
+              </a:spcAft>
+              <a:buNone/>
+            </a:pPr>
+            <a:r>
+              <a:rPr lang="en-US" dirty="0"/>
+              <a:t>Finally, objects come either as scalars, which says they can't be subdivided. </a:t>
+            </a:r>
+          </a:p>
+          <a:p>
+            <a:pPr marL="0" lvl="0" indent="0" algn="l" rtl="0">
+              <a:spcBef>
+                <a:spcPts val="0"/>
+              </a:spcBef>
+              <a:spcAft>
+                <a:spcPts val="0"/>
+              </a:spcAft>
+              <a:buNone/>
+            </a:pPr>
+            <a:r>
+              <a:rPr lang="en-US" dirty="0"/>
+              <a:t>Or, if they're scalars, obviously non-scalars which are things that have internal structure into which we can pull out parts. </a:t>
+            </a:r>
+          </a:p>
+          <a:p>
+            <a:pPr marL="0" lvl="0" indent="0" algn="l" rtl="0">
+              <a:spcBef>
+                <a:spcPts val="0"/>
+              </a:spcBef>
+              <a:spcAft>
+                <a:spcPts val="0"/>
+              </a:spcAft>
+              <a:buNone/>
+            </a:pPr>
+            <a:r>
+              <a:rPr lang="en-US" dirty="0"/>
+              <a:t>Let's start with the simplest version of these, scalar objects in Python.</a:t>
             </a:r>
             <a:endParaRPr dirty="0"/>
           </a:p>
@@ -1824,32 +1840,437 @@
               <a:buNone/>
             </a:pPr>
             <a:r>
-              <a:rPr lang="en-US" dirty="0" smtClean="0"/>
-              <a:t>There are very few of them. We have </a:t>
-            </a:r>
-            <a:r>
-              <a:rPr lang="en-US" dirty="0" err="1" smtClean="0"/>
+              <a:rPr lang="en-US" dirty="0"/>
+              <a:t>There are very few of them. </a:t>
+            </a:r>
+          </a:p>
+          <a:p>
+            <a:pPr marL="0" lvl="0" indent="0" algn="l" rtl="0">
+              <a:spcBef>
+                <a:spcPts val="0"/>
+              </a:spcBef>
+              <a:spcAft>
+                <a:spcPts val="0"/>
+              </a:spcAft>
+              <a:buNone/>
+            </a:pPr>
+            <a:r>
+              <a:rPr lang="en-US" dirty="0"/>
+              <a:t>We have </a:t>
+            </a:r>
+            <a:r>
+              <a:rPr lang="en-US" dirty="0" err="1"/>
               <a:t>ints</a:t>
             </a:r>
             <a:r>
-              <a:rPr lang="en-US" dirty="0" smtClean="0"/>
-              <a:t>. These are integers. Standard numbers that you recognize, 5. 17. 27. Negative 6. We have floats. These are real numbers, things with numbers after the decimal point. 3.27, 3.14159, my favorite. You have something called a bool, short for Boolean. And that represents true or false. Those are going to be important when we get to tests, because we want to know if a test is true, do something. If it's not, do something else. There's one weird one. It's called </a:t>
-            </a:r>
-            <a:r>
-              <a:rPr lang="en-US" dirty="0" err="1" smtClean="0"/>
+              <a:rPr lang="en-US" dirty="0"/>
+              <a:t>. </a:t>
+            </a:r>
+          </a:p>
+          <a:p>
+            <a:pPr marL="0" lvl="0" indent="0" algn="l" rtl="0">
+              <a:spcBef>
+                <a:spcPts val="0"/>
+              </a:spcBef>
+              <a:spcAft>
+                <a:spcPts val="0"/>
+              </a:spcAft>
+              <a:buNone/>
+            </a:pPr>
+            <a:r>
+              <a:rPr lang="en-US" dirty="0"/>
+              <a:t>These are integers. </a:t>
+            </a:r>
+          </a:p>
+          <a:p>
+            <a:pPr marL="0" lvl="0" indent="0" algn="l" rtl="0">
+              <a:spcBef>
+                <a:spcPts val="0"/>
+              </a:spcBef>
+              <a:spcAft>
+                <a:spcPts val="0"/>
+              </a:spcAft>
+              <a:buNone/>
+            </a:pPr>
+            <a:r>
+              <a:rPr lang="en-US" dirty="0"/>
+              <a:t>Standard numbers that you recognize, 5. 17. 27. Negative 6. </a:t>
+            </a:r>
+          </a:p>
+          <a:p>
+            <a:pPr marL="0" lvl="0" indent="0" algn="l" rtl="0">
+              <a:spcBef>
+                <a:spcPts val="0"/>
+              </a:spcBef>
+              <a:spcAft>
+                <a:spcPts val="0"/>
+              </a:spcAft>
+              <a:buNone/>
+            </a:pPr>
+            <a:r>
+              <a:rPr lang="en-US" dirty="0"/>
+              <a:t>We have floats. </a:t>
+            </a:r>
+          </a:p>
+          <a:p>
+            <a:pPr marL="0" lvl="0" indent="0" algn="l" rtl="0">
+              <a:spcBef>
+                <a:spcPts val="0"/>
+              </a:spcBef>
+              <a:spcAft>
+                <a:spcPts val="0"/>
+              </a:spcAft>
+              <a:buNone/>
+            </a:pPr>
+            <a:r>
+              <a:rPr lang="en-US" dirty="0"/>
+              <a:t>These are real numbers, things with numbers after the decimal point. 3.27, 3.14159</a:t>
+            </a:r>
+          </a:p>
+          <a:p>
+            <a:pPr marL="0" lvl="0" indent="0" algn="l" rtl="0">
+              <a:spcBef>
+                <a:spcPts val="0"/>
+              </a:spcBef>
+              <a:spcAft>
+                <a:spcPts val="0"/>
+              </a:spcAft>
+              <a:buNone/>
+            </a:pPr>
+            <a:r>
+              <a:rPr lang="en-US" dirty="0"/>
+              <a:t>You have something called a bool, short for Boolean. </a:t>
+            </a:r>
+          </a:p>
+          <a:p>
+            <a:pPr marL="0" lvl="0" indent="0" algn="l" rtl="0">
+              <a:spcBef>
+                <a:spcPts val="0"/>
+              </a:spcBef>
+              <a:spcAft>
+                <a:spcPts val="0"/>
+              </a:spcAft>
+              <a:buNone/>
+            </a:pPr>
+            <a:r>
+              <a:rPr lang="en-US" dirty="0"/>
+              <a:t>And that represents true or false. </a:t>
+            </a:r>
+          </a:p>
+          <a:p>
+            <a:pPr marL="0" lvl="0" indent="0" algn="l" rtl="0">
+              <a:spcBef>
+                <a:spcPts val="0"/>
+              </a:spcBef>
+              <a:spcAft>
+                <a:spcPts val="0"/>
+              </a:spcAft>
+              <a:buNone/>
+            </a:pPr>
+            <a:r>
+              <a:rPr lang="en-US" dirty="0"/>
+              <a:t>Those are going to be important when we get to tests, because we want to know if a test is true, do something. </a:t>
+            </a:r>
+          </a:p>
+          <a:p>
+            <a:pPr marL="0" lvl="0" indent="0" algn="l" rtl="0">
+              <a:spcBef>
+                <a:spcPts val="0"/>
+              </a:spcBef>
+              <a:spcAft>
+                <a:spcPts val="0"/>
+              </a:spcAft>
+              <a:buNone/>
+            </a:pPr>
+            <a:r>
+              <a:rPr lang="en-US" dirty="0"/>
+              <a:t>If it's not, do something else. </a:t>
+            </a:r>
+          </a:p>
+          <a:p>
+            <a:pPr marL="0" lvl="0" indent="0" algn="l" rtl="0">
+              <a:spcBef>
+                <a:spcPts val="0"/>
+              </a:spcBef>
+              <a:spcAft>
+                <a:spcPts val="0"/>
+              </a:spcAft>
+              <a:buNone/>
+            </a:pPr>
+            <a:r>
+              <a:rPr lang="en-US" dirty="0"/>
+              <a:t>There's one weird one. It's called </a:t>
+            </a:r>
+            <a:r>
+              <a:rPr lang="en-US" dirty="0" err="1"/>
               <a:t>NoneType</a:t>
             </a:r>
             <a:r>
-              <a:rPr lang="en-US" dirty="0" smtClean="0"/>
-              <a:t>. It's a very special one. It has only one value, which is none. We're going to see why that's important later on, but just to be thorough, </a:t>
-            </a:r>
-            <a:r>
-              <a:rPr lang="en-US" dirty="0" err="1" smtClean="0"/>
+              <a:rPr lang="en-US" dirty="0"/>
+              <a:t>. It's a very special one. It has only one value, which is none. </a:t>
+            </a:r>
+          </a:p>
+          <a:p>
+            <a:pPr marL="0" lvl="0" indent="0" algn="l" rtl="0">
+              <a:spcBef>
+                <a:spcPts val="0"/>
+              </a:spcBef>
+              <a:spcAft>
+                <a:spcPts val="0"/>
+              </a:spcAft>
+              <a:buNone/>
+            </a:pPr>
+            <a:r>
+              <a:rPr lang="en-US" dirty="0"/>
+              <a:t>We're going to see why that's important later on, but just to be thorough, </a:t>
+            </a:r>
+            <a:r>
+              <a:rPr lang="en-US" dirty="0" err="1"/>
               <a:t>NoneType</a:t>
             </a:r>
             <a:r>
-              <a:rPr lang="en-US" dirty="0" smtClean="0"/>
-              <a:t> is a scalar object. Those are four fundamental scalars. There are only a couple of more, which we'll get to a little later on. Once I have knowledge of those different types, I can also find out the type of an object, by using a built-in procedure called type. And I want to show you some examples. So I'm going to go over to my little machine over here, and I'm going to skip down. I'm now talking to a shell. And I'm simply going to type in a number. And the output is the number itself. Well duh, you say. But it's actually important, because what the machine did was it read in that sequence of characters, understood that it was a number, and the value associated with the number is simply the number. And in fact, I can check it because I can say what's the type of 3.5? Notice the open and close parentheses around it. And it says, it's a float. And I can have integers. And if I say what's the type of that, it's going to give me back an int. Simple things. OK. Again, just to recap what this says is here's what I'm going to type into this Python shell. And here's what shows up after I hit Enter as you just saw. And in and out are simply going to identify what I typed in, in the output that you've recovered.</a:t>
+              <a:rPr lang="en-US" dirty="0"/>
+              <a:t> is a scalar object. </a:t>
+            </a:r>
+          </a:p>
+          <a:p>
+            <a:pPr marL="0" lvl="0" indent="0" algn="l" rtl="0">
+              <a:spcBef>
+                <a:spcPts val="0"/>
+              </a:spcBef>
+              <a:spcAft>
+                <a:spcPts val="0"/>
+              </a:spcAft>
+              <a:buNone/>
+            </a:pPr>
+            <a:r>
+              <a:rPr lang="en-US" dirty="0"/>
+              <a:t>Those are four fundamental scalars. </a:t>
+            </a:r>
+          </a:p>
+          <a:p>
+            <a:pPr marL="0" lvl="0" indent="0" algn="l" rtl="0">
+              <a:spcBef>
+                <a:spcPts val="0"/>
+              </a:spcBef>
+              <a:spcAft>
+                <a:spcPts val="0"/>
+              </a:spcAft>
+              <a:buNone/>
+            </a:pPr>
+            <a:r>
+              <a:rPr lang="en-US" dirty="0"/>
+              <a:t>There are only a couple of more, which we'll get to a little later on. </a:t>
+            </a:r>
+          </a:p>
+          <a:p>
+            <a:pPr marL="0" lvl="0" indent="0" algn="l" rtl="0">
+              <a:spcBef>
+                <a:spcPts val="0"/>
+              </a:spcBef>
+              <a:spcAft>
+                <a:spcPts val="0"/>
+              </a:spcAft>
+              <a:buNone/>
+            </a:pPr>
+            <a:r>
+              <a:rPr lang="en-US" dirty="0"/>
+              <a:t>Once I have knowledge of those different types, I can also find out the type of an object, by using a built-in procedure called type. </a:t>
+            </a:r>
+          </a:p>
+          <a:p>
+            <a:pPr marL="0" lvl="0" indent="0" algn="l" rtl="0">
+              <a:spcBef>
+                <a:spcPts val="0"/>
+              </a:spcBef>
+              <a:spcAft>
+                <a:spcPts val="0"/>
+              </a:spcAft>
+              <a:buNone/>
+            </a:pPr>
+            <a:r>
+              <a:rPr lang="en-US" dirty="0"/>
+              <a:t>And I want to show you some examples. </a:t>
+            </a:r>
+          </a:p>
+          <a:p>
+            <a:pPr marL="0" lvl="0" indent="0" algn="l" rtl="0">
+              <a:spcBef>
+                <a:spcPts val="0"/>
+              </a:spcBef>
+              <a:spcAft>
+                <a:spcPts val="0"/>
+              </a:spcAft>
+              <a:buNone/>
+            </a:pPr>
+            <a:r>
+              <a:rPr lang="en-US" dirty="0"/>
+              <a:t>So I'm going to go over to my little machine over here, and I'm going to skip down. </a:t>
+            </a:r>
+          </a:p>
+          <a:p>
+            <a:pPr marL="0" lvl="0" indent="0" algn="l" rtl="0">
+              <a:spcBef>
+                <a:spcPts val="0"/>
+              </a:spcBef>
+              <a:spcAft>
+                <a:spcPts val="0"/>
+              </a:spcAft>
+              <a:buNone/>
+            </a:pPr>
+            <a:r>
+              <a:rPr lang="en-US" dirty="0"/>
+              <a:t>I'm now talking to a shell. And I'm simply going to type in a number. </a:t>
+            </a:r>
+          </a:p>
+          <a:p>
+            <a:pPr marL="0" lvl="0" indent="0" algn="l" rtl="0">
+              <a:spcBef>
+                <a:spcPts val="0"/>
+              </a:spcBef>
+              <a:spcAft>
+                <a:spcPts val="0"/>
+              </a:spcAft>
+              <a:buNone/>
+            </a:pPr>
+            <a:r>
+              <a:rPr lang="en-US" dirty="0"/>
+              <a:t>And the output is the number itself. </a:t>
+            </a:r>
+          </a:p>
+          <a:p>
+            <a:pPr marL="0" lvl="0" indent="0" algn="l" rtl="0">
+              <a:spcBef>
+                <a:spcPts val="0"/>
+              </a:spcBef>
+              <a:spcAft>
+                <a:spcPts val="0"/>
+              </a:spcAft>
+              <a:buNone/>
+            </a:pPr>
+            <a:r>
+              <a:rPr lang="en-US" dirty="0"/>
+              <a:t>Well duh, you say. </a:t>
+            </a:r>
+          </a:p>
+          <a:p>
+            <a:pPr marL="0" lvl="0" indent="0" algn="l" rtl="0">
+              <a:spcBef>
+                <a:spcPts val="0"/>
+              </a:spcBef>
+              <a:spcAft>
+                <a:spcPts val="0"/>
+              </a:spcAft>
+              <a:buNone/>
+            </a:pPr>
+            <a:r>
+              <a:rPr lang="en-US" dirty="0"/>
+              <a:t>But it's actually important, because what the machine did was it read in that sequence of characters, understood that it was a number, and the value associated with the number is simply the number. </a:t>
+            </a:r>
+          </a:p>
+          <a:p>
+            <a:pPr marL="0" lvl="0" indent="0" algn="l" rtl="0">
+              <a:spcBef>
+                <a:spcPts val="0"/>
+              </a:spcBef>
+              <a:spcAft>
+                <a:spcPts val="0"/>
+              </a:spcAft>
+              <a:buNone/>
+            </a:pPr>
+            <a:r>
+              <a:rPr lang="en-US" dirty="0"/>
+              <a:t>And in fact, I can check it because I can say what's the type of 3.5? </a:t>
+            </a:r>
+          </a:p>
+          <a:p>
+            <a:pPr marL="0" lvl="0" indent="0" algn="l" rtl="0">
+              <a:spcBef>
+                <a:spcPts val="0"/>
+              </a:spcBef>
+              <a:spcAft>
+                <a:spcPts val="0"/>
+              </a:spcAft>
+              <a:buNone/>
+            </a:pPr>
+            <a:r>
+              <a:rPr lang="en-US" dirty="0"/>
+              <a:t>Notice the open and close parentheses around it. </a:t>
+            </a:r>
+          </a:p>
+          <a:p>
+            <a:pPr marL="0" lvl="0" indent="0" algn="l" rtl="0">
+              <a:spcBef>
+                <a:spcPts val="0"/>
+              </a:spcBef>
+              <a:spcAft>
+                <a:spcPts val="0"/>
+              </a:spcAft>
+              <a:buNone/>
+            </a:pPr>
+            <a:r>
+              <a:rPr lang="en-US" dirty="0"/>
+              <a:t>And it says, it's a float. And I can have integers. </a:t>
+            </a:r>
+          </a:p>
+          <a:p>
+            <a:pPr marL="0" lvl="0" indent="0" algn="l" rtl="0">
+              <a:spcBef>
+                <a:spcPts val="0"/>
+              </a:spcBef>
+              <a:spcAft>
+                <a:spcPts val="0"/>
+              </a:spcAft>
+              <a:buNone/>
+            </a:pPr>
+            <a:r>
+              <a:rPr lang="en-US" dirty="0"/>
+              <a:t>And if I say what's the type of that, it's going to give me back an int. Simple things. </a:t>
+            </a:r>
+          </a:p>
+          <a:p>
+            <a:pPr marL="0" lvl="0" indent="0" algn="l" rtl="0">
+              <a:spcBef>
+                <a:spcPts val="0"/>
+              </a:spcBef>
+              <a:spcAft>
+                <a:spcPts val="0"/>
+              </a:spcAft>
+              <a:buNone/>
+            </a:pPr>
+            <a:r>
+              <a:rPr lang="en-US" dirty="0"/>
+              <a:t>Again, just to recap what this says is here's what I'm going to type into this Python shell.</a:t>
+            </a:r>
+          </a:p>
+          <a:p>
+            <a:pPr marL="0" lvl="0" indent="0" algn="l" rtl="0">
+              <a:spcBef>
+                <a:spcPts val="0"/>
+              </a:spcBef>
+              <a:spcAft>
+                <a:spcPts val="0"/>
+              </a:spcAft>
+              <a:buNone/>
+            </a:pPr>
+            <a:r>
+              <a:rPr lang="en-US" dirty="0"/>
+              <a:t> And here's what shows up after I hit Enter as you just saw. </a:t>
+            </a:r>
+          </a:p>
+          <a:p>
+            <a:pPr marL="0" lvl="0" indent="0" algn="l" rtl="0">
+              <a:spcBef>
+                <a:spcPts val="0"/>
+              </a:spcBef>
+              <a:spcAft>
+                <a:spcPts val="0"/>
+              </a:spcAft>
+              <a:buNone/>
+            </a:pPr>
+            <a:r>
+              <a:rPr lang="en-US" dirty="0"/>
+              <a:t>And in and out are simply going to identify what I typed in, in the output that you've recovered.</a:t>
             </a:r>
             <a:endParaRPr dirty="0"/>
           </a:p>
@@ -1961,15 +2382,315 @@
               <a:buNone/>
             </a:pPr>
             <a:r>
-              <a:rPr lang="en-US" dirty="0" smtClean="0"/>
-              <a:t>Sometimes I want to change types, especially with numbers. This is called casting. And I can cast types of different forms, and you can see the example. If I say, I want to take an int, such as 5,and turn it into a float I can ask it to do so, by giving it the special command float -- the thing contained within parentheses -- and it converts it. The other direction also works. If I want to take a float, such as 3.9,and convert it into an int. Here you say, boy there might be some choices. Python simply gives the whole number part of it. It doesn't round it to the nearest integer, as you might expect. If you want to build your own programming language, knock yourself out. You could do that. But it simply will truncate it down to that int. So I can convert back and forth. Now, once I've got these things, I can start putting things together. And in particular, here's a legal expression.3 plus 2.That has a value associated with it. In fact, that expression is to take the 3 and the 2and apply the arithmetic operation of addition to them. And when I evaluate it, it simply returns out 5.Makes sense. Sometimes I might want to use something that's going to print. And I can type, for example, print which controls output to the console by saying print 3 plus 2. Huh .Little bit of a difference. And in fact, there's no “out” here because no value is returned. Print returns that </a:t>
-            </a:r>
-            <a:r>
-              <a:rPr lang="en-US" dirty="0" err="1" smtClean="0"/>
+              <a:rPr lang="en-US" dirty="0"/>
+              <a:t>Sometimes I want to change types, especially with numbers. </a:t>
+            </a:r>
+          </a:p>
+          <a:p>
+            <a:pPr marL="0" lvl="0" indent="0" algn="l" rtl="0">
+              <a:spcBef>
+                <a:spcPts val="0"/>
+              </a:spcBef>
+              <a:spcAft>
+                <a:spcPts val="0"/>
+              </a:spcAft>
+              <a:buNone/>
+            </a:pPr>
+            <a:r>
+              <a:rPr lang="en-US" dirty="0"/>
+              <a:t>This is called casting. </a:t>
+            </a:r>
+          </a:p>
+          <a:p>
+            <a:pPr marL="0" lvl="0" indent="0" algn="l" rtl="0">
+              <a:spcBef>
+                <a:spcPts val="0"/>
+              </a:spcBef>
+              <a:spcAft>
+                <a:spcPts val="0"/>
+              </a:spcAft>
+              <a:buNone/>
+            </a:pPr>
+            <a:r>
+              <a:rPr lang="en-US" dirty="0"/>
+              <a:t>And I can cast types of different forms, and you can see the example. </a:t>
+            </a:r>
+          </a:p>
+          <a:p>
+            <a:pPr marL="0" lvl="0" indent="0" algn="l" rtl="0">
+              <a:spcBef>
+                <a:spcPts val="0"/>
+              </a:spcBef>
+              <a:spcAft>
+                <a:spcPts val="0"/>
+              </a:spcAft>
+              <a:buNone/>
+            </a:pPr>
+            <a:r>
+              <a:rPr lang="en-US" dirty="0"/>
+              <a:t>If I say, I want to take an int, such as 5,and turn it into a float I can ask it to do so, by giving it the special command float -- the thing contained within parentheses -- and it converts it. </a:t>
+            </a:r>
+          </a:p>
+          <a:p>
+            <a:pPr marL="0" lvl="0" indent="0" algn="l" rtl="0">
+              <a:spcBef>
+                <a:spcPts val="0"/>
+              </a:spcBef>
+              <a:spcAft>
+                <a:spcPts val="0"/>
+              </a:spcAft>
+              <a:buNone/>
+            </a:pPr>
+            <a:r>
+              <a:rPr lang="en-US" dirty="0"/>
+              <a:t>The other direction also works. </a:t>
+            </a:r>
+          </a:p>
+          <a:p>
+            <a:pPr marL="0" lvl="0" indent="0" algn="l" rtl="0">
+              <a:spcBef>
+                <a:spcPts val="0"/>
+              </a:spcBef>
+              <a:spcAft>
+                <a:spcPts val="0"/>
+              </a:spcAft>
+              <a:buNone/>
+            </a:pPr>
+            <a:r>
+              <a:rPr lang="en-US" dirty="0"/>
+              <a:t>If I want to take a float, such as 3.9,and convert it into an int. </a:t>
+            </a:r>
+          </a:p>
+          <a:p>
+            <a:pPr marL="0" lvl="0" indent="0" algn="l" rtl="0">
+              <a:spcBef>
+                <a:spcPts val="0"/>
+              </a:spcBef>
+              <a:spcAft>
+                <a:spcPts val="0"/>
+              </a:spcAft>
+              <a:buNone/>
+            </a:pPr>
+            <a:r>
+              <a:rPr lang="en-US" dirty="0"/>
+              <a:t>Here you say, boy there might be some choices. </a:t>
+            </a:r>
+          </a:p>
+          <a:p>
+            <a:pPr marL="0" lvl="0" indent="0" algn="l" rtl="0">
+              <a:spcBef>
+                <a:spcPts val="0"/>
+              </a:spcBef>
+              <a:spcAft>
+                <a:spcPts val="0"/>
+              </a:spcAft>
+              <a:buNone/>
+            </a:pPr>
+            <a:r>
+              <a:rPr lang="en-US" dirty="0"/>
+              <a:t>Python simply gives the whole number part of it. It doesn't round it to the nearest integer, as you might expect. </a:t>
+            </a:r>
+          </a:p>
+          <a:p>
+            <a:pPr marL="0" lvl="0" indent="0" algn="l" rtl="0">
+              <a:spcBef>
+                <a:spcPts val="0"/>
+              </a:spcBef>
+              <a:spcAft>
+                <a:spcPts val="0"/>
+              </a:spcAft>
+              <a:buNone/>
+            </a:pPr>
+            <a:r>
+              <a:rPr lang="en-US" dirty="0"/>
+              <a:t>If you want to build your own programming language, knock yourself out. </a:t>
+            </a:r>
+          </a:p>
+          <a:p>
+            <a:pPr marL="0" lvl="0" indent="0" algn="l" rtl="0">
+              <a:spcBef>
+                <a:spcPts val="0"/>
+              </a:spcBef>
+              <a:spcAft>
+                <a:spcPts val="0"/>
+              </a:spcAft>
+              <a:buNone/>
+            </a:pPr>
+            <a:r>
+              <a:rPr lang="en-US" dirty="0"/>
+              <a:t>You could do that. But it simply will truncate it down to that int. </a:t>
+            </a:r>
+          </a:p>
+          <a:p>
+            <a:pPr marL="0" lvl="0" indent="0" algn="l" rtl="0">
+              <a:spcBef>
+                <a:spcPts val="0"/>
+              </a:spcBef>
+              <a:spcAft>
+                <a:spcPts val="0"/>
+              </a:spcAft>
+              <a:buNone/>
+            </a:pPr>
+            <a:r>
+              <a:rPr lang="en-US" dirty="0"/>
+              <a:t>So I can convert back and forth. </a:t>
+            </a:r>
+          </a:p>
+          <a:p>
+            <a:pPr marL="0" lvl="0" indent="0" algn="l" rtl="0">
+              <a:spcBef>
+                <a:spcPts val="0"/>
+              </a:spcBef>
+              <a:spcAft>
+                <a:spcPts val="0"/>
+              </a:spcAft>
+              <a:buNone/>
+            </a:pPr>
+            <a:r>
+              <a:rPr lang="en-US" dirty="0"/>
+              <a:t>Now, once I've got these things, I can start putting things together. </a:t>
+            </a:r>
+          </a:p>
+          <a:p>
+            <a:pPr marL="0" lvl="0" indent="0" algn="l" rtl="0">
+              <a:spcBef>
+                <a:spcPts val="0"/>
+              </a:spcBef>
+              <a:spcAft>
+                <a:spcPts val="0"/>
+              </a:spcAft>
+              <a:buNone/>
+            </a:pPr>
+            <a:r>
+              <a:rPr lang="en-US" dirty="0"/>
+              <a:t>And in particular, here's a legal expression.3 plus 2.</a:t>
+            </a:r>
+          </a:p>
+          <a:p>
+            <a:pPr marL="0" lvl="0" indent="0" algn="l" rtl="0">
+              <a:spcBef>
+                <a:spcPts val="0"/>
+              </a:spcBef>
+              <a:spcAft>
+                <a:spcPts val="0"/>
+              </a:spcAft>
+              <a:buNone/>
+            </a:pPr>
+            <a:r>
+              <a:rPr lang="en-US" dirty="0"/>
+              <a:t>That has a value associated with it. In fact, that expression is to take the 3 and the 2and apply the arithmetic operation of addition to them. </a:t>
+            </a:r>
+          </a:p>
+          <a:p>
+            <a:pPr marL="0" lvl="0" indent="0" algn="l" rtl="0">
+              <a:spcBef>
+                <a:spcPts val="0"/>
+              </a:spcBef>
+              <a:spcAft>
+                <a:spcPts val="0"/>
+              </a:spcAft>
+              <a:buNone/>
+            </a:pPr>
+            <a:r>
+              <a:rPr lang="en-US" dirty="0"/>
+              <a:t>And when I evaluate it, it simply returns out 5.</a:t>
+            </a:r>
+          </a:p>
+          <a:p>
+            <a:pPr marL="0" lvl="0" indent="0" algn="l" rtl="0">
+              <a:spcBef>
+                <a:spcPts val="0"/>
+              </a:spcBef>
+              <a:spcAft>
+                <a:spcPts val="0"/>
+              </a:spcAft>
+              <a:buNone/>
+            </a:pPr>
+            <a:r>
+              <a:rPr lang="en-US" dirty="0"/>
+              <a:t>Makes sense. </a:t>
+            </a:r>
+          </a:p>
+          <a:p>
+            <a:pPr marL="0" lvl="0" indent="0" algn="l" rtl="0">
+              <a:spcBef>
+                <a:spcPts val="0"/>
+              </a:spcBef>
+              <a:spcAft>
+                <a:spcPts val="0"/>
+              </a:spcAft>
+              <a:buNone/>
+            </a:pPr>
+            <a:r>
+              <a:rPr lang="en-US" dirty="0"/>
+              <a:t>Sometimes I might want to use something that's going to print. </a:t>
+            </a:r>
+          </a:p>
+          <a:p>
+            <a:pPr marL="0" lvl="0" indent="0" algn="l" rtl="0">
+              <a:spcBef>
+                <a:spcPts val="0"/>
+              </a:spcBef>
+              <a:spcAft>
+                <a:spcPts val="0"/>
+              </a:spcAft>
+              <a:buNone/>
+            </a:pPr>
+            <a:r>
+              <a:rPr lang="en-US" dirty="0"/>
+              <a:t>And I can type, for example, print which controls output to the console by saying print 3 plus 2. </a:t>
+            </a:r>
+          </a:p>
+          <a:p>
+            <a:pPr marL="0" lvl="0" indent="0" algn="l" rtl="0">
+              <a:spcBef>
+                <a:spcPts val="0"/>
+              </a:spcBef>
+              <a:spcAft>
+                <a:spcPts val="0"/>
+              </a:spcAft>
+              <a:buNone/>
+            </a:pPr>
+            <a:r>
+              <a:rPr lang="en-US" dirty="0"/>
+              <a:t>Huh .Little bit of a difference. </a:t>
+            </a:r>
+          </a:p>
+          <a:p>
+            <a:pPr marL="0" lvl="0" indent="0" algn="l" rtl="0">
+              <a:spcBef>
+                <a:spcPts val="0"/>
+              </a:spcBef>
+              <a:spcAft>
+                <a:spcPts val="0"/>
+              </a:spcAft>
+              <a:buNone/>
+            </a:pPr>
+            <a:r>
+              <a:rPr lang="en-US" dirty="0"/>
+              <a:t>And in fact, there's no “out” here because no value is returned. </a:t>
+            </a:r>
+          </a:p>
+          <a:p>
+            <a:pPr marL="0" lvl="0" indent="0" algn="l" rtl="0">
+              <a:spcBef>
+                <a:spcPts val="0"/>
+              </a:spcBef>
+              <a:spcAft>
+                <a:spcPts val="0"/>
+              </a:spcAft>
+              <a:buNone/>
+            </a:pPr>
+            <a:r>
+              <a:rPr lang="en-US" dirty="0"/>
+              <a:t>Print returns that </a:t>
+            </a:r>
+            <a:r>
+              <a:rPr lang="en-US" dirty="0" err="1"/>
               <a:t>NoneType</a:t>
             </a:r>
             <a:r>
-              <a:rPr lang="en-US" dirty="0" smtClean="0"/>
+              <a:rPr lang="en-US" dirty="0"/>
               <a:t> and doesn't print anything out. It just printed something.</a:t>
             </a:r>
             <a:endParaRPr dirty="0"/>
@@ -2082,8 +2803,128 @@
               <a:buNone/>
             </a:pPr>
             <a:r>
-              <a:rPr lang="en-US" dirty="0" smtClean="0"/>
-              <a:t>At this stage, you may be saying, well why do this? Why the difference? What we're going to see is, when we're in the middle of a computation and we want to print something out to the shell, we can use a print command to do that. If we just return the value, that goes back into the computation to be used for the next step. And so in the simple first case, the whole value of the computation was 3 plus 2 equals 5.It was printing all 5.In the second case, the side effect is to print something. The value returned is nothing. There is no value. We'll come back to that as we go along.</a:t>
+              <a:rPr lang="en-US" dirty="0"/>
+              <a:t>At this stage, you may be saying, well why do this? Why the difference? </a:t>
+            </a:r>
+          </a:p>
+          <a:p>
+            <a:pPr marL="0" lvl="0" indent="0" algn="l" rtl="0">
+              <a:spcBef>
+                <a:spcPts val="0"/>
+              </a:spcBef>
+              <a:spcAft>
+                <a:spcPts val="0"/>
+              </a:spcAft>
+              <a:buNone/>
+            </a:pPr>
+            <a:r>
+              <a:rPr lang="en-US" dirty="0"/>
+              <a:t>What we're going to see is, when we're in the middle of a computation and we want to print something out to the shell, we can use a print command to do that. </a:t>
+            </a:r>
+          </a:p>
+          <a:p>
+            <a:pPr marL="0" lvl="0" indent="0" algn="l" rtl="0">
+              <a:spcBef>
+                <a:spcPts val="0"/>
+              </a:spcBef>
+              <a:spcAft>
+                <a:spcPts val="0"/>
+              </a:spcAft>
+              <a:buNone/>
+            </a:pPr>
+            <a:r>
+              <a:rPr lang="en-US" dirty="0"/>
+              <a:t>If we just return the value, that goes back into the computation to be used for the next step. </a:t>
+            </a:r>
+          </a:p>
+          <a:p>
+            <a:pPr marL="0" lvl="0" indent="0" algn="l" rtl="0">
+              <a:spcBef>
+                <a:spcPts val="0"/>
+              </a:spcBef>
+              <a:spcAft>
+                <a:spcPts val="0"/>
+              </a:spcAft>
+              <a:buNone/>
+            </a:pPr>
+            <a:r>
+              <a:rPr lang="en-US" dirty="0"/>
+              <a:t>And so in the simple first case, the whole value of the computation was 3 plus 2 equals 5.</a:t>
+            </a:r>
+          </a:p>
+          <a:p>
+            <a:pPr marL="0" lvl="0" indent="0" algn="l" rtl="0">
+              <a:spcBef>
+                <a:spcPts val="0"/>
+              </a:spcBef>
+              <a:spcAft>
+                <a:spcPts val="0"/>
+              </a:spcAft>
+              <a:buNone/>
+            </a:pPr>
+            <a:r>
+              <a:rPr lang="en-US" dirty="0"/>
+              <a:t>It was printing all 5.</a:t>
+            </a:r>
+          </a:p>
+          <a:p>
+            <a:pPr marL="0" lvl="0" indent="0" algn="l" rtl="0">
+              <a:spcBef>
+                <a:spcPts val="0"/>
+              </a:spcBef>
+              <a:spcAft>
+                <a:spcPts val="0"/>
+              </a:spcAft>
+              <a:buNone/>
+            </a:pPr>
+            <a:r>
+              <a:rPr lang="en-US" dirty="0"/>
+              <a:t>In the second case, the side effect is to print something. </a:t>
+            </a:r>
+          </a:p>
+          <a:p>
+            <a:pPr marL="0" lvl="0" indent="0" algn="l" rtl="0">
+              <a:spcBef>
+                <a:spcPts val="0"/>
+              </a:spcBef>
+              <a:spcAft>
+                <a:spcPts val="0"/>
+              </a:spcAft>
+              <a:buNone/>
+            </a:pPr>
+            <a:r>
+              <a:rPr lang="en-US" dirty="0"/>
+              <a:t>The value returned is nothing. </a:t>
+            </a:r>
+          </a:p>
+          <a:p>
+            <a:pPr marL="0" lvl="0" indent="0" algn="l" rtl="0">
+              <a:spcBef>
+                <a:spcPts val="0"/>
+              </a:spcBef>
+              <a:spcAft>
+                <a:spcPts val="0"/>
+              </a:spcAft>
+              <a:buNone/>
+            </a:pPr>
+            <a:r>
+              <a:rPr lang="en-US" dirty="0"/>
+              <a:t>There is no value. </a:t>
+            </a:r>
+          </a:p>
+          <a:p>
+            <a:pPr marL="0" lvl="0" indent="0" algn="l" rtl="0">
+              <a:spcBef>
+                <a:spcPts val="0"/>
+              </a:spcBef>
+              <a:spcAft>
+                <a:spcPts val="0"/>
+              </a:spcAft>
+              <a:buNone/>
+            </a:pPr>
+            <a:r>
+              <a:rPr lang="en-US" dirty="0"/>
+              <a:t>We'll come back to that as we go along.</a:t>
             </a:r>
             <a:endParaRPr dirty="0"/>
           </a:p>
@@ -2195,8 +3036,83 @@
               <a:buNone/>
             </a:pPr>
             <a:r>
-              <a:rPr lang="en-US" dirty="0" smtClean="0"/>
-              <a:t>I've already hinted at this, but now we can start putting things together. To combine objects and operators into expressions, we use a standard form. And the syntax is simply an object, an operator, and another object. Any expression like this that is syntactically valid, has a value, which is itself a type. So we talk about the types of scalar objects, we talk about the types of more complicated expressions. What would those expressions look like?</a:t>
+              <a:rPr lang="en-US" dirty="0"/>
+              <a:t>I've already hinted at this, but now we can start putting things together. </a:t>
+            </a:r>
+          </a:p>
+          <a:p>
+            <a:pPr marL="0" lvl="0" indent="0" algn="l" rtl="0">
+              <a:spcBef>
+                <a:spcPts val="0"/>
+              </a:spcBef>
+              <a:spcAft>
+                <a:spcPts val="0"/>
+              </a:spcAft>
+              <a:buNone/>
+            </a:pPr>
+            <a:r>
+              <a:rPr lang="en-US" dirty="0"/>
+              <a:t>To combine objects and operators into expressions, we use a standard form. </a:t>
+            </a:r>
+          </a:p>
+          <a:p>
+            <a:pPr marL="0" lvl="0" indent="0" algn="l" rtl="0">
+              <a:spcBef>
+                <a:spcPts val="0"/>
+              </a:spcBef>
+              <a:spcAft>
+                <a:spcPts val="0"/>
+              </a:spcAft>
+              <a:buNone/>
+            </a:pPr>
+            <a:r>
+              <a:rPr lang="en-US" dirty="0"/>
+              <a:t>And the syntax is simply an object, an operator, and another object. </a:t>
+            </a:r>
+          </a:p>
+          <a:p>
+            <a:pPr marL="0" lvl="0" indent="0" algn="l" rtl="0">
+              <a:spcBef>
+                <a:spcPts val="0"/>
+              </a:spcBef>
+              <a:spcAft>
+                <a:spcPts val="0"/>
+              </a:spcAft>
+              <a:buNone/>
+            </a:pPr>
+            <a:r>
+              <a:rPr lang="en-US" dirty="0"/>
+              <a:t>Any expression like this that is syntactically valid, has a value, which is itself a type. </a:t>
+            </a:r>
+          </a:p>
+          <a:p>
+            <a:pPr marL="0" lvl="0" indent="0" algn="l" rtl="0">
+              <a:spcBef>
+                <a:spcPts val="0"/>
+              </a:spcBef>
+              <a:spcAft>
+                <a:spcPts val="0"/>
+              </a:spcAft>
+              <a:buNone/>
+            </a:pPr>
+            <a:r>
+              <a:rPr lang="en-US" dirty="0"/>
+              <a:t>So we talk about the types of scalar objects, we talk about the types of more complicated expressions. </a:t>
+            </a:r>
+          </a:p>
+          <a:p>
+            <a:pPr marL="0" lvl="0" indent="0" algn="l" rtl="0">
+              <a:spcBef>
+                <a:spcPts val="0"/>
+              </a:spcBef>
+              <a:spcAft>
+                <a:spcPts val="0"/>
+              </a:spcAft>
+              <a:buNone/>
+            </a:pPr>
+            <a:r>
+              <a:rPr lang="en-US" dirty="0"/>
+              <a:t>What would those expressions look like?</a:t>
             </a:r>
             <a:endParaRPr dirty="0"/>
           </a:p>
@@ -2308,8 +3224,233 @@
               <a:buNone/>
             </a:pPr>
             <a:r>
-              <a:rPr lang="en-US" dirty="0" smtClean="0"/>
-              <a:t>Well, here's the first set of them. There's a lot on this slide, but you're going to get used to them. And most of them make sense .If I want to add together either two ints or two floats, my expression is to have two numbers as I just did, 3 plus 2.The value associated with that is the combination of adding the two things together. I can subtract, I can multiply. And for these examples, if both I and J are ints, the result is an int. If either of them or both of them are floats, the result is a float. And let's look at an example. If I do 3 plus 2, I get 5.If I do 3.0 plus 2, I get the float 5.So Python is always using, if you like, the higher level representation when it does those kinds of operations. Divisions, a little trickier, because I have both standard division, which will be a float, and I have integer division, which will be the quotient without the remainder. And let's look at two examples. If I do 5 divided by 2, I get 2 and 1/2.If I do 5 with two slashes divided by 2,I get the integer part, which is 2.The .5 is thrown away. And if I wanted to get the .5 I could do 5 remainder 2, which is the percent sign, and that gives me the piece left over when I divide those two pieces together. Finally, I can raise something to a power. And that is done right here with I. Two stars, J. So one star is multiplication. Two stars, gives me power.</a:t>
+              <a:rPr lang="en-US" dirty="0"/>
+              <a:t>Well, here's the first set of them. </a:t>
+            </a:r>
+          </a:p>
+          <a:p>
+            <a:pPr marL="0" lvl="0" indent="0" algn="l" rtl="0">
+              <a:spcBef>
+                <a:spcPts val="0"/>
+              </a:spcBef>
+              <a:spcAft>
+                <a:spcPts val="0"/>
+              </a:spcAft>
+              <a:buNone/>
+            </a:pPr>
+            <a:r>
+              <a:rPr lang="en-US" dirty="0"/>
+              <a:t>There's a lot on this slide, but you're going to get used to them. </a:t>
+            </a:r>
+          </a:p>
+          <a:p>
+            <a:pPr marL="0" lvl="0" indent="0" algn="l" rtl="0">
+              <a:spcBef>
+                <a:spcPts val="0"/>
+              </a:spcBef>
+              <a:spcAft>
+                <a:spcPts val="0"/>
+              </a:spcAft>
+              <a:buNone/>
+            </a:pPr>
+            <a:r>
+              <a:rPr lang="en-US" dirty="0"/>
+              <a:t>And most of them make sense .</a:t>
+            </a:r>
+          </a:p>
+          <a:p>
+            <a:pPr marL="0" lvl="0" indent="0" algn="l" rtl="0">
+              <a:spcBef>
+                <a:spcPts val="0"/>
+              </a:spcBef>
+              <a:spcAft>
+                <a:spcPts val="0"/>
+              </a:spcAft>
+              <a:buNone/>
+            </a:pPr>
+            <a:r>
+              <a:rPr lang="en-US" dirty="0"/>
+              <a:t>If I want to add together either two ints or two floats, my expression is to have two numbers as I just did, 3 plus 2.</a:t>
+            </a:r>
+          </a:p>
+          <a:p>
+            <a:pPr marL="0" lvl="0" indent="0" algn="l" rtl="0">
+              <a:spcBef>
+                <a:spcPts val="0"/>
+              </a:spcBef>
+              <a:spcAft>
+                <a:spcPts val="0"/>
+              </a:spcAft>
+              <a:buNone/>
+            </a:pPr>
+            <a:r>
+              <a:rPr lang="en-US" dirty="0"/>
+              <a:t>The value associated with that is the combination of adding the two things together. </a:t>
+            </a:r>
+          </a:p>
+          <a:p>
+            <a:pPr marL="0" lvl="0" indent="0" algn="l" rtl="0">
+              <a:spcBef>
+                <a:spcPts val="0"/>
+              </a:spcBef>
+              <a:spcAft>
+                <a:spcPts val="0"/>
+              </a:spcAft>
+              <a:buNone/>
+            </a:pPr>
+            <a:r>
+              <a:rPr lang="en-US" dirty="0"/>
+              <a:t>I can subtract, I can multiply. </a:t>
+            </a:r>
+          </a:p>
+          <a:p>
+            <a:pPr marL="0" lvl="0" indent="0" algn="l" rtl="0">
+              <a:spcBef>
+                <a:spcPts val="0"/>
+              </a:spcBef>
+              <a:spcAft>
+                <a:spcPts val="0"/>
+              </a:spcAft>
+              <a:buNone/>
+            </a:pPr>
+            <a:r>
+              <a:rPr lang="en-US" dirty="0"/>
+              <a:t>And for these examples, if both I and J are ints, the result is an int.</a:t>
+            </a:r>
+          </a:p>
+          <a:p>
+            <a:pPr marL="0" lvl="0" indent="0" algn="l" rtl="0">
+              <a:spcBef>
+                <a:spcPts val="0"/>
+              </a:spcBef>
+              <a:spcAft>
+                <a:spcPts val="0"/>
+              </a:spcAft>
+              <a:buNone/>
+            </a:pPr>
+            <a:r>
+              <a:rPr lang="en-US" dirty="0"/>
+              <a:t>If either of them or both of them are floats, the result is a float. </a:t>
+            </a:r>
+          </a:p>
+          <a:p>
+            <a:pPr marL="0" lvl="0" indent="0" algn="l" rtl="0">
+              <a:spcBef>
+                <a:spcPts val="0"/>
+              </a:spcBef>
+              <a:spcAft>
+                <a:spcPts val="0"/>
+              </a:spcAft>
+              <a:buNone/>
+            </a:pPr>
+            <a:r>
+              <a:rPr lang="en-US" dirty="0"/>
+              <a:t>And let's look at an example. If I do 3 plus 2, I get 5.If I do 3.0 plus 2, I get the float 5.</a:t>
+            </a:r>
+          </a:p>
+          <a:p>
+            <a:pPr marL="0" lvl="0" indent="0" algn="l" rtl="0">
+              <a:spcBef>
+                <a:spcPts val="0"/>
+              </a:spcBef>
+              <a:spcAft>
+                <a:spcPts val="0"/>
+              </a:spcAft>
+              <a:buNone/>
+            </a:pPr>
+            <a:r>
+              <a:rPr lang="en-US" dirty="0"/>
+              <a:t>So Python is always using, if you like, the higher level representation when it does those kinds of operations. </a:t>
+            </a:r>
+          </a:p>
+          <a:p>
+            <a:pPr marL="0" lvl="0" indent="0" algn="l" rtl="0">
+              <a:spcBef>
+                <a:spcPts val="0"/>
+              </a:spcBef>
+              <a:spcAft>
+                <a:spcPts val="0"/>
+              </a:spcAft>
+              <a:buNone/>
+            </a:pPr>
+            <a:r>
+              <a:rPr lang="en-US" dirty="0"/>
+              <a:t>Divisions, a little trickier, because I have both standard division, which will be a float, and I have integer division, which will be the quotient without the remainder. And let's look at two examples. </a:t>
+            </a:r>
+          </a:p>
+          <a:p>
+            <a:pPr marL="0" lvl="0" indent="0" algn="l" rtl="0">
+              <a:spcBef>
+                <a:spcPts val="0"/>
+              </a:spcBef>
+              <a:spcAft>
+                <a:spcPts val="0"/>
+              </a:spcAft>
+              <a:buNone/>
+            </a:pPr>
+            <a:r>
+              <a:rPr lang="en-US" dirty="0"/>
+              <a:t>If I do 5 divided by 2, I get 2 and 1/2.</a:t>
+            </a:r>
+          </a:p>
+          <a:p>
+            <a:pPr marL="0" lvl="0" indent="0" algn="l" rtl="0">
+              <a:spcBef>
+                <a:spcPts val="0"/>
+              </a:spcBef>
+              <a:spcAft>
+                <a:spcPts val="0"/>
+              </a:spcAft>
+              <a:buNone/>
+            </a:pPr>
+            <a:r>
+              <a:rPr lang="en-US" dirty="0"/>
+              <a:t>If I do 5 with two slashes divided by 2, I get the integer part, which is 2.</a:t>
+            </a:r>
+          </a:p>
+          <a:p>
+            <a:pPr marL="0" lvl="0" indent="0" algn="l" rtl="0">
+              <a:spcBef>
+                <a:spcPts val="0"/>
+              </a:spcBef>
+              <a:spcAft>
+                <a:spcPts val="0"/>
+              </a:spcAft>
+              <a:buNone/>
+            </a:pPr>
+            <a:r>
+              <a:rPr lang="en-US" dirty="0"/>
+              <a:t>The .5 is thrown away. </a:t>
+            </a:r>
+          </a:p>
+          <a:p>
+            <a:pPr marL="0" lvl="0" indent="0" algn="l" rtl="0">
+              <a:spcBef>
+                <a:spcPts val="0"/>
+              </a:spcBef>
+              <a:spcAft>
+                <a:spcPts val="0"/>
+              </a:spcAft>
+              <a:buNone/>
+            </a:pPr>
+            <a:r>
+              <a:rPr lang="en-US" dirty="0"/>
+              <a:t>And if I wanted to get the .5 I could do 5 remainder 2, which is the percent sign, and that gives me the piece left over when I divide those two pieces together. Finally, I can raise something to a power. </a:t>
+            </a:r>
+          </a:p>
+          <a:p>
+            <a:pPr marL="0" lvl="0" indent="0" algn="l" rtl="0">
+              <a:spcBef>
+                <a:spcPts val="0"/>
+              </a:spcBef>
+              <a:spcAft>
+                <a:spcPts val="0"/>
+              </a:spcAft>
+              <a:buNone/>
+            </a:pPr>
+            <a:r>
+              <a:rPr lang="en-US" dirty="0"/>
+              <a:t>And that is done right here with I. Two stars, J. So one star is multiplication. Two stars, gives me power.</a:t>
             </a:r>
             <a:endParaRPr dirty="0"/>
           </a:p>
@@ -2421,8 +3562,331 @@
               <a:buNone/>
             </a:pPr>
             <a:r>
-              <a:rPr lang="en-US" dirty="0" smtClean="0"/>
-              <a:t>I've already hinted at this, but now we can start putting things together. To combine objects and operators into expressions, we use a standard form. And the syntax is simply an object, an operator, and another object. Any expression like this that is syntactically valid, has a value, which is itself a type. So we talk about the types of scalar objects, we talk about the types of more complicated expressions. What would those expressions look like?</a:t>
+              <a:rPr lang="en-US" dirty="0"/>
+              <a:t>Once I've got that, I'm ready to start putting together pieces.</a:t>
+            </a:r>
+          </a:p>
+          <a:p>
+            <a:pPr marL="0" lvl="0" indent="0" algn="l" rtl="0">
+              <a:spcBef>
+                <a:spcPts val="0"/>
+              </a:spcBef>
+              <a:spcAft>
+                <a:spcPts val="0"/>
+              </a:spcAft>
+              <a:buNone/>
+            </a:pPr>
+            <a:r>
+              <a:rPr lang="en-US" dirty="0"/>
+              <a:t>In particular, I've got different operations.</a:t>
+            </a:r>
+          </a:p>
+          <a:p>
+            <a:pPr marL="0" lvl="0" indent="0" algn="l" rtl="0">
+              <a:spcBef>
+                <a:spcPts val="0"/>
+              </a:spcBef>
+              <a:spcAft>
+                <a:spcPts val="0"/>
+              </a:spcAft>
+              <a:buNone/>
+            </a:pPr>
+            <a:r>
+              <a:rPr lang="en-US" dirty="0"/>
+              <a:t>So I have to think about how do I put together pieces in ways</a:t>
+            </a:r>
+          </a:p>
+          <a:p>
+            <a:pPr marL="0" lvl="0" indent="0" algn="l" rtl="0">
+              <a:spcBef>
+                <a:spcPts val="0"/>
+              </a:spcBef>
+              <a:spcAft>
+                <a:spcPts val="0"/>
+              </a:spcAft>
+              <a:buNone/>
+            </a:pPr>
+            <a:r>
+              <a:rPr lang="en-US" dirty="0"/>
+              <a:t>that control what I want to do?</a:t>
+            </a:r>
+          </a:p>
+          <a:p>
+            <a:pPr marL="0" lvl="0" indent="0" algn="l" rtl="0">
+              <a:spcBef>
+                <a:spcPts val="0"/>
+              </a:spcBef>
+              <a:spcAft>
+                <a:spcPts val="0"/>
+              </a:spcAft>
+              <a:buNone/>
+            </a:pPr>
+            <a:r>
+              <a:rPr lang="en-US" dirty="0"/>
+              <a:t>And here, we're going to use parentheses to tell Python in what order to do the operations.</a:t>
+            </a:r>
+          </a:p>
+          <a:p>
+            <a:pPr marL="0" lvl="0" indent="0" algn="l" rtl="0">
+              <a:spcBef>
+                <a:spcPts val="0"/>
+              </a:spcBef>
+              <a:spcAft>
+                <a:spcPts val="0"/>
+              </a:spcAft>
+              <a:buNone/>
+            </a:pPr>
+            <a:r>
+              <a:rPr lang="en-US" dirty="0"/>
+              <a:t>There's a precedence to those operations.</a:t>
+            </a:r>
+          </a:p>
+          <a:p>
+            <a:pPr marL="0" lvl="0" indent="0" algn="l" rtl="0">
+              <a:spcBef>
+                <a:spcPts val="0"/>
+              </a:spcBef>
+              <a:spcAft>
+                <a:spcPts val="0"/>
+              </a:spcAft>
+              <a:buNone/>
+            </a:pPr>
+            <a:r>
+              <a:rPr lang="en-US" dirty="0"/>
+              <a:t>And those are shown right down here, going in this order.</a:t>
+            </a:r>
+          </a:p>
+          <a:p>
+            <a:pPr marL="0" lvl="0" indent="0" algn="l" rtl="0">
+              <a:spcBef>
+                <a:spcPts val="0"/>
+              </a:spcBef>
+              <a:spcAft>
+                <a:spcPts val="0"/>
+              </a:spcAft>
+              <a:buNone/>
+            </a:pPr>
+            <a:r>
+              <a:rPr lang="en-US" dirty="0"/>
+              <a:t>Exponentiation, powers are always done first.</a:t>
+            </a:r>
+          </a:p>
+          <a:p>
+            <a:pPr marL="0" lvl="0" indent="0" algn="l" rtl="0">
+              <a:spcBef>
+                <a:spcPts val="0"/>
+              </a:spcBef>
+              <a:spcAft>
+                <a:spcPts val="0"/>
+              </a:spcAft>
+              <a:buNone/>
+            </a:pPr>
+            <a:r>
+              <a:rPr lang="en-US" dirty="0"/>
+              <a:t>Then multiplications, then divisions.</a:t>
+            </a:r>
+          </a:p>
+          <a:p>
+            <a:pPr marL="0" lvl="0" indent="0" algn="l" rtl="0">
+              <a:spcBef>
+                <a:spcPts val="0"/>
+              </a:spcBef>
+              <a:spcAft>
+                <a:spcPts val="0"/>
+              </a:spcAft>
+              <a:buNone/>
+            </a:pPr>
+            <a:r>
+              <a:rPr lang="en-US" dirty="0"/>
+              <a:t>And then finally, additions or subtractions.</a:t>
+            </a:r>
+          </a:p>
+          <a:p>
+            <a:pPr marL="0" lvl="0" indent="0" algn="l" rtl="0">
+              <a:spcBef>
+                <a:spcPts val="0"/>
+              </a:spcBef>
+              <a:spcAft>
+                <a:spcPts val="0"/>
+              </a:spcAft>
+              <a:buNone/>
+            </a:pPr>
+            <a:r>
+              <a:rPr lang="en-US" dirty="0"/>
+              <a:t>And overall it's done in a left to right order, as it appears inside the expression. </a:t>
+            </a:r>
+          </a:p>
+          <a:p>
+            <a:pPr marL="0" lvl="0" indent="0" algn="l" rtl="0">
+              <a:spcBef>
+                <a:spcPts val="0"/>
+              </a:spcBef>
+              <a:spcAft>
+                <a:spcPts val="0"/>
+              </a:spcAft>
+              <a:buNone/>
+            </a:pPr>
+            <a:r>
+              <a:rPr lang="en-US" dirty="0"/>
+              <a:t>And that means that as I change where the parentheses are, I'm changing the order in which I'm doing things.</a:t>
+            </a:r>
+          </a:p>
+          <a:p>
+            <a:pPr marL="0" lvl="0" indent="0" algn="l" rtl="0">
+              <a:spcBef>
+                <a:spcPts val="0"/>
+              </a:spcBef>
+              <a:spcAft>
+                <a:spcPts val="0"/>
+              </a:spcAft>
+              <a:buNone/>
+            </a:pPr>
+            <a:r>
+              <a:rPr lang="en-US" dirty="0"/>
+              <a:t>So to do an example, if I take 3 times 5 plus 1.</a:t>
+            </a:r>
+          </a:p>
+          <a:p>
+            <a:pPr marL="0" lvl="0" indent="0" algn="l" rtl="0">
+              <a:spcBef>
+                <a:spcPts val="0"/>
+              </a:spcBef>
+              <a:spcAft>
+                <a:spcPts val="0"/>
+              </a:spcAft>
+              <a:buNone/>
+            </a:pPr>
+            <a:r>
+              <a:rPr lang="en-US" dirty="0"/>
+              <a:t>That's going to give me 16.</a:t>
+            </a:r>
+          </a:p>
+          <a:p>
+            <a:pPr marL="0" lvl="0" indent="0" algn="l" rtl="0">
+              <a:spcBef>
+                <a:spcPts val="0"/>
+              </a:spcBef>
+              <a:spcAft>
+                <a:spcPts val="0"/>
+              </a:spcAft>
+              <a:buNone/>
+            </a:pPr>
+            <a:r>
+              <a:rPr lang="en-US" dirty="0"/>
+              <a:t>And that's because the multiplication is done first, 3 times 5 gives me 15. And then the addition is done, to give me 16. On the other hand, if I say 3 times, and then in parentheses 5 plus 1,the parentheses say reduce this expression first.</a:t>
+            </a:r>
+          </a:p>
+          <a:p>
+            <a:pPr marL="0" lvl="0" indent="0" algn="l" rtl="0">
+              <a:spcBef>
+                <a:spcPts val="0"/>
+              </a:spcBef>
+              <a:spcAft>
+                <a:spcPts val="0"/>
+              </a:spcAft>
+              <a:buNone/>
+            </a:pPr>
+            <a:r>
+              <a:rPr lang="en-US" dirty="0"/>
+              <a:t>Add 5 and 1.That gives me 6.</a:t>
+            </a:r>
+          </a:p>
+          <a:p>
+            <a:pPr marL="0" lvl="0" indent="0" algn="l" rtl="0">
+              <a:spcBef>
+                <a:spcPts val="0"/>
+              </a:spcBef>
+              <a:spcAft>
+                <a:spcPts val="0"/>
+              </a:spcAft>
+              <a:buNone/>
+            </a:pPr>
+            <a:r>
+              <a:rPr lang="en-US" dirty="0"/>
+              <a:t>And then do the multiplication, which gives me the 18.</a:t>
+            </a:r>
+          </a:p>
+          <a:p>
+            <a:pPr marL="0" lvl="0" indent="0" algn="l" rtl="0">
+              <a:spcBef>
+                <a:spcPts val="0"/>
+              </a:spcBef>
+              <a:spcAft>
+                <a:spcPts val="0"/>
+              </a:spcAft>
+              <a:buNone/>
+            </a:pPr>
+            <a:r>
+              <a:rPr lang="en-US" dirty="0"/>
+              <a:t>As a consequence.</a:t>
+            </a:r>
+          </a:p>
+          <a:p>
+            <a:pPr marL="0" lvl="0" indent="0" algn="l" rtl="0">
+              <a:spcBef>
+                <a:spcPts val="0"/>
+              </a:spcBef>
+              <a:spcAft>
+                <a:spcPts val="0"/>
+              </a:spcAft>
+              <a:buNone/>
+            </a:pPr>
+            <a:r>
+              <a:rPr lang="en-US" dirty="0"/>
+              <a:t>I can create very complicated expressions.</a:t>
+            </a:r>
+          </a:p>
+          <a:p>
+            <a:pPr marL="0" lvl="0" indent="0" algn="l" rtl="0">
+              <a:spcBef>
+                <a:spcPts val="0"/>
+              </a:spcBef>
+              <a:spcAft>
+                <a:spcPts val="0"/>
+              </a:spcAft>
+              <a:buNone/>
+            </a:pPr>
+            <a:r>
+              <a:rPr lang="en-US" dirty="0"/>
+              <a:t>And I will simply use </a:t>
+            </a:r>
+            <a:r>
+              <a:rPr lang="en-US" dirty="0" err="1"/>
+              <a:t>parens</a:t>
+            </a:r>
+            <a:r>
+              <a:rPr lang="en-US" dirty="0"/>
+              <a:t> open and close-- to define what operations to do first.</a:t>
+            </a:r>
+          </a:p>
+          <a:p>
+            <a:pPr marL="0" lvl="0" indent="0" algn="l" rtl="0">
+              <a:spcBef>
+                <a:spcPts val="0"/>
+              </a:spcBef>
+              <a:spcAft>
+                <a:spcPts val="0"/>
+              </a:spcAft>
+              <a:buNone/>
+            </a:pPr>
+            <a:r>
+              <a:rPr lang="en-US" dirty="0"/>
+              <a:t>Always simplifying inside out, before then using the operator</a:t>
+            </a:r>
+          </a:p>
+          <a:p>
+            <a:pPr marL="0" lvl="0" indent="0" algn="l" rtl="0">
+              <a:spcBef>
+                <a:spcPts val="0"/>
+              </a:spcBef>
+              <a:spcAft>
+                <a:spcPts val="0"/>
+              </a:spcAft>
+              <a:buNone/>
+            </a:pPr>
+            <a:r>
+              <a:rPr lang="en-US" dirty="0"/>
+              <a:t>precedence order, in order to decide what the expression actually means.</a:t>
             </a:r>
             <a:endParaRPr dirty="0"/>
           </a:p>
@@ -10547,17 +12011,13 @@
             </a:pPr>
             <a:r>
               <a:rPr lang="en-CA" dirty="0"/>
-              <a:t>Intro to </a:t>
-            </a:r>
-            <a:r>
-              <a:rPr lang="en-CA" dirty="0" smtClean="0"/>
-              <a:t>Python:</a:t>
+              <a:t>Intro to Python:</a:t>
             </a:r>
             <a:br>
-              <a:rPr lang="en-CA" dirty="0" smtClean="0"/>
+              <a:rPr lang="en-CA" dirty="0"/>
             </a:br>
             <a:r>
-              <a:rPr lang="en-CA" dirty="0" smtClean="0"/>
+              <a:rPr lang="en-CA" dirty="0"/>
               <a:t>Lesson II</a:t>
             </a:r>
             <a:endParaRPr dirty="0"/>
@@ -10569,2417 +12029,10 @@
   <p:clrMapOvr>
     <a:masterClrMapping/>
   </p:clrMapOvr>
-  <p:timing>
-    <p:tnLst>
-      <p:par>
-        <p:cTn id="1" dur="indefinite" restart="never" nodeType="tmRoot"/>
-      </p:par>
-    </p:tnLst>
-  </p:timing>
 </p:sld>
 </file>
 
 <file path=ppt/slides/slide10.xml><?xml version="1.0" encoding="utf-8"?>
-<p:sld xmlns:a="http://schemas.openxmlformats.org/drawingml/2006/main" xmlns:r="http://schemas.openxmlformats.org/officeDocument/2006/relationships" xmlns:p="http://schemas.openxmlformats.org/presentationml/2006/main">
-  <p:cSld>
-    <p:spTree>
-      <p:nvGrpSpPr>
-        <p:cNvPr id="1" name="Shape 428"/>
-        <p:cNvGrpSpPr/>
-        <p:nvPr/>
-      </p:nvGrpSpPr>
-      <p:grpSpPr>
-        <a:xfrm>
-          <a:off x="0" y="0"/>
-          <a:ext cx="0" cy="0"/>
-          <a:chOff x="0" y="0"/>
-          <a:chExt cx="0" cy="0"/>
-        </a:xfrm>
-      </p:grpSpPr>
-      <p:sp>
-        <p:nvSpPr>
-          <p:cNvPr id="433" name="Google Shape;433;p22"/>
-          <p:cNvSpPr txBox="1">
-            <a:spLocks noGrp="1"/>
-          </p:cNvSpPr>
-          <p:nvPr>
-            <p:ph type="sldNum" idx="12"/>
-          </p:nvPr>
-        </p:nvSpPr>
-        <p:spPr>
-          <a:xfrm>
-            <a:off x="13557" y="4785525"/>
-            <a:ext cx="548700" cy="357900"/>
-          </a:xfrm>
-          <a:prstGeom prst="rect">
-            <a:avLst/>
-          </a:prstGeom>
-        </p:spPr>
-        <p:txBody>
-          <a:bodyPr spcFirstLastPara="1" wrap="square" lIns="91425" tIns="91425" rIns="91425" bIns="91425" anchor="t" anchorCtr="0">
-            <a:noAutofit/>
-          </a:bodyPr>
-          <a:lstStyle/>
-          <a:p>
-            <a:pPr marL="0" lvl="0" indent="0" algn="l" rtl="0">
-              <a:spcBef>
-                <a:spcPts val="0"/>
-              </a:spcBef>
-              <a:spcAft>
-                <a:spcPts val="0"/>
-              </a:spcAft>
-              <a:buNone/>
-            </a:pPr>
-            <a:fld id="{00000000-1234-1234-1234-123412341234}" type="slidenum">
-              <a:rPr lang="en"/>
-              <a:t>10</a:t>
-            </a:fld>
-            <a:endParaRPr/>
-          </a:p>
-        </p:txBody>
-      </p:sp>
-      <p:sp>
-        <p:nvSpPr>
-          <p:cNvPr id="7" name="Rectangle 6">
-            <a:extLst>
-              <a:ext uri="{FF2B5EF4-FFF2-40B4-BE49-F238E27FC236}">
-                <a16:creationId xmlns:a16="http://schemas.microsoft.com/office/drawing/2014/main" id="{3B9CCF0A-B6AC-4E3E-9AE0-0E6C02D98C1E}"/>
-              </a:ext>
-            </a:extLst>
-          </p:cNvPr>
-          <p:cNvSpPr/>
-          <p:nvPr/>
-        </p:nvSpPr>
-        <p:spPr>
-          <a:xfrm>
-            <a:off x="2422014" y="182099"/>
-            <a:ext cx="4421403" cy="646331"/>
-          </a:xfrm>
-          <a:prstGeom prst="rect">
-            <a:avLst/>
-          </a:prstGeom>
-        </p:spPr>
-        <p:txBody>
-          <a:bodyPr wrap="none">
-            <a:spAutoFit/>
-          </a:bodyPr>
-          <a:lstStyle/>
-          <a:p>
-            <a:r>
-              <a:rPr lang="en-CA" sz="3600" dirty="0" smtClean="0">
-                <a:solidFill>
-                  <a:srgbClr val="19BBD5"/>
-                </a:solidFill>
-                <a:latin typeface="Nixie One"/>
-                <a:sym typeface="Nixie One"/>
-              </a:rPr>
-              <a:t>Simple Operations</a:t>
-            </a:r>
-            <a:endParaRPr lang="en-CA" sz="3600" dirty="0">
-              <a:solidFill>
-                <a:srgbClr val="19BBD5"/>
-              </a:solidFill>
-              <a:latin typeface="Nixie One"/>
-              <a:sym typeface="Nixie One"/>
-            </a:endParaRPr>
-          </a:p>
-        </p:txBody>
-      </p:sp>
-      <p:sp>
-        <p:nvSpPr>
-          <p:cNvPr id="4" name="Rectangle 3">
-            <a:extLst>
-              <a:ext uri="{FF2B5EF4-FFF2-40B4-BE49-F238E27FC236}">
-                <a16:creationId xmlns:a16="http://schemas.microsoft.com/office/drawing/2014/main" id="{F2D98915-2730-44C5-A61F-55A36F7CB933}"/>
-              </a:ext>
-            </a:extLst>
-          </p:cNvPr>
-          <p:cNvSpPr/>
-          <p:nvPr/>
-        </p:nvSpPr>
-        <p:spPr>
-          <a:xfrm>
-            <a:off x="1722409" y="1135506"/>
-            <a:ext cx="6842238" cy="4524315"/>
-          </a:xfrm>
-          <a:prstGeom prst="rect">
-            <a:avLst/>
-          </a:prstGeom>
-        </p:spPr>
-        <p:txBody>
-          <a:bodyPr wrap="square">
-            <a:spAutoFit/>
-          </a:bodyPr>
-          <a:lstStyle/>
-          <a:p>
-            <a:pPr marL="285750" indent="-285750">
-              <a:buClr>
-                <a:schemeClr val="accent4"/>
-              </a:buClr>
-              <a:buFont typeface="Courier New" panose="02070309020205020404" pitchFamily="49" charset="0"/>
-              <a:buChar char="o"/>
-            </a:pPr>
-            <a:r>
-              <a:rPr lang="en-US" sz="1800" dirty="0">
-                <a:solidFill>
-                  <a:schemeClr val="accent2"/>
-                </a:solidFill>
-                <a:latin typeface="Courier New" panose="02070309020205020404" pitchFamily="49" charset="0"/>
-                <a:cs typeface="Courier New" panose="02070309020205020404" pitchFamily="49" charset="0"/>
-              </a:rPr>
-              <a:t>i + j</a:t>
-            </a:r>
-            <a:r>
-              <a:rPr lang="en-US" sz="1800" dirty="0">
-                <a:solidFill>
-                  <a:srgbClr val="C6DAEC"/>
-                </a:solidFill>
-                <a:latin typeface="Muli"/>
-              </a:rPr>
-              <a:t> </a:t>
-            </a:r>
-            <a:r>
-              <a:rPr lang="en-US" sz="1800" dirty="0" smtClean="0">
-                <a:solidFill>
-                  <a:srgbClr val="C6DAEC"/>
-                </a:solidFill>
-                <a:latin typeface="Muli"/>
-              </a:rPr>
-              <a:t>  → the sum</a:t>
-            </a:r>
-          </a:p>
-          <a:p>
-            <a:pPr>
-              <a:buClr>
-                <a:schemeClr val="accent4"/>
-              </a:buClr>
-            </a:pPr>
-            <a:endParaRPr lang="en-US" sz="1800" dirty="0">
-              <a:solidFill>
-                <a:srgbClr val="C6DAEC"/>
-              </a:solidFill>
-              <a:latin typeface="Muli"/>
-            </a:endParaRPr>
-          </a:p>
-          <a:p>
-            <a:pPr marL="285750" indent="-285750">
-              <a:buClr>
-                <a:schemeClr val="accent4"/>
-              </a:buClr>
-              <a:buFont typeface="Courier New" panose="02070309020205020404" pitchFamily="49" charset="0"/>
-              <a:buChar char="o"/>
-            </a:pPr>
-            <a:r>
-              <a:rPr lang="en-US" sz="1800" dirty="0">
-                <a:solidFill>
-                  <a:schemeClr val="accent2"/>
-                </a:solidFill>
-                <a:latin typeface="Courier New" panose="02070309020205020404" pitchFamily="49" charset="0"/>
-                <a:cs typeface="Courier New" panose="02070309020205020404" pitchFamily="49" charset="0"/>
-              </a:rPr>
-              <a:t>i</a:t>
-            </a:r>
-            <a:r>
-              <a:rPr lang="en-US" sz="1800" dirty="0">
-                <a:solidFill>
-                  <a:schemeClr val="accent2"/>
-                </a:solidFill>
-                <a:latin typeface="Courier New" panose="02070309020205020404" pitchFamily="49" charset="0"/>
-                <a:cs typeface="Courier New" panose="02070309020205020404" pitchFamily="49" charset="0"/>
-              </a:rPr>
-              <a:t> – </a:t>
-            </a:r>
-            <a:r>
-              <a:rPr lang="en-US" sz="1800" dirty="0" smtClean="0">
-                <a:solidFill>
-                  <a:schemeClr val="accent2"/>
-                </a:solidFill>
-                <a:latin typeface="Courier New" panose="02070309020205020404" pitchFamily="49" charset="0"/>
-                <a:cs typeface="Courier New" panose="02070309020205020404" pitchFamily="49" charset="0"/>
-              </a:rPr>
-              <a:t>j</a:t>
-            </a:r>
-            <a:r>
-              <a:rPr lang="en-US" sz="1800" dirty="0">
-                <a:solidFill>
-                  <a:srgbClr val="C6DAEC"/>
-                </a:solidFill>
-                <a:latin typeface="Muli"/>
-              </a:rPr>
-              <a:t>  </a:t>
-            </a:r>
-            <a:r>
-              <a:rPr lang="en-US" sz="1800" dirty="0" smtClean="0">
-                <a:solidFill>
-                  <a:srgbClr val="C6DAEC"/>
-                </a:solidFill>
-                <a:latin typeface="Muli"/>
-              </a:rPr>
-              <a:t> → </a:t>
-            </a:r>
-            <a:r>
-              <a:rPr lang="en-US" sz="1800" dirty="0">
-                <a:solidFill>
-                  <a:srgbClr val="C6DAEC"/>
-                </a:solidFill>
-                <a:latin typeface="Muli"/>
-              </a:rPr>
-              <a:t>the </a:t>
-            </a:r>
-            <a:r>
-              <a:rPr lang="en-US" sz="1800" dirty="0" smtClean="0">
-                <a:solidFill>
-                  <a:srgbClr val="C6DAEC"/>
-                </a:solidFill>
-                <a:latin typeface="Muli"/>
-              </a:rPr>
-              <a:t>difference  → →</a:t>
-            </a:r>
-            <a:r>
-              <a:rPr lang="en-US" sz="1800" dirty="0">
-                <a:solidFill>
-                  <a:srgbClr val="C6DAEC"/>
-                </a:solidFill>
-                <a:latin typeface="Muli"/>
-              </a:rPr>
-              <a:t> </a:t>
-            </a:r>
-            <a:r>
-              <a:rPr lang="en-US" sz="1800" dirty="0" smtClean="0">
-                <a:solidFill>
-                  <a:srgbClr val="C6DAEC"/>
-                </a:solidFill>
-                <a:latin typeface="Muli"/>
-              </a:rPr>
-              <a:t>→</a:t>
-            </a:r>
-          </a:p>
-          <a:p>
-            <a:pPr>
-              <a:buClr>
-                <a:schemeClr val="accent4"/>
-              </a:buClr>
-            </a:pPr>
-            <a:endParaRPr lang="en-US" sz="1800" dirty="0">
-              <a:solidFill>
-                <a:schemeClr val="accent2"/>
-              </a:solidFill>
-              <a:latin typeface="Courier New" panose="02070309020205020404" pitchFamily="49" charset="0"/>
-              <a:cs typeface="Courier New" panose="02070309020205020404" pitchFamily="49" charset="0"/>
-            </a:endParaRPr>
-          </a:p>
-          <a:p>
-            <a:pPr marL="285750" indent="-285750">
-              <a:buClr>
-                <a:schemeClr val="accent4"/>
-              </a:buClr>
-              <a:buFont typeface="Courier New" panose="02070309020205020404" pitchFamily="49" charset="0"/>
-              <a:buChar char="o"/>
-            </a:pPr>
-            <a:r>
-              <a:rPr lang="en-US" sz="1800" dirty="0">
-                <a:solidFill>
-                  <a:schemeClr val="accent2"/>
-                </a:solidFill>
-                <a:latin typeface="Courier New" panose="02070309020205020404" pitchFamily="49" charset="0"/>
-                <a:cs typeface="Courier New" panose="02070309020205020404" pitchFamily="49" charset="0"/>
-              </a:rPr>
-              <a:t>i</a:t>
-            </a:r>
-            <a:r>
-              <a:rPr lang="en-US" sz="1800" dirty="0" smtClean="0">
-                <a:solidFill>
-                  <a:schemeClr val="accent2"/>
-                </a:solidFill>
-                <a:latin typeface="Courier New" panose="02070309020205020404" pitchFamily="49" charset="0"/>
-                <a:cs typeface="Courier New" panose="02070309020205020404" pitchFamily="49" charset="0"/>
-              </a:rPr>
-              <a:t> * j</a:t>
-            </a:r>
-            <a:r>
-              <a:rPr lang="en-US" sz="1800" dirty="0">
-                <a:solidFill>
-                  <a:srgbClr val="C6DAEC"/>
-                </a:solidFill>
-                <a:latin typeface="Muli"/>
-              </a:rPr>
-              <a:t>  </a:t>
-            </a:r>
-            <a:r>
-              <a:rPr lang="en-US" sz="1800" dirty="0" smtClean="0">
-                <a:solidFill>
-                  <a:srgbClr val="C6DAEC"/>
-                </a:solidFill>
-                <a:latin typeface="Muli"/>
-              </a:rPr>
-              <a:t> → </a:t>
-            </a:r>
-            <a:r>
-              <a:rPr lang="en-US" sz="1800" dirty="0">
-                <a:solidFill>
-                  <a:srgbClr val="C6DAEC"/>
-                </a:solidFill>
-                <a:latin typeface="Muli"/>
-              </a:rPr>
-              <a:t>the </a:t>
-            </a:r>
-            <a:r>
-              <a:rPr lang="en-US" sz="1800" dirty="0" smtClean="0">
-                <a:solidFill>
-                  <a:srgbClr val="C6DAEC"/>
-                </a:solidFill>
-                <a:latin typeface="Muli"/>
-              </a:rPr>
-              <a:t>product</a:t>
-            </a:r>
-          </a:p>
-          <a:p>
-            <a:pPr>
-              <a:buClr>
-                <a:schemeClr val="accent4"/>
-              </a:buClr>
-            </a:pPr>
-            <a:endParaRPr lang="en-US" sz="1800" dirty="0" smtClean="0">
-              <a:solidFill>
-                <a:schemeClr val="accent2"/>
-              </a:solidFill>
-              <a:latin typeface="Courier New" panose="02070309020205020404" pitchFamily="49" charset="0"/>
-              <a:cs typeface="Courier New" panose="02070309020205020404" pitchFamily="49" charset="0"/>
-            </a:endParaRPr>
-          </a:p>
-          <a:p>
-            <a:pPr marL="285750" indent="-285750">
-              <a:buClr>
-                <a:schemeClr val="accent4"/>
-              </a:buClr>
-              <a:buFont typeface="Courier New" panose="02070309020205020404" pitchFamily="49" charset="0"/>
-              <a:buChar char="o"/>
-            </a:pPr>
-            <a:r>
-              <a:rPr lang="en-US" sz="1800" dirty="0">
-                <a:solidFill>
-                  <a:schemeClr val="accent2"/>
-                </a:solidFill>
-                <a:latin typeface="Courier New" panose="02070309020205020404" pitchFamily="49" charset="0"/>
-                <a:cs typeface="Courier New" panose="02070309020205020404" pitchFamily="49" charset="0"/>
-              </a:rPr>
-              <a:t>i</a:t>
-            </a:r>
-            <a:r>
-              <a:rPr lang="en-US" sz="1800" dirty="0" smtClean="0">
-                <a:solidFill>
-                  <a:schemeClr val="accent2"/>
-                </a:solidFill>
-                <a:latin typeface="Courier New" panose="02070309020205020404" pitchFamily="49" charset="0"/>
-                <a:cs typeface="Courier New" panose="02070309020205020404" pitchFamily="49" charset="0"/>
-              </a:rPr>
-              <a:t> / j</a:t>
-            </a:r>
-            <a:r>
-              <a:rPr lang="en-US" sz="1800" dirty="0">
-                <a:solidFill>
-                  <a:srgbClr val="C6DAEC"/>
-                </a:solidFill>
-                <a:latin typeface="Muli"/>
-              </a:rPr>
-              <a:t> </a:t>
-            </a:r>
-            <a:r>
-              <a:rPr lang="en-US" sz="1800" dirty="0" smtClean="0">
-                <a:solidFill>
-                  <a:srgbClr val="C6DAEC"/>
-                </a:solidFill>
-                <a:latin typeface="Muli"/>
-              </a:rPr>
-              <a:t>  → </a:t>
-            </a:r>
-            <a:r>
-              <a:rPr lang="en-US" sz="1800" dirty="0">
-                <a:solidFill>
-                  <a:srgbClr val="C6DAEC"/>
-                </a:solidFill>
-                <a:latin typeface="Muli"/>
-              </a:rPr>
-              <a:t>the </a:t>
-            </a:r>
-            <a:r>
-              <a:rPr lang="en-US" sz="1800" dirty="0" smtClean="0">
-                <a:solidFill>
-                  <a:srgbClr val="C6DAEC"/>
-                </a:solidFill>
-                <a:latin typeface="Muli"/>
-              </a:rPr>
-              <a:t>quotient (division)</a:t>
-            </a:r>
-            <a:r>
-              <a:rPr lang="en-US" sz="1800" dirty="0">
-                <a:solidFill>
-                  <a:srgbClr val="C6DAEC"/>
-                </a:solidFill>
-                <a:latin typeface="Muli"/>
-              </a:rPr>
-              <a:t> → </a:t>
-            </a:r>
-            <a:r>
-              <a:rPr lang="en-US" sz="1800" dirty="0" smtClean="0">
-                <a:solidFill>
-                  <a:srgbClr val="C6DAEC"/>
-                </a:solidFill>
-                <a:latin typeface="Muli"/>
-              </a:rPr>
-              <a:t>→</a:t>
-            </a:r>
-            <a:r>
-              <a:rPr lang="en-US" sz="1800" dirty="0">
-                <a:solidFill>
-                  <a:srgbClr val="C6DAEC"/>
-                </a:solidFill>
-                <a:latin typeface="Muli"/>
-              </a:rPr>
-              <a:t>  </a:t>
-            </a:r>
-            <a:r>
-              <a:rPr lang="en-US" sz="1800" dirty="0" smtClean="0">
-                <a:solidFill>
-                  <a:srgbClr val="C6DAEC"/>
-                </a:solidFill>
-                <a:latin typeface="Muli"/>
-              </a:rPr>
-              <a:t>  </a:t>
-            </a:r>
-            <a:r>
-              <a:rPr lang="en-US" dirty="0" smtClean="0">
-                <a:solidFill>
-                  <a:schemeClr val="accent2"/>
-                </a:solidFill>
-                <a:latin typeface="Muli"/>
-              </a:rPr>
-              <a:t>Result </a:t>
-            </a:r>
-            <a:r>
-              <a:rPr lang="en-US" dirty="0">
-                <a:solidFill>
-                  <a:schemeClr val="accent2"/>
-                </a:solidFill>
-                <a:latin typeface="Muli"/>
-              </a:rPr>
-              <a:t>is float</a:t>
-            </a:r>
-          </a:p>
-          <a:p>
-            <a:pPr>
-              <a:buClr>
-                <a:schemeClr val="accent4"/>
-              </a:buClr>
-            </a:pPr>
-            <a:endParaRPr lang="en-US" sz="1800" dirty="0" smtClean="0">
-              <a:solidFill>
-                <a:schemeClr val="accent2"/>
-              </a:solidFill>
-              <a:latin typeface="Courier New" panose="02070309020205020404" pitchFamily="49" charset="0"/>
-              <a:cs typeface="Courier New" panose="02070309020205020404" pitchFamily="49" charset="0"/>
-            </a:endParaRPr>
-          </a:p>
-          <a:p>
-            <a:pPr marL="285750" indent="-285750">
-              <a:buClr>
-                <a:schemeClr val="accent4"/>
-              </a:buClr>
-              <a:buFont typeface="Courier New" panose="02070309020205020404" pitchFamily="49" charset="0"/>
-              <a:buChar char="o"/>
-            </a:pPr>
-            <a:r>
-              <a:rPr lang="en-US" sz="1800" dirty="0">
-                <a:solidFill>
-                  <a:schemeClr val="accent2"/>
-                </a:solidFill>
-                <a:latin typeface="Courier New" panose="02070309020205020404" pitchFamily="49" charset="0"/>
-                <a:cs typeface="Courier New" panose="02070309020205020404" pitchFamily="49" charset="0"/>
-              </a:rPr>
-              <a:t>i</a:t>
-            </a:r>
-            <a:r>
-              <a:rPr lang="en-US" sz="1800" dirty="0" smtClean="0">
-                <a:solidFill>
-                  <a:schemeClr val="accent2"/>
-                </a:solidFill>
-                <a:latin typeface="Courier New" panose="02070309020205020404" pitchFamily="49" charset="0"/>
-                <a:cs typeface="Courier New" panose="02070309020205020404" pitchFamily="49" charset="0"/>
-              </a:rPr>
-              <a:t> // j</a:t>
-            </a:r>
-            <a:r>
-              <a:rPr lang="en-US" sz="1800" dirty="0">
-                <a:solidFill>
-                  <a:srgbClr val="C6DAEC"/>
-                </a:solidFill>
-                <a:latin typeface="Muli"/>
-              </a:rPr>
-              <a:t> → </a:t>
-            </a:r>
-            <a:r>
-              <a:rPr lang="en-US" sz="1800" dirty="0" smtClean="0">
-                <a:solidFill>
-                  <a:srgbClr val="C6DAEC"/>
-                </a:solidFill>
-                <a:latin typeface="Muli"/>
-              </a:rPr>
-              <a:t>int division</a:t>
-            </a:r>
-            <a:r>
-              <a:rPr lang="en-US" sz="1800" dirty="0">
-                <a:solidFill>
-                  <a:srgbClr val="C6DAEC"/>
-                </a:solidFill>
-                <a:latin typeface="Muli"/>
-              </a:rPr>
-              <a:t> → → → → → </a:t>
-            </a:r>
-            <a:r>
-              <a:rPr lang="en-US" sz="1800" dirty="0" smtClean="0">
-                <a:solidFill>
-                  <a:srgbClr val="C6DAEC"/>
-                </a:solidFill>
-                <a:latin typeface="Muli"/>
-              </a:rPr>
-              <a:t>→</a:t>
-            </a:r>
-          </a:p>
-          <a:p>
-            <a:pPr>
-              <a:buClr>
-                <a:schemeClr val="accent4"/>
-              </a:buClr>
-            </a:pPr>
-            <a:endParaRPr lang="en-US" sz="1800" dirty="0" smtClean="0">
-              <a:solidFill>
-                <a:schemeClr val="accent2"/>
-              </a:solidFill>
-              <a:latin typeface="Courier New" panose="02070309020205020404" pitchFamily="49" charset="0"/>
-              <a:cs typeface="Courier New" panose="02070309020205020404" pitchFamily="49" charset="0"/>
-            </a:endParaRPr>
-          </a:p>
-          <a:p>
-            <a:pPr marL="285750" indent="-285750">
-              <a:buClr>
-                <a:schemeClr val="accent4"/>
-              </a:buClr>
-              <a:buFont typeface="Courier New" panose="02070309020205020404" pitchFamily="49" charset="0"/>
-              <a:buChar char="o"/>
-            </a:pPr>
-            <a:r>
-              <a:rPr lang="en-US" sz="1800" dirty="0" smtClean="0">
-                <a:solidFill>
-                  <a:schemeClr val="accent2"/>
-                </a:solidFill>
-                <a:latin typeface="Courier New" panose="02070309020205020404" pitchFamily="49" charset="0"/>
-                <a:cs typeface="Courier New" panose="02070309020205020404" pitchFamily="49" charset="0"/>
-              </a:rPr>
-              <a:t>i % j</a:t>
-            </a:r>
-            <a:r>
-              <a:rPr lang="en-US" sz="1800" dirty="0">
-                <a:solidFill>
-                  <a:srgbClr val="C6DAEC"/>
-                </a:solidFill>
-                <a:latin typeface="Muli"/>
-              </a:rPr>
-              <a:t> </a:t>
-            </a:r>
-            <a:r>
-              <a:rPr lang="en-US" sz="1800" dirty="0" smtClean="0">
-                <a:solidFill>
-                  <a:srgbClr val="C6DAEC"/>
-                </a:solidFill>
-                <a:latin typeface="Muli"/>
-              </a:rPr>
-              <a:t>  → the remainder when </a:t>
-            </a:r>
-            <a:r>
-              <a:rPr lang="en-US" sz="1800" dirty="0">
-                <a:solidFill>
-                  <a:schemeClr val="accent2"/>
-                </a:solidFill>
-                <a:latin typeface="Courier New" panose="02070309020205020404" pitchFamily="49" charset="0"/>
-                <a:cs typeface="Courier New" panose="02070309020205020404" pitchFamily="49" charset="0"/>
-              </a:rPr>
-              <a:t>i</a:t>
-            </a:r>
-            <a:r>
-              <a:rPr lang="en-US" sz="1800" dirty="0" smtClean="0">
-                <a:solidFill>
-                  <a:srgbClr val="C6DAEC"/>
-                </a:solidFill>
-                <a:latin typeface="Muli"/>
-              </a:rPr>
-              <a:t> is divided by </a:t>
-            </a:r>
-            <a:r>
-              <a:rPr lang="en-US" sz="1800" dirty="0" smtClean="0">
-                <a:solidFill>
-                  <a:schemeClr val="accent2"/>
-                </a:solidFill>
-                <a:latin typeface="Courier New" panose="02070309020205020404" pitchFamily="49" charset="0"/>
-                <a:cs typeface="Courier New" panose="02070309020205020404" pitchFamily="49" charset="0"/>
-              </a:rPr>
-              <a:t>j</a:t>
-            </a:r>
-          </a:p>
-          <a:p>
-            <a:pPr>
-              <a:buClr>
-                <a:schemeClr val="accent4"/>
-              </a:buClr>
-            </a:pPr>
-            <a:endParaRPr lang="en-US" sz="1800" dirty="0">
-              <a:solidFill>
-                <a:schemeClr val="accent2"/>
-              </a:solidFill>
-              <a:latin typeface="Courier New" panose="02070309020205020404" pitchFamily="49" charset="0"/>
-              <a:cs typeface="Courier New" panose="02070309020205020404" pitchFamily="49" charset="0"/>
-            </a:endParaRPr>
-          </a:p>
-          <a:p>
-            <a:pPr marL="285750" indent="-285750">
-              <a:buClr>
-                <a:schemeClr val="accent4"/>
-              </a:buClr>
-              <a:buFont typeface="Courier New" panose="02070309020205020404" pitchFamily="49" charset="0"/>
-              <a:buChar char="o"/>
-            </a:pPr>
-            <a:r>
-              <a:rPr lang="en-US" sz="1800" dirty="0">
-                <a:solidFill>
-                  <a:schemeClr val="accent2"/>
-                </a:solidFill>
-                <a:latin typeface="Courier New" panose="02070309020205020404" pitchFamily="49" charset="0"/>
-                <a:cs typeface="Courier New" panose="02070309020205020404" pitchFamily="49" charset="0"/>
-              </a:rPr>
-              <a:t>i</a:t>
-            </a:r>
-            <a:r>
-              <a:rPr lang="en-US" sz="1800" dirty="0" smtClean="0">
-                <a:solidFill>
-                  <a:schemeClr val="accent2"/>
-                </a:solidFill>
-                <a:latin typeface="Courier New" panose="02070309020205020404" pitchFamily="49" charset="0"/>
-                <a:cs typeface="Courier New" panose="02070309020205020404" pitchFamily="49" charset="0"/>
-              </a:rPr>
-              <a:t> ** j</a:t>
-            </a:r>
-            <a:r>
-              <a:rPr lang="en-US" sz="1800" dirty="0">
-                <a:solidFill>
-                  <a:srgbClr val="C6DAEC"/>
-                </a:solidFill>
-                <a:latin typeface="Muli"/>
-              </a:rPr>
-              <a:t> → </a:t>
-            </a:r>
-            <a:r>
-              <a:rPr lang="en-US" sz="1800" dirty="0">
-                <a:solidFill>
-                  <a:schemeClr val="accent2"/>
-                </a:solidFill>
-                <a:latin typeface="Courier New" panose="02070309020205020404" pitchFamily="49" charset="0"/>
-                <a:cs typeface="Courier New" panose="02070309020205020404" pitchFamily="49" charset="0"/>
-              </a:rPr>
-              <a:t>i</a:t>
-            </a:r>
-            <a:r>
-              <a:rPr lang="en-US" sz="1800" dirty="0" smtClean="0">
-                <a:solidFill>
-                  <a:srgbClr val="C6DAEC"/>
-                </a:solidFill>
-                <a:latin typeface="Muli"/>
-              </a:rPr>
-              <a:t> to the power of </a:t>
-            </a:r>
-            <a:r>
-              <a:rPr lang="en-US" sz="1800" dirty="0">
-                <a:solidFill>
-                  <a:schemeClr val="accent2"/>
-                </a:solidFill>
-                <a:latin typeface="Courier New" panose="02070309020205020404" pitchFamily="49" charset="0"/>
-                <a:cs typeface="Courier New" panose="02070309020205020404" pitchFamily="49" charset="0"/>
-              </a:rPr>
-              <a:t>j</a:t>
-            </a:r>
-            <a:endParaRPr lang="en-US" sz="1800" dirty="0">
-              <a:solidFill>
-                <a:srgbClr val="C6DAEC"/>
-              </a:solidFill>
-              <a:latin typeface="Muli"/>
-            </a:endParaRPr>
-          </a:p>
-          <a:p>
-            <a:endParaRPr lang="en-US" sz="1800" dirty="0" smtClean="0">
-              <a:solidFill>
-                <a:srgbClr val="C6DAEC"/>
-              </a:solidFill>
-              <a:latin typeface="Muli"/>
-            </a:endParaRPr>
-          </a:p>
-          <a:p>
-            <a:endParaRPr lang="en-US" sz="1800" dirty="0">
-              <a:solidFill>
-                <a:srgbClr val="C6DAEC"/>
-              </a:solidFill>
-              <a:latin typeface="Muli"/>
-            </a:endParaRPr>
-          </a:p>
-          <a:p>
-            <a:endParaRPr lang="en-US" sz="1800" dirty="0" smtClean="0">
-              <a:solidFill>
-                <a:srgbClr val="C6DAEC"/>
-              </a:solidFill>
-              <a:latin typeface="Muli"/>
-            </a:endParaRPr>
-          </a:p>
-        </p:txBody>
-      </p:sp>
-      <p:sp>
-        <p:nvSpPr>
-          <p:cNvPr id="3" name="Left Brace 2"/>
-          <p:cNvSpPr/>
-          <p:nvPr/>
-        </p:nvSpPr>
-        <p:spPr>
-          <a:xfrm>
-            <a:off x="5758180" y="1143126"/>
-            <a:ext cx="353059" cy="1429657"/>
-          </a:xfrm>
-          <a:prstGeom prst="leftBrace">
-            <a:avLst/>
-          </a:prstGeom>
-          <a:ln w="22225">
-            <a:solidFill>
-              <a:schemeClr val="accent4">
-                <a:lumMod val="40000"/>
-                <a:lumOff val="60000"/>
-              </a:schemeClr>
-            </a:solidFill>
-          </a:ln>
-        </p:spPr>
-        <p:style>
-          <a:lnRef idx="1">
-            <a:schemeClr val="accent1"/>
-          </a:lnRef>
-          <a:fillRef idx="0">
-            <a:schemeClr val="accent1"/>
-          </a:fillRef>
-          <a:effectRef idx="0">
-            <a:schemeClr val="accent1"/>
-          </a:effectRef>
-          <a:fontRef idx="minor">
-            <a:schemeClr val="tx1"/>
-          </a:fontRef>
-        </p:style>
-        <p:txBody>
-          <a:bodyPr rtlCol="0" anchor="ctr"/>
-          <a:lstStyle/>
-          <a:p>
-            <a:pPr algn="ctr"/>
-            <a:endParaRPr lang="en-US" dirty="0"/>
-          </a:p>
-        </p:txBody>
-      </p:sp>
-      <p:sp>
-        <p:nvSpPr>
-          <p:cNvPr id="5" name="TextBox 4"/>
-          <p:cNvSpPr txBox="1"/>
-          <p:nvPr/>
-        </p:nvSpPr>
-        <p:spPr>
-          <a:xfrm>
-            <a:off x="5957569" y="1396505"/>
-            <a:ext cx="2233931" cy="954107"/>
-          </a:xfrm>
-          <a:prstGeom prst="rect">
-            <a:avLst/>
-          </a:prstGeom>
-          <a:noFill/>
-        </p:spPr>
-        <p:txBody>
-          <a:bodyPr wrap="square" rtlCol="0">
-            <a:spAutoFit/>
-          </a:bodyPr>
-          <a:lstStyle/>
-          <a:p>
-            <a:pPr marL="285750" indent="-285750">
-              <a:buClr>
-                <a:schemeClr val="accent4"/>
-              </a:buClr>
-              <a:buFont typeface="Arial" panose="020B0604020202020204" pitchFamily="34" charset="0"/>
-              <a:buChar char="•"/>
-            </a:pPr>
-            <a:r>
-              <a:rPr lang="en-US" dirty="0">
-                <a:solidFill>
-                  <a:schemeClr val="accent2"/>
-                </a:solidFill>
-                <a:latin typeface="Muli"/>
-              </a:rPr>
-              <a:t>If both are ints, result is </a:t>
-            </a:r>
-            <a:r>
-              <a:rPr lang="en-US" dirty="0" smtClean="0">
-                <a:solidFill>
-                  <a:schemeClr val="accent2"/>
-                </a:solidFill>
-                <a:latin typeface="Muli"/>
-              </a:rPr>
-              <a:t>int</a:t>
-            </a:r>
-            <a:endParaRPr lang="en-US" dirty="0">
-              <a:solidFill>
-                <a:schemeClr val="accent2"/>
-              </a:solidFill>
-              <a:latin typeface="Muli"/>
-            </a:endParaRPr>
-          </a:p>
-          <a:p>
-            <a:pPr marL="285750" indent="-285750">
-              <a:buClr>
-                <a:schemeClr val="accent4"/>
-              </a:buClr>
-              <a:buFont typeface="Arial" panose="020B0604020202020204" pitchFamily="34" charset="0"/>
-              <a:buChar char="•"/>
-            </a:pPr>
-            <a:r>
-              <a:rPr lang="en-US" dirty="0">
-                <a:solidFill>
-                  <a:schemeClr val="accent2"/>
-                </a:solidFill>
-                <a:latin typeface="Muli"/>
-              </a:rPr>
-              <a:t>If either or both are floats, result is float</a:t>
-            </a:r>
-            <a:endParaRPr lang="en-US" dirty="0">
-              <a:solidFill>
-                <a:schemeClr val="accent2"/>
-              </a:solidFill>
-              <a:latin typeface="Muli"/>
-            </a:endParaRPr>
-          </a:p>
-        </p:txBody>
-      </p:sp>
-      <p:sp>
-        <p:nvSpPr>
-          <p:cNvPr id="6" name="TextBox 5"/>
-          <p:cNvSpPr txBox="1"/>
-          <p:nvPr/>
-        </p:nvSpPr>
-        <p:spPr>
-          <a:xfrm>
-            <a:off x="6236100" y="3248812"/>
-            <a:ext cx="2191620" cy="523220"/>
-          </a:xfrm>
-          <a:prstGeom prst="rect">
-            <a:avLst/>
-          </a:prstGeom>
-          <a:noFill/>
-        </p:spPr>
-        <p:txBody>
-          <a:bodyPr wrap="square" rtlCol="0">
-            <a:spAutoFit/>
-          </a:bodyPr>
-          <a:lstStyle/>
-          <a:p>
-            <a:r>
-              <a:rPr lang="en-US" dirty="0">
-                <a:solidFill>
-                  <a:schemeClr val="accent2"/>
-                </a:solidFill>
-                <a:latin typeface="Muli"/>
-              </a:rPr>
-              <a:t>Result is int, quotient without remainder</a:t>
-            </a:r>
-            <a:endParaRPr lang="en-US" dirty="0">
-              <a:solidFill>
-                <a:schemeClr val="accent2"/>
-              </a:solidFill>
-              <a:latin typeface="Muli"/>
-            </a:endParaRPr>
-          </a:p>
-        </p:txBody>
-      </p:sp>
-    </p:spTree>
-    <p:extLst>
-      <p:ext uri="{BB962C8B-B14F-4D97-AF65-F5344CB8AC3E}">
-        <p14:creationId xmlns:p14="http://schemas.microsoft.com/office/powerpoint/2010/main" val="909066802"/>
-      </p:ext>
-    </p:extLst>
-  </p:cSld>
-  <p:clrMapOvr>
-    <a:masterClrMapping/>
-  </p:clrMapOvr>
-  <p:timing>
-    <p:tnLst>
-      <p:par>
-        <p:cTn id="1" dur="indefinite" restart="never" nodeType="tmRoot"/>
-      </p:par>
-    </p:tnLst>
-  </p:timing>
-</p:sld>
-</file>
-
-<file path=ppt/slides/slide11.xml><?xml version="1.0" encoding="utf-8"?>
-<p:sld xmlns:a="http://schemas.openxmlformats.org/drawingml/2006/main" xmlns:r="http://schemas.openxmlformats.org/officeDocument/2006/relationships" xmlns:p="http://schemas.openxmlformats.org/presentationml/2006/main">
-  <p:cSld>
-    <p:spTree>
-      <p:nvGrpSpPr>
-        <p:cNvPr id="1" name="Shape 428"/>
-        <p:cNvGrpSpPr/>
-        <p:nvPr/>
-      </p:nvGrpSpPr>
-      <p:grpSpPr>
-        <a:xfrm>
-          <a:off x="0" y="0"/>
-          <a:ext cx="0" cy="0"/>
-          <a:chOff x="0" y="0"/>
-          <a:chExt cx="0" cy="0"/>
-        </a:xfrm>
-      </p:grpSpPr>
-      <p:sp>
-        <p:nvSpPr>
-          <p:cNvPr id="433" name="Google Shape;433;p22"/>
-          <p:cNvSpPr txBox="1">
-            <a:spLocks noGrp="1"/>
-          </p:cNvSpPr>
-          <p:nvPr>
-            <p:ph type="sldNum" idx="12"/>
-          </p:nvPr>
-        </p:nvSpPr>
-        <p:spPr>
-          <a:xfrm>
-            <a:off x="13557" y="4785525"/>
-            <a:ext cx="548700" cy="357900"/>
-          </a:xfrm>
-          <a:prstGeom prst="rect">
-            <a:avLst/>
-          </a:prstGeom>
-        </p:spPr>
-        <p:txBody>
-          <a:bodyPr spcFirstLastPara="1" wrap="square" lIns="91425" tIns="91425" rIns="91425" bIns="91425" anchor="t" anchorCtr="0">
-            <a:noAutofit/>
-          </a:bodyPr>
-          <a:lstStyle/>
-          <a:p>
-            <a:pPr marL="0" lvl="0" indent="0" algn="l" rtl="0">
-              <a:spcBef>
-                <a:spcPts val="0"/>
-              </a:spcBef>
-              <a:spcAft>
-                <a:spcPts val="0"/>
-              </a:spcAft>
-              <a:buNone/>
-            </a:pPr>
-            <a:fld id="{00000000-1234-1234-1234-123412341234}" type="slidenum">
-              <a:rPr lang="en"/>
-              <a:t>11</a:t>
-            </a:fld>
-            <a:endParaRPr/>
-          </a:p>
-        </p:txBody>
-      </p:sp>
-      <p:sp>
-        <p:nvSpPr>
-          <p:cNvPr id="7" name="Rectangle 6">
-            <a:extLst>
-              <a:ext uri="{FF2B5EF4-FFF2-40B4-BE49-F238E27FC236}">
-                <a16:creationId xmlns:a16="http://schemas.microsoft.com/office/drawing/2014/main" id="{3B9CCF0A-B6AC-4E3E-9AE0-0E6C02D98C1E}"/>
-              </a:ext>
-            </a:extLst>
-          </p:cNvPr>
-          <p:cNvSpPr/>
-          <p:nvPr/>
-        </p:nvSpPr>
-        <p:spPr>
-          <a:xfrm>
-            <a:off x="2422014" y="182099"/>
-            <a:ext cx="6699270" cy="646331"/>
-          </a:xfrm>
-          <a:prstGeom prst="rect">
-            <a:avLst/>
-          </a:prstGeom>
-        </p:spPr>
-        <p:txBody>
-          <a:bodyPr wrap="none">
-            <a:spAutoFit/>
-          </a:bodyPr>
-          <a:lstStyle/>
-          <a:p>
-            <a:r>
-              <a:rPr lang="en-CA" sz="3600" dirty="0" smtClean="0">
-                <a:solidFill>
-                  <a:srgbClr val="19BBD5"/>
-                </a:solidFill>
-                <a:latin typeface="Nixie One"/>
-                <a:sym typeface="Nixie One"/>
-              </a:rPr>
-              <a:t>Operators on ints and floats</a:t>
-            </a:r>
-            <a:endParaRPr lang="en-CA" sz="3600" dirty="0"/>
-          </a:p>
-        </p:txBody>
-      </p:sp>
-      <p:sp>
-        <p:nvSpPr>
-          <p:cNvPr id="4" name="Rectangle 3">
-            <a:extLst>
-              <a:ext uri="{FF2B5EF4-FFF2-40B4-BE49-F238E27FC236}">
-                <a16:creationId xmlns:a16="http://schemas.microsoft.com/office/drawing/2014/main" id="{F2D98915-2730-44C5-A61F-55A36F7CB933}"/>
-              </a:ext>
-            </a:extLst>
-          </p:cNvPr>
-          <p:cNvSpPr/>
-          <p:nvPr/>
-        </p:nvSpPr>
-        <p:spPr>
-          <a:xfrm>
-            <a:off x="1722408" y="1135506"/>
-            <a:ext cx="7149365" cy="2031325"/>
-          </a:xfrm>
-          <a:prstGeom prst="rect">
-            <a:avLst/>
-          </a:prstGeom>
-        </p:spPr>
-        <p:txBody>
-          <a:bodyPr wrap="square">
-            <a:spAutoFit/>
-          </a:bodyPr>
-          <a:lstStyle/>
-          <a:p>
-            <a:r>
-              <a:rPr lang="en-US" sz="1800" u="sng" dirty="0" smtClean="0">
-                <a:solidFill>
-                  <a:srgbClr val="C6DAEC"/>
-                </a:solidFill>
-                <a:latin typeface="Muli"/>
-              </a:rPr>
-              <a:t>Syntax</a:t>
-            </a:r>
-            <a:endParaRPr lang="en-US" dirty="0">
-              <a:solidFill>
-                <a:srgbClr val="C6DAEC"/>
-              </a:solidFill>
-              <a:latin typeface="Muli"/>
-            </a:endParaRPr>
-          </a:p>
-          <a:p>
-            <a:r>
-              <a:rPr lang="en-US" sz="1800" dirty="0">
-                <a:solidFill>
-                  <a:srgbClr val="C6DAEC"/>
-                </a:solidFill>
-                <a:latin typeface="Muli"/>
-              </a:rPr>
-              <a:t> </a:t>
-            </a:r>
-            <a:r>
-              <a:rPr lang="en-US" sz="1800" dirty="0" smtClean="0">
-                <a:solidFill>
-                  <a:srgbClr val="C6DAEC"/>
-                </a:solidFill>
-                <a:latin typeface="Muli"/>
-              </a:rPr>
-              <a:t>   English: cat dog boy                   not syntactically valid</a:t>
-            </a:r>
-          </a:p>
-          <a:p>
-            <a:r>
-              <a:rPr lang="en-US" sz="1800" dirty="0">
-                <a:solidFill>
-                  <a:srgbClr val="C6DAEC"/>
-                </a:solidFill>
-                <a:latin typeface="Muli"/>
-              </a:rPr>
-              <a:t> </a:t>
-            </a:r>
-            <a:r>
-              <a:rPr lang="en-US" sz="1800" dirty="0" smtClean="0">
-                <a:solidFill>
-                  <a:srgbClr val="C6DAEC"/>
-                </a:solidFill>
-                <a:latin typeface="Muli"/>
-              </a:rPr>
-              <a:t>                  cat hugs boy                 syntactically valid</a:t>
-            </a:r>
-          </a:p>
-          <a:p>
-            <a:endParaRPr lang="en-US" sz="1800" dirty="0" smtClean="0">
-              <a:solidFill>
-                <a:srgbClr val="C6DAEC"/>
-              </a:solidFill>
-              <a:latin typeface="Muli"/>
-            </a:endParaRPr>
-          </a:p>
-          <a:p>
-            <a:r>
-              <a:rPr lang="en-US" sz="1800" dirty="0">
-                <a:solidFill>
-                  <a:srgbClr val="C6DAEC"/>
-                </a:solidFill>
-                <a:latin typeface="Muli"/>
-              </a:rPr>
-              <a:t> </a:t>
-            </a:r>
-            <a:r>
-              <a:rPr lang="en-US" sz="1800" dirty="0" smtClean="0">
-                <a:solidFill>
-                  <a:srgbClr val="C6DAEC"/>
-                </a:solidFill>
-                <a:latin typeface="Muli"/>
-              </a:rPr>
-              <a:t>   Programming language: </a:t>
-            </a:r>
-            <a:r>
-              <a:rPr lang="en-US" sz="1800" dirty="0" smtClean="0">
-                <a:solidFill>
-                  <a:schemeClr val="accent2"/>
-                </a:solidFill>
-                <a:latin typeface="Muli"/>
-              </a:rPr>
-              <a:t>“hi”5          </a:t>
-            </a:r>
-            <a:r>
-              <a:rPr lang="en-US" sz="1800" dirty="0">
-                <a:solidFill>
-                  <a:srgbClr val="C6DAEC"/>
-                </a:solidFill>
-                <a:latin typeface="Muli"/>
-              </a:rPr>
-              <a:t>not syntactically valid</a:t>
-            </a:r>
-          </a:p>
-          <a:p>
-            <a:r>
-              <a:rPr lang="en-US" sz="1800" dirty="0">
-                <a:solidFill>
-                  <a:srgbClr val="C6DAEC"/>
-                </a:solidFill>
-                <a:latin typeface="Muli"/>
-              </a:rPr>
-              <a:t> </a:t>
-            </a:r>
-            <a:r>
-              <a:rPr lang="en-US" sz="1800" dirty="0" smtClean="0">
-                <a:solidFill>
-                  <a:srgbClr val="C6DAEC"/>
-                </a:solidFill>
-                <a:latin typeface="Muli"/>
-              </a:rPr>
-              <a:t>                                               </a:t>
-            </a:r>
-            <a:r>
-              <a:rPr lang="en-US" sz="1800" dirty="0" smtClean="0">
-                <a:solidFill>
-                  <a:schemeClr val="accent2"/>
-                </a:solidFill>
-                <a:latin typeface="Muli"/>
-              </a:rPr>
-              <a:t>3.2 * 5         </a:t>
-            </a:r>
-            <a:r>
-              <a:rPr lang="en-US" sz="1800" dirty="0">
-                <a:solidFill>
-                  <a:srgbClr val="C6DAEC"/>
-                </a:solidFill>
-                <a:latin typeface="Muli"/>
-              </a:rPr>
-              <a:t>syntactically valid</a:t>
-            </a:r>
-          </a:p>
-          <a:p>
-            <a:endParaRPr lang="en-US" sz="1800" dirty="0" smtClean="0">
-              <a:solidFill>
-                <a:srgbClr val="C6DAEC"/>
-              </a:solidFill>
-              <a:latin typeface="Muli"/>
-            </a:endParaRPr>
-          </a:p>
-        </p:txBody>
-      </p:sp>
-      <p:cxnSp>
-        <p:nvCxnSpPr>
-          <p:cNvPr id="5" name="Straight Arrow Connector 4"/>
-          <p:cNvCxnSpPr/>
-          <p:nvPr/>
-        </p:nvCxnSpPr>
-        <p:spPr>
-          <a:xfrm>
-            <a:off x="4355615" y="1598455"/>
-            <a:ext cx="865539" cy="0"/>
-          </a:xfrm>
-          <a:prstGeom prst="straightConnector1">
-            <a:avLst/>
-          </a:prstGeom>
-          <a:ln>
-            <a:tailEnd type="triangle"/>
-          </a:ln>
-        </p:spPr>
-        <p:style>
-          <a:lnRef idx="1">
-            <a:schemeClr val="accent1"/>
-          </a:lnRef>
-          <a:fillRef idx="0">
-            <a:schemeClr val="accent1"/>
-          </a:fillRef>
-          <a:effectRef idx="0">
-            <a:schemeClr val="accent1"/>
-          </a:effectRef>
-          <a:fontRef idx="minor">
-            <a:schemeClr val="tx1"/>
-          </a:fontRef>
-        </p:style>
-      </p:cxnSp>
-      <p:cxnSp>
-        <p:nvCxnSpPr>
-          <p:cNvPr id="15" name="Straight Arrow Connector 14"/>
-          <p:cNvCxnSpPr/>
-          <p:nvPr/>
-        </p:nvCxnSpPr>
-        <p:spPr>
-          <a:xfrm flipV="1">
-            <a:off x="4411456" y="1897438"/>
-            <a:ext cx="815518" cy="1164"/>
-          </a:xfrm>
-          <a:prstGeom prst="straightConnector1">
-            <a:avLst/>
-          </a:prstGeom>
-          <a:ln>
-            <a:tailEnd type="triangle"/>
-          </a:ln>
-        </p:spPr>
-        <p:style>
-          <a:lnRef idx="1">
-            <a:schemeClr val="accent1"/>
-          </a:lnRef>
-          <a:fillRef idx="0">
-            <a:schemeClr val="accent1"/>
-          </a:fillRef>
-          <a:effectRef idx="0">
-            <a:schemeClr val="accent1"/>
-          </a:effectRef>
-          <a:fontRef idx="minor">
-            <a:schemeClr val="tx1"/>
-          </a:fontRef>
-        </p:style>
-      </p:cxnSp>
-      <p:cxnSp>
-        <p:nvCxnSpPr>
-          <p:cNvPr id="17" name="Straight Arrow Connector 16"/>
-          <p:cNvCxnSpPr/>
-          <p:nvPr/>
-        </p:nvCxnSpPr>
-        <p:spPr>
-          <a:xfrm>
-            <a:off x="5324691" y="2413967"/>
-            <a:ext cx="399034" cy="8146"/>
-          </a:xfrm>
-          <a:prstGeom prst="straightConnector1">
-            <a:avLst/>
-          </a:prstGeom>
-          <a:ln>
-            <a:tailEnd type="triangle"/>
-          </a:ln>
-        </p:spPr>
-        <p:style>
-          <a:lnRef idx="1">
-            <a:schemeClr val="accent1"/>
-          </a:lnRef>
-          <a:fillRef idx="0">
-            <a:schemeClr val="accent1"/>
-          </a:fillRef>
-          <a:effectRef idx="0">
-            <a:schemeClr val="accent1"/>
-          </a:effectRef>
-          <a:fontRef idx="minor">
-            <a:schemeClr val="tx1"/>
-          </a:fontRef>
-        </p:style>
-      </p:cxnSp>
-      <p:cxnSp>
-        <p:nvCxnSpPr>
-          <p:cNvPr id="20" name="Straight Arrow Connector 19"/>
-          <p:cNvCxnSpPr/>
-          <p:nvPr/>
-        </p:nvCxnSpPr>
-        <p:spPr>
-          <a:xfrm>
-            <a:off x="5477091" y="2698991"/>
-            <a:ext cx="407178" cy="2328"/>
-          </a:xfrm>
-          <a:prstGeom prst="straightConnector1">
-            <a:avLst/>
-          </a:prstGeom>
-          <a:ln>
-            <a:tailEnd type="triangle"/>
-          </a:ln>
-        </p:spPr>
-        <p:style>
-          <a:lnRef idx="1">
-            <a:schemeClr val="accent1"/>
-          </a:lnRef>
-          <a:fillRef idx="0">
-            <a:schemeClr val="accent1"/>
-          </a:fillRef>
-          <a:effectRef idx="0">
-            <a:schemeClr val="accent1"/>
-          </a:effectRef>
-          <a:fontRef idx="minor">
-            <a:schemeClr val="tx1"/>
-          </a:fontRef>
-        </p:style>
-      </p:cxnSp>
-    </p:spTree>
-    <p:extLst>
-      <p:ext uri="{BB962C8B-B14F-4D97-AF65-F5344CB8AC3E}">
-        <p14:creationId xmlns:p14="http://schemas.microsoft.com/office/powerpoint/2010/main" val="3446700200"/>
-      </p:ext>
-    </p:extLst>
-  </p:cSld>
-  <p:clrMapOvr>
-    <a:masterClrMapping/>
-  </p:clrMapOvr>
-  <p:timing>
-    <p:tnLst>
-      <p:par>
-        <p:cTn id="1" dur="indefinite" restart="never" nodeType="tmRoot"/>
-      </p:par>
-    </p:tnLst>
-  </p:timing>
-</p:sld>
-</file>
-
-<file path=ppt/slides/slide12.xml><?xml version="1.0" encoding="utf-8"?>
-<p:sld xmlns:a="http://schemas.openxmlformats.org/drawingml/2006/main" xmlns:r="http://schemas.openxmlformats.org/officeDocument/2006/relationships" xmlns:p="http://schemas.openxmlformats.org/presentationml/2006/main">
-  <p:cSld>
-    <p:spTree>
-      <p:nvGrpSpPr>
-        <p:cNvPr id="1" name="Shape 428"/>
-        <p:cNvGrpSpPr/>
-        <p:nvPr/>
-      </p:nvGrpSpPr>
-      <p:grpSpPr>
-        <a:xfrm>
-          <a:off x="0" y="0"/>
-          <a:ext cx="0" cy="0"/>
-          <a:chOff x="0" y="0"/>
-          <a:chExt cx="0" cy="0"/>
-        </a:xfrm>
-      </p:grpSpPr>
-      <p:sp>
-        <p:nvSpPr>
-          <p:cNvPr id="4" name="Rectangle 3">
-            <a:extLst>
-              <a:ext uri="{FF2B5EF4-FFF2-40B4-BE49-F238E27FC236}">
-                <a16:creationId xmlns:a16="http://schemas.microsoft.com/office/drawing/2014/main" id="{F2D98915-2730-44C5-A61F-55A36F7CB933}"/>
-              </a:ext>
-            </a:extLst>
-          </p:cNvPr>
-          <p:cNvSpPr/>
-          <p:nvPr/>
-        </p:nvSpPr>
-        <p:spPr>
-          <a:xfrm>
-            <a:off x="1157018" y="1135506"/>
-            <a:ext cx="8077724" cy="2246769"/>
-          </a:xfrm>
-          <a:prstGeom prst="rect">
-            <a:avLst/>
-          </a:prstGeom>
-        </p:spPr>
-        <p:txBody>
-          <a:bodyPr wrap="square">
-            <a:spAutoFit/>
-          </a:bodyPr>
-          <a:lstStyle/>
-          <a:p>
-            <a:r>
-              <a:rPr lang="en-US" sz="1800" u="sng" dirty="0" smtClean="0">
-                <a:solidFill>
-                  <a:srgbClr val="C6DAEC"/>
-                </a:solidFill>
-                <a:latin typeface="Muli"/>
-              </a:rPr>
-              <a:t>Static semantics</a:t>
-            </a:r>
-            <a:r>
-              <a:rPr lang="en-US" sz="1800" dirty="0" smtClean="0">
-                <a:solidFill>
-                  <a:srgbClr val="C6DAEC"/>
-                </a:solidFill>
-                <a:latin typeface="Muli"/>
-              </a:rPr>
-              <a:t> is which syntactically valid strings have meaning</a:t>
-            </a:r>
-          </a:p>
-          <a:p>
-            <a:endParaRPr lang="en-US" dirty="0">
-              <a:solidFill>
-                <a:srgbClr val="C6DAEC"/>
-              </a:solidFill>
-              <a:latin typeface="Muli"/>
-            </a:endParaRPr>
-          </a:p>
-          <a:p>
-            <a:r>
-              <a:rPr lang="en-US" sz="1800" dirty="0">
-                <a:solidFill>
-                  <a:srgbClr val="C6DAEC"/>
-                </a:solidFill>
-                <a:latin typeface="Muli"/>
-              </a:rPr>
-              <a:t> </a:t>
-            </a:r>
-            <a:r>
-              <a:rPr lang="en-US" sz="1800" dirty="0" smtClean="0">
-                <a:solidFill>
-                  <a:srgbClr val="C6DAEC"/>
-                </a:solidFill>
-                <a:latin typeface="Muli"/>
-              </a:rPr>
-              <a:t>   English: “I are hungry”          syntactically valid, but static semantic error</a:t>
-            </a:r>
-          </a:p>
-          <a:p>
-            <a:r>
-              <a:rPr lang="en-US" sz="1800" dirty="0">
-                <a:solidFill>
-                  <a:srgbClr val="C6DAEC"/>
-                </a:solidFill>
-                <a:latin typeface="Muli"/>
-              </a:rPr>
-              <a:t> </a:t>
-            </a:r>
-            <a:r>
-              <a:rPr lang="en-US" sz="1800" dirty="0" smtClean="0">
-                <a:solidFill>
-                  <a:srgbClr val="C6DAEC"/>
-                </a:solidFill>
-                <a:latin typeface="Muli"/>
-              </a:rPr>
-              <a:t>                  </a:t>
-            </a:r>
-          </a:p>
-          <a:p>
-            <a:endParaRPr lang="en-US" sz="1800" dirty="0" smtClean="0">
-              <a:solidFill>
-                <a:srgbClr val="C6DAEC"/>
-              </a:solidFill>
-              <a:latin typeface="Muli"/>
-            </a:endParaRPr>
-          </a:p>
-          <a:p>
-            <a:r>
-              <a:rPr lang="en-US" sz="1800" dirty="0">
-                <a:solidFill>
-                  <a:srgbClr val="C6DAEC"/>
-                </a:solidFill>
-                <a:latin typeface="Muli"/>
-              </a:rPr>
-              <a:t> </a:t>
-            </a:r>
-            <a:r>
-              <a:rPr lang="en-US" sz="1800" dirty="0" smtClean="0">
-                <a:solidFill>
-                  <a:srgbClr val="C6DAEC"/>
-                </a:solidFill>
-                <a:latin typeface="Muli"/>
-              </a:rPr>
-              <a:t>   Programming language:  </a:t>
-            </a:r>
-            <a:r>
-              <a:rPr lang="en-US" sz="1800" dirty="0" smtClean="0">
-                <a:solidFill>
-                  <a:schemeClr val="accent2"/>
-                </a:solidFill>
-                <a:latin typeface="Muli"/>
-              </a:rPr>
-              <a:t>3.2 * 5           </a:t>
-            </a:r>
-            <a:r>
-              <a:rPr lang="en-US" sz="1800" dirty="0">
-                <a:solidFill>
-                  <a:srgbClr val="C6DAEC"/>
-                </a:solidFill>
-                <a:latin typeface="Muli"/>
-              </a:rPr>
-              <a:t>syntactically valid</a:t>
-            </a:r>
-          </a:p>
-          <a:p>
-            <a:r>
-              <a:rPr lang="en-US" sz="1800" dirty="0">
-                <a:solidFill>
-                  <a:srgbClr val="C6DAEC"/>
-                </a:solidFill>
-                <a:latin typeface="Muli"/>
-              </a:rPr>
-              <a:t> </a:t>
-            </a:r>
-            <a:r>
-              <a:rPr lang="en-US" sz="1800" dirty="0" smtClean="0">
-                <a:solidFill>
-                  <a:srgbClr val="C6DAEC"/>
-                </a:solidFill>
-                <a:latin typeface="Muli"/>
-              </a:rPr>
-              <a:t>                                               </a:t>
-            </a:r>
-            <a:r>
-              <a:rPr lang="en-US" sz="1800" dirty="0" smtClean="0">
-                <a:solidFill>
-                  <a:schemeClr val="accent2"/>
-                </a:solidFill>
-                <a:latin typeface="Muli"/>
-              </a:rPr>
-              <a:t>3 + “hi”         </a:t>
-            </a:r>
-            <a:r>
-              <a:rPr lang="en-US" sz="1800" dirty="0" smtClean="0">
-                <a:solidFill>
-                  <a:srgbClr val="C6DAEC"/>
-                </a:solidFill>
-                <a:latin typeface="Muli"/>
-              </a:rPr>
-              <a:t>static </a:t>
-            </a:r>
-            <a:r>
-              <a:rPr lang="en-US" sz="1800" dirty="0">
-                <a:solidFill>
-                  <a:srgbClr val="C6DAEC"/>
-                </a:solidFill>
-                <a:latin typeface="Muli"/>
-              </a:rPr>
-              <a:t>semantic error</a:t>
-            </a:r>
-          </a:p>
-          <a:p>
-            <a:endParaRPr lang="en-US" sz="1800" dirty="0" smtClean="0">
-              <a:solidFill>
-                <a:srgbClr val="C6DAEC"/>
-              </a:solidFill>
-              <a:latin typeface="Muli"/>
-            </a:endParaRPr>
-          </a:p>
-        </p:txBody>
-      </p:sp>
-      <p:sp>
-        <p:nvSpPr>
-          <p:cNvPr id="433" name="Google Shape;433;p22"/>
-          <p:cNvSpPr txBox="1">
-            <a:spLocks noGrp="1"/>
-          </p:cNvSpPr>
-          <p:nvPr>
-            <p:ph type="sldNum" idx="12"/>
-          </p:nvPr>
-        </p:nvSpPr>
-        <p:spPr>
-          <a:xfrm>
-            <a:off x="13557" y="4785525"/>
-            <a:ext cx="548700" cy="357900"/>
-          </a:xfrm>
-          <a:prstGeom prst="rect">
-            <a:avLst/>
-          </a:prstGeom>
-        </p:spPr>
-        <p:txBody>
-          <a:bodyPr spcFirstLastPara="1" wrap="square" lIns="91425" tIns="91425" rIns="91425" bIns="91425" anchor="t" anchorCtr="0">
-            <a:noAutofit/>
-          </a:bodyPr>
-          <a:lstStyle/>
-          <a:p>
-            <a:pPr marL="0" lvl="0" indent="0" algn="l" rtl="0">
-              <a:spcBef>
-                <a:spcPts val="0"/>
-              </a:spcBef>
-              <a:spcAft>
-                <a:spcPts val="0"/>
-              </a:spcAft>
-              <a:buNone/>
-            </a:pPr>
-            <a:fld id="{00000000-1234-1234-1234-123412341234}" type="slidenum">
-              <a:rPr lang="en"/>
-              <a:t>12</a:t>
-            </a:fld>
-            <a:endParaRPr/>
-          </a:p>
-        </p:txBody>
-      </p:sp>
-      <p:sp>
-        <p:nvSpPr>
-          <p:cNvPr id="7" name="Rectangle 6">
-            <a:extLst>
-              <a:ext uri="{FF2B5EF4-FFF2-40B4-BE49-F238E27FC236}">
-                <a16:creationId xmlns:a16="http://schemas.microsoft.com/office/drawing/2014/main" id="{3B9CCF0A-B6AC-4E3E-9AE0-0E6C02D98C1E}"/>
-              </a:ext>
-            </a:extLst>
-          </p:cNvPr>
-          <p:cNvSpPr/>
-          <p:nvPr/>
-        </p:nvSpPr>
-        <p:spPr>
-          <a:xfrm>
-            <a:off x="2422014" y="182099"/>
-            <a:ext cx="5221301" cy="646331"/>
-          </a:xfrm>
-          <a:prstGeom prst="rect">
-            <a:avLst/>
-          </a:prstGeom>
-        </p:spPr>
-        <p:txBody>
-          <a:bodyPr wrap="none">
-            <a:spAutoFit/>
-          </a:bodyPr>
-          <a:lstStyle/>
-          <a:p>
-            <a:r>
-              <a:rPr lang="en-CA" sz="3600" dirty="0" smtClean="0">
-                <a:solidFill>
-                  <a:srgbClr val="19BBD5"/>
-                </a:solidFill>
-                <a:latin typeface="Nixie One"/>
-                <a:sym typeface="Nixie One"/>
-              </a:rPr>
-              <a:t>Aspects of Languages</a:t>
-            </a:r>
-            <a:endParaRPr lang="en-CA" sz="3600" dirty="0"/>
-          </a:p>
-        </p:txBody>
-      </p:sp>
-      <p:cxnSp>
-        <p:nvCxnSpPr>
-          <p:cNvPr id="17" name="Straight Arrow Connector 16"/>
-          <p:cNvCxnSpPr/>
-          <p:nvPr/>
-        </p:nvCxnSpPr>
-        <p:spPr>
-          <a:xfrm>
-            <a:off x="4965535" y="2620708"/>
-            <a:ext cx="399034" cy="8146"/>
-          </a:xfrm>
-          <a:prstGeom prst="straightConnector1">
-            <a:avLst/>
-          </a:prstGeom>
-          <a:ln>
-            <a:tailEnd type="triangle"/>
-          </a:ln>
-        </p:spPr>
-        <p:style>
-          <a:lnRef idx="1">
-            <a:schemeClr val="accent1"/>
-          </a:lnRef>
-          <a:fillRef idx="0">
-            <a:schemeClr val="accent1"/>
-          </a:fillRef>
-          <a:effectRef idx="0">
-            <a:schemeClr val="accent1"/>
-          </a:effectRef>
-          <a:fontRef idx="minor">
-            <a:schemeClr val="tx1"/>
-          </a:fontRef>
-        </p:style>
-      </p:cxnSp>
-      <p:cxnSp>
-        <p:nvCxnSpPr>
-          <p:cNvPr id="20" name="Straight Arrow Connector 19"/>
-          <p:cNvCxnSpPr/>
-          <p:nvPr/>
-        </p:nvCxnSpPr>
-        <p:spPr>
-          <a:xfrm>
-            <a:off x="4946601" y="2901030"/>
-            <a:ext cx="407178" cy="2328"/>
-          </a:xfrm>
-          <a:prstGeom prst="straightConnector1">
-            <a:avLst/>
-          </a:prstGeom>
-          <a:ln>
-            <a:tailEnd type="triangle"/>
-          </a:ln>
-        </p:spPr>
-        <p:style>
-          <a:lnRef idx="1">
-            <a:schemeClr val="accent1"/>
-          </a:lnRef>
-          <a:fillRef idx="0">
-            <a:schemeClr val="accent1"/>
-          </a:fillRef>
-          <a:effectRef idx="0">
-            <a:schemeClr val="accent1"/>
-          </a:effectRef>
-          <a:fontRef idx="minor">
-            <a:schemeClr val="tx1"/>
-          </a:fontRef>
-        </p:style>
-      </p:cxnSp>
-      <p:cxnSp>
-        <p:nvCxnSpPr>
-          <p:cNvPr id="9" name="Straight Arrow Connector 8"/>
-          <p:cNvCxnSpPr/>
-          <p:nvPr/>
-        </p:nvCxnSpPr>
-        <p:spPr>
-          <a:xfrm>
-            <a:off x="3955419" y="1812510"/>
-            <a:ext cx="399034" cy="8146"/>
-          </a:xfrm>
-          <a:prstGeom prst="straightConnector1">
-            <a:avLst/>
-          </a:prstGeom>
-          <a:ln>
-            <a:tailEnd type="triangle"/>
-          </a:ln>
-        </p:spPr>
-        <p:style>
-          <a:lnRef idx="1">
-            <a:schemeClr val="accent1"/>
-          </a:lnRef>
-          <a:fillRef idx="0">
-            <a:schemeClr val="accent1"/>
-          </a:fillRef>
-          <a:effectRef idx="0">
-            <a:schemeClr val="accent1"/>
-          </a:effectRef>
-          <a:fontRef idx="minor">
-            <a:schemeClr val="tx1"/>
-          </a:fontRef>
-        </p:style>
-      </p:cxnSp>
-    </p:spTree>
-    <p:extLst>
-      <p:ext uri="{BB962C8B-B14F-4D97-AF65-F5344CB8AC3E}">
-        <p14:creationId xmlns:p14="http://schemas.microsoft.com/office/powerpoint/2010/main" val="71015598"/>
-      </p:ext>
-    </p:extLst>
-  </p:cSld>
-  <p:clrMapOvr>
-    <a:masterClrMapping/>
-  </p:clrMapOvr>
-  <p:timing>
-    <p:tnLst>
-      <p:par>
-        <p:cTn id="1" dur="indefinite" restart="never" nodeType="tmRoot"/>
-      </p:par>
-    </p:tnLst>
-  </p:timing>
-</p:sld>
-</file>
-
-<file path=ppt/slides/slide13.xml><?xml version="1.0" encoding="utf-8"?>
-<p:sld xmlns:a="http://schemas.openxmlformats.org/drawingml/2006/main" xmlns:r="http://schemas.openxmlformats.org/officeDocument/2006/relationships" xmlns:p="http://schemas.openxmlformats.org/presentationml/2006/main">
-  <p:cSld>
-    <p:spTree>
-      <p:nvGrpSpPr>
-        <p:cNvPr id="1" name="Shape 428"/>
-        <p:cNvGrpSpPr/>
-        <p:nvPr/>
-      </p:nvGrpSpPr>
-      <p:grpSpPr>
-        <a:xfrm>
-          <a:off x="0" y="0"/>
-          <a:ext cx="0" cy="0"/>
-          <a:chOff x="0" y="0"/>
-          <a:chExt cx="0" cy="0"/>
-        </a:xfrm>
-      </p:grpSpPr>
-      <p:sp>
-        <p:nvSpPr>
-          <p:cNvPr id="433" name="Google Shape;433;p22"/>
-          <p:cNvSpPr txBox="1">
-            <a:spLocks noGrp="1"/>
-          </p:cNvSpPr>
-          <p:nvPr>
-            <p:ph type="sldNum" idx="12"/>
-          </p:nvPr>
-        </p:nvSpPr>
-        <p:spPr>
-          <a:xfrm>
-            <a:off x="13557" y="4785525"/>
-            <a:ext cx="548700" cy="357900"/>
-          </a:xfrm>
-          <a:prstGeom prst="rect">
-            <a:avLst/>
-          </a:prstGeom>
-        </p:spPr>
-        <p:txBody>
-          <a:bodyPr spcFirstLastPara="1" wrap="square" lIns="91425" tIns="91425" rIns="91425" bIns="91425" anchor="t" anchorCtr="0">
-            <a:noAutofit/>
-          </a:bodyPr>
-          <a:lstStyle/>
-          <a:p>
-            <a:pPr marL="0" lvl="0" indent="0" algn="l" rtl="0">
-              <a:spcBef>
-                <a:spcPts val="0"/>
-              </a:spcBef>
-              <a:spcAft>
-                <a:spcPts val="0"/>
-              </a:spcAft>
-              <a:buNone/>
-            </a:pPr>
-            <a:fld id="{00000000-1234-1234-1234-123412341234}" type="slidenum">
-              <a:rPr lang="en"/>
-              <a:t>13</a:t>
-            </a:fld>
-            <a:endParaRPr/>
-          </a:p>
-        </p:txBody>
-      </p:sp>
-      <p:sp>
-        <p:nvSpPr>
-          <p:cNvPr id="7" name="Rectangle 6">
-            <a:extLst>
-              <a:ext uri="{FF2B5EF4-FFF2-40B4-BE49-F238E27FC236}">
-                <a16:creationId xmlns:a16="http://schemas.microsoft.com/office/drawing/2014/main" id="{3B9CCF0A-B6AC-4E3E-9AE0-0E6C02D98C1E}"/>
-              </a:ext>
-            </a:extLst>
-          </p:cNvPr>
-          <p:cNvSpPr/>
-          <p:nvPr/>
-        </p:nvSpPr>
-        <p:spPr>
-          <a:xfrm>
-            <a:off x="2422014" y="182099"/>
-            <a:ext cx="5221301" cy="646331"/>
-          </a:xfrm>
-          <a:prstGeom prst="rect">
-            <a:avLst/>
-          </a:prstGeom>
-        </p:spPr>
-        <p:txBody>
-          <a:bodyPr wrap="none">
-            <a:spAutoFit/>
-          </a:bodyPr>
-          <a:lstStyle/>
-          <a:p>
-            <a:r>
-              <a:rPr lang="en-CA" sz="3600" dirty="0" smtClean="0">
-                <a:solidFill>
-                  <a:srgbClr val="19BBD5"/>
-                </a:solidFill>
-                <a:latin typeface="Nixie One"/>
-                <a:sym typeface="Nixie One"/>
-              </a:rPr>
-              <a:t>Aspects of Languages</a:t>
-            </a:r>
-            <a:endParaRPr lang="en-CA" sz="3600" dirty="0"/>
-          </a:p>
-        </p:txBody>
-      </p:sp>
-      <p:sp>
-        <p:nvSpPr>
-          <p:cNvPr id="4" name="Rectangle 3">
-            <a:extLst>
-              <a:ext uri="{FF2B5EF4-FFF2-40B4-BE49-F238E27FC236}">
-                <a16:creationId xmlns:a16="http://schemas.microsoft.com/office/drawing/2014/main" id="{F2D98915-2730-44C5-A61F-55A36F7CB933}"/>
-              </a:ext>
-            </a:extLst>
-          </p:cNvPr>
-          <p:cNvSpPr/>
-          <p:nvPr/>
-        </p:nvSpPr>
-        <p:spPr>
-          <a:xfrm>
-            <a:off x="1652608" y="1135506"/>
-            <a:ext cx="7421592" cy="2523768"/>
-          </a:xfrm>
-          <a:prstGeom prst="rect">
-            <a:avLst/>
-          </a:prstGeom>
-        </p:spPr>
-        <p:txBody>
-          <a:bodyPr wrap="square">
-            <a:spAutoFit/>
-          </a:bodyPr>
-          <a:lstStyle/>
-          <a:p>
-            <a:r>
-              <a:rPr lang="en-US" sz="1800" u="sng" dirty="0">
-                <a:solidFill>
-                  <a:srgbClr val="C6DAEC"/>
-                </a:solidFill>
-                <a:latin typeface="Muli"/>
-              </a:rPr>
-              <a:t>S</a:t>
-            </a:r>
-            <a:r>
-              <a:rPr lang="en-US" sz="1800" u="sng" dirty="0" smtClean="0">
-                <a:solidFill>
-                  <a:srgbClr val="C6DAEC"/>
-                </a:solidFill>
-                <a:latin typeface="Muli"/>
-              </a:rPr>
-              <a:t>emantics</a:t>
-            </a:r>
-            <a:r>
-              <a:rPr lang="en-US" sz="1800" dirty="0" smtClean="0">
-                <a:solidFill>
-                  <a:srgbClr val="C6DAEC"/>
-                </a:solidFill>
-                <a:latin typeface="Muli"/>
-              </a:rPr>
-              <a:t> is the meaning associated with a syntactically correct string of symbols with no static semantic errors</a:t>
-            </a:r>
-          </a:p>
-          <a:p>
-            <a:endParaRPr lang="en-US" dirty="0">
-              <a:solidFill>
-                <a:srgbClr val="C6DAEC"/>
-              </a:solidFill>
-              <a:latin typeface="Muli"/>
-            </a:endParaRPr>
-          </a:p>
-          <a:p>
-            <a:r>
-              <a:rPr lang="en-US" sz="1800" dirty="0">
-                <a:solidFill>
-                  <a:srgbClr val="C6DAEC"/>
-                </a:solidFill>
-                <a:latin typeface="Muli"/>
-              </a:rPr>
-              <a:t> </a:t>
-            </a:r>
-            <a:r>
-              <a:rPr lang="en-US" sz="1800" dirty="0" smtClean="0">
-                <a:solidFill>
-                  <a:srgbClr val="C6DAEC"/>
-                </a:solidFill>
-                <a:latin typeface="Muli"/>
-              </a:rPr>
-              <a:t>   English: can have many meanings - </a:t>
-            </a:r>
-          </a:p>
-          <a:p>
-            <a:r>
-              <a:rPr lang="en-US" sz="1800" dirty="0">
-                <a:solidFill>
-                  <a:srgbClr val="C6DAEC"/>
-                </a:solidFill>
-                <a:latin typeface="Muli"/>
-              </a:rPr>
-              <a:t> </a:t>
-            </a:r>
-            <a:r>
-              <a:rPr lang="en-US" sz="1800" dirty="0" smtClean="0">
-                <a:solidFill>
-                  <a:srgbClr val="C6DAEC"/>
-                </a:solidFill>
-                <a:latin typeface="Muli"/>
-              </a:rPr>
-              <a:t>        “Flying planes can be dangerous”</a:t>
-            </a:r>
-          </a:p>
-          <a:p>
-            <a:r>
-              <a:rPr lang="en-US" sz="1800" dirty="0">
-                <a:solidFill>
-                  <a:srgbClr val="C6DAEC"/>
-                </a:solidFill>
-                <a:latin typeface="Muli"/>
-              </a:rPr>
-              <a:t> </a:t>
-            </a:r>
-            <a:r>
-              <a:rPr lang="en-US" sz="1800" dirty="0" smtClean="0">
-                <a:solidFill>
-                  <a:srgbClr val="C6DAEC"/>
-                </a:solidFill>
-                <a:latin typeface="Muli"/>
-              </a:rPr>
-              <a:t>        “This reading lamp hasn’t uttered a word since I bought it?”</a:t>
-            </a:r>
-          </a:p>
-          <a:p>
-            <a:endParaRPr lang="en-US" sz="1800" dirty="0" smtClean="0">
-              <a:solidFill>
-                <a:srgbClr val="C6DAEC"/>
-              </a:solidFill>
-              <a:latin typeface="Muli"/>
-            </a:endParaRPr>
-          </a:p>
-          <a:p>
-            <a:r>
-              <a:rPr lang="en-US" sz="1800" dirty="0" smtClean="0">
-                <a:solidFill>
-                  <a:srgbClr val="C6DAEC"/>
-                </a:solidFill>
-                <a:latin typeface="Muli"/>
-              </a:rPr>
-              <a:t>    Programming languages: have only one meaning but may not be</a:t>
-            </a:r>
-          </a:p>
-          <a:p>
-            <a:r>
-              <a:rPr lang="en-US" sz="1800" dirty="0">
-                <a:solidFill>
-                  <a:srgbClr val="C6DAEC"/>
-                </a:solidFill>
-                <a:latin typeface="Muli"/>
-              </a:rPr>
-              <a:t> </a:t>
-            </a:r>
-            <a:r>
-              <a:rPr lang="en-US" sz="1800" dirty="0" smtClean="0">
-                <a:solidFill>
-                  <a:srgbClr val="C6DAEC"/>
-                </a:solidFill>
-                <a:latin typeface="Muli"/>
-              </a:rPr>
-              <a:t>   what the programmer intended</a:t>
-            </a:r>
-          </a:p>
-        </p:txBody>
-      </p:sp>
-    </p:spTree>
-    <p:extLst>
-      <p:ext uri="{BB962C8B-B14F-4D97-AF65-F5344CB8AC3E}">
-        <p14:creationId xmlns:p14="http://schemas.microsoft.com/office/powerpoint/2010/main" val="3413647341"/>
-      </p:ext>
-    </p:extLst>
-  </p:cSld>
-  <p:clrMapOvr>
-    <a:masterClrMapping/>
-  </p:clrMapOvr>
-  <p:timing>
-    <p:tnLst>
-      <p:par>
-        <p:cTn id="1" dur="indefinite" restart="never" nodeType="tmRoot"/>
-      </p:par>
-    </p:tnLst>
-  </p:timing>
-</p:sld>
-</file>
-
-<file path=ppt/slides/slide14.xml><?xml version="1.0" encoding="utf-8"?>
-<p:sld xmlns:a="http://schemas.openxmlformats.org/drawingml/2006/main" xmlns:r="http://schemas.openxmlformats.org/officeDocument/2006/relationships" xmlns:p="http://schemas.openxmlformats.org/presentationml/2006/main">
-  <p:cSld>
-    <p:spTree>
-      <p:nvGrpSpPr>
-        <p:cNvPr id="1" name="Shape 428"/>
-        <p:cNvGrpSpPr/>
-        <p:nvPr/>
-      </p:nvGrpSpPr>
-      <p:grpSpPr>
-        <a:xfrm>
-          <a:off x="0" y="0"/>
-          <a:ext cx="0" cy="0"/>
-          <a:chOff x="0" y="0"/>
-          <a:chExt cx="0" cy="0"/>
-        </a:xfrm>
-      </p:grpSpPr>
-      <p:sp>
-        <p:nvSpPr>
-          <p:cNvPr id="433" name="Google Shape;433;p22"/>
-          <p:cNvSpPr txBox="1">
-            <a:spLocks noGrp="1"/>
-          </p:cNvSpPr>
-          <p:nvPr>
-            <p:ph type="sldNum" idx="12"/>
-          </p:nvPr>
-        </p:nvSpPr>
-        <p:spPr>
-          <a:xfrm>
-            <a:off x="13557" y="4785525"/>
-            <a:ext cx="548700" cy="357900"/>
-          </a:xfrm>
-          <a:prstGeom prst="rect">
-            <a:avLst/>
-          </a:prstGeom>
-        </p:spPr>
-        <p:txBody>
-          <a:bodyPr spcFirstLastPara="1" wrap="square" lIns="91425" tIns="91425" rIns="91425" bIns="91425" anchor="t" anchorCtr="0">
-            <a:noAutofit/>
-          </a:bodyPr>
-          <a:lstStyle/>
-          <a:p>
-            <a:pPr marL="0" lvl="0" indent="0" algn="l" rtl="0">
-              <a:spcBef>
-                <a:spcPts val="0"/>
-              </a:spcBef>
-              <a:spcAft>
-                <a:spcPts val="0"/>
-              </a:spcAft>
-              <a:buNone/>
-            </a:pPr>
-            <a:fld id="{00000000-1234-1234-1234-123412341234}" type="slidenum">
-              <a:rPr lang="en"/>
-              <a:t>14</a:t>
-            </a:fld>
-            <a:endParaRPr/>
-          </a:p>
-        </p:txBody>
-      </p:sp>
-      <p:sp>
-        <p:nvSpPr>
-          <p:cNvPr id="7" name="Rectangle 6">
-            <a:extLst>
-              <a:ext uri="{FF2B5EF4-FFF2-40B4-BE49-F238E27FC236}">
-                <a16:creationId xmlns:a16="http://schemas.microsoft.com/office/drawing/2014/main" id="{3B9CCF0A-B6AC-4E3E-9AE0-0E6C02D98C1E}"/>
-              </a:ext>
-            </a:extLst>
-          </p:cNvPr>
-          <p:cNvSpPr/>
-          <p:nvPr/>
-        </p:nvSpPr>
-        <p:spPr>
-          <a:xfrm>
-            <a:off x="2422014" y="182099"/>
-            <a:ext cx="5771132" cy="646331"/>
-          </a:xfrm>
-          <a:prstGeom prst="rect">
-            <a:avLst/>
-          </a:prstGeom>
-        </p:spPr>
-        <p:txBody>
-          <a:bodyPr wrap="none">
-            <a:spAutoFit/>
-          </a:bodyPr>
-          <a:lstStyle/>
-          <a:p>
-            <a:r>
-              <a:rPr lang="en-CA" sz="3600" dirty="0" smtClean="0">
-                <a:solidFill>
-                  <a:srgbClr val="19BBD5"/>
-                </a:solidFill>
-                <a:latin typeface="Nixie One"/>
-                <a:sym typeface="Nixie One"/>
-              </a:rPr>
-              <a:t>Where Things go Wrong</a:t>
-            </a:r>
-            <a:endParaRPr lang="en-CA" sz="3600" dirty="0"/>
-          </a:p>
-        </p:txBody>
-      </p:sp>
-      <p:sp>
-        <p:nvSpPr>
-          <p:cNvPr id="4" name="Rectangle 3">
-            <a:extLst>
-              <a:ext uri="{FF2B5EF4-FFF2-40B4-BE49-F238E27FC236}">
-                <a16:creationId xmlns:a16="http://schemas.microsoft.com/office/drawing/2014/main" id="{F2D98915-2730-44C5-A61F-55A36F7CB933}"/>
-              </a:ext>
-            </a:extLst>
-          </p:cNvPr>
-          <p:cNvSpPr/>
-          <p:nvPr/>
-        </p:nvSpPr>
-        <p:spPr>
-          <a:xfrm>
-            <a:off x="1652608" y="1135506"/>
-            <a:ext cx="7421592" cy="3416320"/>
-          </a:xfrm>
-          <a:prstGeom prst="rect">
-            <a:avLst/>
-          </a:prstGeom>
-        </p:spPr>
-        <p:txBody>
-          <a:bodyPr wrap="square">
-            <a:spAutoFit/>
-          </a:bodyPr>
-          <a:lstStyle/>
-          <a:p>
-            <a:r>
-              <a:rPr lang="en-US" sz="1800" u="sng" dirty="0" smtClean="0">
-                <a:solidFill>
-                  <a:srgbClr val="C6DAEC"/>
-                </a:solidFill>
-                <a:latin typeface="Muli"/>
-              </a:rPr>
-              <a:t>Syntactic errors</a:t>
-            </a:r>
-          </a:p>
-          <a:p>
-            <a:r>
-              <a:rPr lang="en-US" sz="1800" dirty="0">
-                <a:solidFill>
-                  <a:srgbClr val="C6DAEC"/>
-                </a:solidFill>
-                <a:latin typeface="Muli"/>
-              </a:rPr>
-              <a:t> </a:t>
-            </a:r>
-            <a:r>
-              <a:rPr lang="en-US" sz="1800" dirty="0" smtClean="0">
-                <a:solidFill>
-                  <a:srgbClr val="C6DAEC"/>
-                </a:solidFill>
-                <a:latin typeface="Muli"/>
-              </a:rPr>
-              <a:t>   common and easily caught</a:t>
-            </a:r>
-          </a:p>
-          <a:p>
-            <a:endParaRPr lang="en-US" sz="1800" dirty="0">
-              <a:solidFill>
-                <a:srgbClr val="C6DAEC"/>
-              </a:solidFill>
-              <a:latin typeface="Muli"/>
-            </a:endParaRPr>
-          </a:p>
-          <a:p>
-            <a:r>
-              <a:rPr lang="en-US" sz="1800" u="sng" dirty="0" smtClean="0">
-                <a:solidFill>
-                  <a:srgbClr val="C6DAEC"/>
-                </a:solidFill>
-                <a:latin typeface="Muli"/>
-              </a:rPr>
-              <a:t>Static semantic errors</a:t>
-            </a:r>
-          </a:p>
-          <a:p>
-            <a:r>
-              <a:rPr lang="en-US" sz="1800" dirty="0">
-                <a:solidFill>
-                  <a:srgbClr val="C6DAEC"/>
-                </a:solidFill>
-                <a:latin typeface="Muli"/>
-              </a:rPr>
-              <a:t> </a:t>
-            </a:r>
-            <a:r>
-              <a:rPr lang="en-US" sz="1800" dirty="0" smtClean="0">
-                <a:solidFill>
-                  <a:srgbClr val="C6DAEC"/>
-                </a:solidFill>
-                <a:latin typeface="Muli"/>
-              </a:rPr>
-              <a:t>   some languages check for these before running program</a:t>
-            </a:r>
-          </a:p>
-          <a:p>
-            <a:r>
-              <a:rPr lang="en-US" sz="1800" dirty="0">
-                <a:solidFill>
-                  <a:srgbClr val="C6DAEC"/>
-                </a:solidFill>
-                <a:latin typeface="Muli"/>
-              </a:rPr>
-              <a:t> </a:t>
-            </a:r>
-            <a:r>
-              <a:rPr lang="en-US" sz="1800" dirty="0" smtClean="0">
-                <a:solidFill>
-                  <a:srgbClr val="C6DAEC"/>
-                </a:solidFill>
-                <a:latin typeface="Muli"/>
-              </a:rPr>
-              <a:t>   can cause unpredictable behavior</a:t>
-            </a:r>
-          </a:p>
-          <a:p>
-            <a:endParaRPr lang="en-US" sz="1800" dirty="0">
-              <a:solidFill>
-                <a:srgbClr val="C6DAEC"/>
-              </a:solidFill>
-              <a:latin typeface="Muli"/>
-            </a:endParaRPr>
-          </a:p>
-          <a:p>
-            <a:r>
-              <a:rPr lang="en-US" sz="1800" u="sng" dirty="0" smtClean="0">
-                <a:solidFill>
-                  <a:srgbClr val="C6DAEC"/>
-                </a:solidFill>
-                <a:latin typeface="Muli"/>
-              </a:rPr>
-              <a:t>No semantic errors </a:t>
-            </a:r>
-            <a:r>
-              <a:rPr lang="en-US" sz="1800" dirty="0" smtClean="0">
-                <a:solidFill>
-                  <a:srgbClr val="C6DAEC"/>
-                </a:solidFill>
-                <a:latin typeface="Muli"/>
-              </a:rPr>
-              <a:t>but different meaning than what the programmer intended</a:t>
-            </a:r>
-          </a:p>
-          <a:p>
-            <a:r>
-              <a:rPr lang="en-US" sz="1800" dirty="0">
-                <a:solidFill>
-                  <a:srgbClr val="C6DAEC"/>
-                </a:solidFill>
-                <a:latin typeface="Muli"/>
-              </a:rPr>
-              <a:t> </a:t>
-            </a:r>
-            <a:r>
-              <a:rPr lang="en-US" sz="1800" dirty="0" smtClean="0">
-                <a:solidFill>
-                  <a:srgbClr val="C6DAEC"/>
-                </a:solidFill>
-                <a:latin typeface="Muli"/>
-              </a:rPr>
-              <a:t>   program crashes, stops running</a:t>
-            </a:r>
-          </a:p>
-          <a:p>
-            <a:r>
-              <a:rPr lang="en-US" sz="1800" dirty="0">
-                <a:solidFill>
-                  <a:srgbClr val="C6DAEC"/>
-                </a:solidFill>
-                <a:latin typeface="Muli"/>
-              </a:rPr>
-              <a:t> </a:t>
-            </a:r>
-            <a:r>
-              <a:rPr lang="en-US" sz="1800" dirty="0" smtClean="0">
-                <a:solidFill>
-                  <a:srgbClr val="C6DAEC"/>
-                </a:solidFill>
-                <a:latin typeface="Muli"/>
-              </a:rPr>
-              <a:t>   program runs forever</a:t>
-            </a:r>
-          </a:p>
-          <a:p>
-            <a:r>
-              <a:rPr lang="en-US" sz="1800" dirty="0">
-                <a:solidFill>
-                  <a:srgbClr val="C6DAEC"/>
-                </a:solidFill>
-                <a:latin typeface="Muli"/>
-              </a:rPr>
-              <a:t> </a:t>
-            </a:r>
-            <a:r>
-              <a:rPr lang="en-US" sz="1800" dirty="0" smtClean="0">
-                <a:solidFill>
-                  <a:srgbClr val="C6DAEC"/>
-                </a:solidFill>
-                <a:latin typeface="Muli"/>
-              </a:rPr>
-              <a:t>   program gives an answer but different than expected</a:t>
-            </a:r>
-          </a:p>
-        </p:txBody>
-      </p:sp>
-    </p:spTree>
-    <p:extLst>
-      <p:ext uri="{BB962C8B-B14F-4D97-AF65-F5344CB8AC3E}">
-        <p14:creationId xmlns:p14="http://schemas.microsoft.com/office/powerpoint/2010/main" val="2444779775"/>
-      </p:ext>
-    </p:extLst>
-  </p:cSld>
-  <p:clrMapOvr>
-    <a:masterClrMapping/>
-  </p:clrMapOvr>
-  <p:timing>
-    <p:tnLst>
-      <p:par>
-        <p:cTn id="1" dur="indefinite" restart="never" nodeType="tmRoot"/>
-      </p:par>
-    </p:tnLst>
-  </p:timing>
-</p:sld>
-</file>
-
-<file path=ppt/slides/slide15.xml><?xml version="1.0" encoding="utf-8"?>
 <p:sld xmlns:a="http://schemas.openxmlformats.org/drawingml/2006/main" xmlns:r="http://schemas.openxmlformats.org/officeDocument/2006/relationships" xmlns:p="http://schemas.openxmlformats.org/presentationml/2006/main">
   <p:cSld>
     <p:spTree>
@@ -14049,7 +13102,7 @@
             </a:pPr>
             <a:fld id="{00000000-1234-1234-1234-123412341234}" type="slidenum">
               <a:rPr lang="en"/>
-              <a:t>15</a:t>
+              <a:t>10</a:t>
             </a:fld>
             <a:endParaRPr/>
           </a:p>
@@ -14060,13 +13113,6 @@
   <p:clrMapOvr>
     <a:masterClrMapping/>
   </p:clrMapOvr>
-  <p:timing>
-    <p:tnLst>
-      <p:par>
-        <p:cTn id="1" dur="indefinite" restart="never" nodeType="tmRoot"/>
-      </p:par>
-    </p:tnLst>
-  </p:timing>
 </p:sld>
 </file>
 
@@ -14157,7 +13203,7 @@
           <a:lstStyle/>
           <a:p>
             <a:r>
-              <a:rPr lang="en-CA" sz="3600" dirty="0" smtClean="0">
+              <a:rPr lang="en-CA" sz="3600" dirty="0">
                 <a:solidFill>
                   <a:srgbClr val="19BBD5"/>
                 </a:solidFill>
@@ -14198,7 +13244,7 @@
           <a:lstStyle/>
           <a:p>
             <a:r>
-              <a:rPr lang="en-US" sz="1800" dirty="0" smtClean="0">
+              <a:rPr lang="en-US" sz="1800" dirty="0">
                 <a:solidFill>
                   <a:srgbClr val="C6DAEC"/>
                 </a:solidFill>
@@ -14216,7 +13262,7 @@
               </a:buClr>
             </a:pPr>
             <a:r>
-              <a:rPr lang="en-US" sz="1800" dirty="0" smtClean="0">
+              <a:rPr lang="en-US" sz="1800" dirty="0">
                 <a:solidFill>
                   <a:srgbClr val="C6DAEC"/>
                 </a:solidFill>
@@ -14240,16 +13286,7 @@
                 </a:solidFill>
                 <a:latin typeface="Muli"/>
               </a:rPr>
-              <a:t>C</a:t>
-            </a:r>
-            <a:r>
-              <a:rPr lang="en-US" sz="1800" dirty="0" smtClean="0">
-                <a:solidFill>
-                  <a:srgbClr val="C6DAEC"/>
-                </a:solidFill>
-                <a:latin typeface="Muli"/>
-              </a:rPr>
-              <a:t>ommands executed by Python interpreter in a shell</a:t>
+              <a:t>Commands executed by Python interpreter in a shell</a:t>
             </a:r>
           </a:p>
           <a:p>
@@ -14261,7 +13298,7 @@
               <a:buChar char="o"/>
             </a:pPr>
             <a:r>
-              <a:rPr lang="en-US" sz="1800" dirty="0" smtClean="0">
+              <a:rPr lang="en-US" sz="1800" dirty="0">
                 <a:solidFill>
                   <a:srgbClr val="C6DAEC"/>
                 </a:solidFill>
@@ -14280,7 +13317,7 @@
           </a:p>
           <a:p>
             <a:r>
-              <a:rPr lang="en-US" sz="1800" dirty="0" smtClean="0">
+              <a:rPr lang="en-US" sz="1800" dirty="0">
                 <a:solidFill>
                   <a:srgbClr val="C6DAEC"/>
                 </a:solidFill>
@@ -14290,14 +13327,6 @@
             </a:r>
           </a:p>
           <a:p>
-            <a:endParaRPr lang="en-US" sz="1800" dirty="0" smtClean="0">
-              <a:solidFill>
-                <a:srgbClr val="C6DAEC"/>
-              </a:solidFill>
-              <a:latin typeface="Muli"/>
-            </a:endParaRPr>
-          </a:p>
-          <a:p>
             <a:endParaRPr lang="en-US" sz="1800" dirty="0">
               <a:solidFill>
                 <a:srgbClr val="C6DAEC"/>
@@ -14306,7 +13335,15 @@
             </a:endParaRPr>
           </a:p>
           <a:p>
-            <a:endParaRPr lang="en-US" sz="1800" dirty="0" smtClean="0">
+            <a:endParaRPr lang="en-US" sz="1800" dirty="0">
+              <a:solidFill>
+                <a:srgbClr val="C6DAEC"/>
+              </a:solidFill>
+              <a:latin typeface="Muli"/>
+            </a:endParaRPr>
+          </a:p>
+          <a:p>
+            <a:endParaRPr lang="en-US" sz="1800" dirty="0">
               <a:solidFill>
                 <a:srgbClr val="C6DAEC"/>
               </a:solidFill>
@@ -14325,13 +13362,6 @@
   <p:clrMapOvr>
     <a:masterClrMapping/>
   </p:clrMapOvr>
-  <p:timing>
-    <p:tnLst>
-      <p:par>
-        <p:cTn id="1" dur="indefinite" restart="never" nodeType="tmRoot"/>
-      </p:par>
-    </p:tnLst>
-  </p:timing>
 </p:sld>
 </file>
 
@@ -14422,7 +13452,7 @@
           <a:lstStyle/>
           <a:p>
             <a:r>
-              <a:rPr lang="en-CA" sz="3600" dirty="0" smtClean="0">
+              <a:rPr lang="en-CA" sz="3600" dirty="0">
                 <a:solidFill>
                   <a:srgbClr val="19BBD5"/>
                 </a:solidFill>
@@ -14463,7 +13493,7 @@
           <a:lstStyle/>
           <a:p>
             <a:r>
-              <a:rPr lang="en-US" sz="1800" dirty="0" smtClean="0">
+              <a:rPr lang="en-US" sz="1800" dirty="0">
                 <a:solidFill>
                   <a:srgbClr val="C6DAEC"/>
                 </a:solidFill>
@@ -14472,7 +13502,7 @@
               <a:t>Programs manipulate </a:t>
             </a:r>
             <a:r>
-              <a:rPr lang="en-US" sz="1800" dirty="0" smtClean="0">
+              <a:rPr lang="en-US" sz="1800" dirty="0">
                 <a:solidFill>
                   <a:schemeClr val="accent2"/>
                 </a:solidFill>
@@ -14491,7 +13521,7 @@
           </a:p>
           <a:p>
             <a:r>
-              <a:rPr lang="en-US" sz="1800" dirty="0" smtClean="0">
+              <a:rPr lang="en-US" sz="1800" dirty="0">
                 <a:solidFill>
                   <a:srgbClr val="C6DAEC"/>
                 </a:solidFill>
@@ -14500,7 +13530,7 @@
               <a:t>Objects have a </a:t>
             </a:r>
             <a:r>
-              <a:rPr lang="en-US" sz="1800" dirty="0" smtClean="0">
+              <a:rPr lang="en-US" sz="1800" dirty="0">
                 <a:solidFill>
                   <a:schemeClr val="accent2"/>
                 </a:solidFill>
@@ -14510,7 +13540,7 @@
               <a:t>type</a:t>
             </a:r>
             <a:r>
-              <a:rPr lang="en-US" sz="1800" dirty="0" smtClean="0">
+              <a:rPr lang="en-US" sz="1800" dirty="0">
                 <a:solidFill>
                   <a:srgbClr val="C6DAEC"/>
                 </a:solidFill>
@@ -14529,7 +13559,7 @@
           </a:p>
           <a:p>
             <a:r>
-              <a:rPr lang="en-US" sz="1800" dirty="0" smtClean="0">
+              <a:rPr lang="en-US" sz="1800" dirty="0">
                 <a:solidFill>
                   <a:srgbClr val="C6DAEC"/>
                 </a:solidFill>
@@ -14547,7 +13577,7 @@
               <a:buChar char="o"/>
             </a:pPr>
             <a:r>
-              <a:rPr lang="en-US" sz="1800" dirty="0" smtClean="0">
+              <a:rPr lang="en-US" sz="1800" dirty="0">
                 <a:solidFill>
                   <a:srgbClr val="C6DAEC"/>
                 </a:solidFill>
@@ -14565,7 +13595,7 @@
               <a:buChar char="o"/>
             </a:pPr>
             <a:r>
-              <a:rPr lang="en-US" sz="1800" dirty="0" smtClean="0">
+              <a:rPr lang="en-US" sz="1800" dirty="0">
                 <a:solidFill>
                   <a:srgbClr val="C6DAEC"/>
                 </a:solidFill>
@@ -14575,14 +13605,6 @@
             </a:r>
           </a:p>
           <a:p>
-            <a:endParaRPr lang="en-US" sz="1800" dirty="0" smtClean="0">
-              <a:solidFill>
-                <a:srgbClr val="C6DAEC"/>
-              </a:solidFill>
-              <a:latin typeface="Muli"/>
-            </a:endParaRPr>
-          </a:p>
-          <a:p>
             <a:endParaRPr lang="en-US" sz="1800" dirty="0">
               <a:solidFill>
                 <a:srgbClr val="C6DAEC"/>
@@ -14591,7 +13613,15 @@
             </a:endParaRPr>
           </a:p>
           <a:p>
-            <a:endParaRPr lang="en-US" sz="1800" dirty="0" smtClean="0">
+            <a:endParaRPr lang="en-US" sz="1800" dirty="0">
+              <a:solidFill>
+                <a:srgbClr val="C6DAEC"/>
+              </a:solidFill>
+              <a:latin typeface="Muli"/>
+            </a:endParaRPr>
+          </a:p>
+          <a:p>
+            <a:endParaRPr lang="en-US" sz="1800" dirty="0">
               <a:solidFill>
                 <a:srgbClr val="C6DAEC"/>
               </a:solidFill>
@@ -14610,13 +13640,6 @@
   <p:clrMapOvr>
     <a:masterClrMapping/>
   </p:clrMapOvr>
-  <p:timing>
-    <p:tnLst>
-      <p:par>
-        <p:cTn id="1" dur="indefinite" restart="never" nodeType="tmRoot"/>
-      </p:par>
-    </p:tnLst>
-  </p:timing>
 </p:sld>
 </file>
 
@@ -14707,7 +13730,7 @@
           <a:lstStyle/>
           <a:p>
             <a:r>
-              <a:rPr lang="en-CA" sz="3600" dirty="0" smtClean="0">
+              <a:rPr lang="en-CA" sz="3600" dirty="0">
                 <a:solidFill>
                   <a:srgbClr val="19BBD5"/>
                 </a:solidFill>
@@ -14755,20 +13778,10 @@
                 <a:latin typeface="Courier New" panose="02070309020205020404" pitchFamily="49" charset="0"/>
                 <a:cs typeface="Courier New" panose="02070309020205020404" pitchFamily="49" charset="0"/>
               </a:rPr>
-              <a:t>i</a:t>
-            </a:r>
-            <a:r>
-              <a:rPr lang="en-US" dirty="0" smtClean="0">
-                <a:solidFill>
-                  <a:schemeClr val="accent2"/>
-                </a:solidFill>
-                <a:latin typeface="Courier New" panose="02070309020205020404" pitchFamily="49" charset="0"/>
-                <a:cs typeface="Courier New" panose="02070309020205020404" pitchFamily="49" charset="0"/>
-              </a:rPr>
-              <a:t>nt</a:t>
-            </a:r>
-            <a:r>
-              <a:rPr lang="en-US" dirty="0" smtClean="0">
+              <a:t>int</a:t>
+            </a:r>
+            <a:r>
+              <a:rPr lang="en-US" dirty="0">
                 <a:solidFill>
                   <a:srgbClr val="C6DAEC"/>
                 </a:solidFill>
@@ -14777,7 +13790,7 @@
               <a:t> – represent integers, ex. </a:t>
             </a:r>
             <a:r>
-              <a:rPr lang="en-US" dirty="0" smtClean="0">
+              <a:rPr lang="en-US" dirty="0">
                 <a:solidFill>
                   <a:schemeClr val="accent2"/>
                 </a:solidFill>
@@ -14804,20 +13817,10 @@
                 <a:latin typeface="Courier New" panose="02070309020205020404" pitchFamily="49" charset="0"/>
                 <a:cs typeface="Courier New" panose="02070309020205020404" pitchFamily="49" charset="0"/>
               </a:rPr>
-              <a:t>f</a:t>
+              <a:t>float</a:t>
             </a:r>
             <a:r>
               <a:rPr lang="en-US" dirty="0">
-                <a:solidFill>
-                  <a:schemeClr val="accent2"/>
-                </a:solidFill>
-                <a:latin typeface="Courier New" panose="02070309020205020404" pitchFamily="49" charset="0"/>
-                <a:cs typeface="Courier New" panose="02070309020205020404" pitchFamily="49" charset="0"/>
-              </a:rPr>
-              <a:t>loat</a:t>
-            </a:r>
-            <a:r>
-              <a:rPr lang="en-US" dirty="0" smtClean="0">
                 <a:solidFill>
                   <a:schemeClr val="accent2"/>
                 </a:solidFill>
@@ -14862,20 +13865,10 @@
                 <a:latin typeface="Courier New" panose="02070309020205020404" pitchFamily="49" charset="0"/>
                 <a:cs typeface="Courier New" panose="02070309020205020404" pitchFamily="49" charset="0"/>
               </a:rPr>
-              <a:t>b</a:t>
+              <a:t>bool</a:t>
             </a:r>
             <a:r>
               <a:rPr lang="en-US" dirty="0">
-                <a:solidFill>
-                  <a:schemeClr val="accent2"/>
-                </a:solidFill>
-                <a:latin typeface="Courier New" panose="02070309020205020404" pitchFamily="49" charset="0"/>
-                <a:cs typeface="Courier New" panose="02070309020205020404" pitchFamily="49" charset="0"/>
-              </a:rPr>
-              <a:t>ool</a:t>
-            </a:r>
-            <a:r>
-              <a:rPr lang="en-US" dirty="0" smtClean="0">
                 <a:solidFill>
                   <a:schemeClr val="accent2"/>
                 </a:solidFill>
@@ -14922,7 +13915,7 @@
               <a:t>False</a:t>
             </a:r>
             <a:r>
-              <a:rPr lang="en-US" dirty="0" smtClean="0">
+              <a:rPr lang="en-US" dirty="0">
                 <a:solidFill>
                   <a:schemeClr val="accent2"/>
                 </a:solidFill>
@@ -14948,20 +13941,10 @@
                 <a:latin typeface="Courier New" panose="02070309020205020404" pitchFamily="49" charset="0"/>
                 <a:cs typeface="Courier New" panose="02070309020205020404" pitchFamily="49" charset="0"/>
               </a:rPr>
-              <a:t>NoneTyp</a:t>
-            </a:r>
-            <a:r>
-              <a:rPr lang="en-US" dirty="0" err="1">
-                <a:solidFill>
-                  <a:schemeClr val="accent2"/>
-                </a:solidFill>
-                <a:latin typeface="Courier New" panose="02070309020205020404" pitchFamily="49" charset="0"/>
-                <a:cs typeface="Courier New" panose="02070309020205020404" pitchFamily="49" charset="0"/>
-              </a:rPr>
-              <a:t>e</a:t>
-            </a:r>
-            <a:r>
-              <a:rPr lang="en-US" dirty="0" smtClean="0">
+              <a:t>NoneType</a:t>
+            </a:r>
+            <a:r>
+              <a:rPr lang="en-US" dirty="0">
                 <a:solidFill>
                   <a:schemeClr val="accent2"/>
                 </a:solidFill>
@@ -15037,7 +14020,7 @@
           </a:p>
           <a:p>
             <a:r>
-              <a:rPr lang="en-US" dirty="0" smtClean="0">
+              <a:rPr lang="en-US" dirty="0">
                 <a:solidFill>
                   <a:srgbClr val="C6DAEC"/>
                 </a:solidFill>
@@ -15055,16 +14038,6 @@
             </a:endParaRPr>
           </a:p>
           <a:p>
-            <a:r>
-              <a:rPr lang="en-US" dirty="0" smtClean="0">
-                <a:solidFill>
-                  <a:srgbClr val="C6DAEC"/>
-                </a:solidFill>
-                <a:latin typeface="Courier New" panose="02070309020205020404" pitchFamily="49" charset="0"/>
-                <a:cs typeface="Courier New" panose="02070309020205020404" pitchFamily="49" charset="0"/>
-              </a:rPr>
-              <a:t>In [</a:t>
-            </a:r>
             <a:r>
               <a:rPr lang="en-US" dirty="0">
                 <a:solidFill>
@@ -15073,7 +14046,7 @@
                 <a:latin typeface="Courier New" panose="02070309020205020404" pitchFamily="49" charset="0"/>
                 <a:cs typeface="Courier New" panose="02070309020205020404" pitchFamily="49" charset="0"/>
               </a:rPr>
-              <a:t>1]: </a:t>
+              <a:t>In [1]: </a:t>
             </a:r>
             <a:r>
               <a:rPr lang="en-US" dirty="0">
@@ -15118,16 +14091,6 @@
           </a:p>
           <a:p>
             <a:r>
-              <a:rPr lang="en-US" dirty="0" smtClean="0">
-                <a:solidFill>
-                  <a:srgbClr val="C6DAEC"/>
-                </a:solidFill>
-                <a:latin typeface="Courier New" panose="02070309020205020404" pitchFamily="49" charset="0"/>
-                <a:cs typeface="Courier New" panose="02070309020205020404" pitchFamily="49" charset="0"/>
-              </a:rPr>
-              <a:t>In [</a:t>
-            </a:r>
-            <a:r>
               <a:rPr lang="en-US" dirty="0">
                 <a:solidFill>
                   <a:srgbClr val="C6DAEC"/>
@@ -15135,7 +14098,7 @@
                 <a:latin typeface="Courier New" panose="02070309020205020404" pitchFamily="49" charset="0"/>
                 <a:cs typeface="Courier New" panose="02070309020205020404" pitchFamily="49" charset="0"/>
               </a:rPr>
-              <a:t>2]: </a:t>
+              <a:t>In [2]: </a:t>
             </a:r>
             <a:r>
               <a:rPr lang="en-US" dirty="0">
@@ -15157,20 +14120,10 @@
                 <a:latin typeface="Courier New" panose="02070309020205020404" pitchFamily="49" charset="0"/>
                 <a:cs typeface="Courier New" panose="02070309020205020404" pitchFamily="49" charset="0"/>
               </a:rPr>
-              <a:t>Out[2</a:t>
-            </a:r>
-            <a:r>
-              <a:rPr lang="en-US" dirty="0" smtClean="0">
-                <a:solidFill>
-                  <a:srgbClr val="C6DAEC"/>
-                </a:solidFill>
-                <a:latin typeface="Courier New" panose="02070309020205020404" pitchFamily="49" charset="0"/>
-                <a:cs typeface="Courier New" panose="02070309020205020404" pitchFamily="49" charset="0"/>
-              </a:rPr>
-              <a:t>]: </a:t>
-            </a:r>
-            <a:r>
-              <a:rPr lang="en-US" dirty="0" smtClean="0">
+              <a:t>Out[2]: </a:t>
+            </a:r>
+            <a:r>
+              <a:rPr lang="en-US" dirty="0">
                 <a:solidFill>
                   <a:schemeClr val="accent2"/>
                 </a:solidFill>
@@ -15179,21 +14132,6 @@
               </a:rPr>
               <a:t>float</a:t>
             </a:r>
-            <a:endParaRPr lang="en-US" dirty="0">
-              <a:solidFill>
-                <a:schemeClr val="accent2"/>
-              </a:solidFill>
-              <a:latin typeface="Courier New" panose="02070309020205020404" pitchFamily="49" charset="0"/>
-              <a:cs typeface="Courier New" panose="02070309020205020404" pitchFamily="49" charset="0"/>
-            </a:endParaRPr>
-          </a:p>
-          <a:p>
-            <a:endParaRPr lang="en-US" sz="1800" dirty="0" smtClean="0">
-              <a:solidFill>
-                <a:srgbClr val="C6DAEC"/>
-              </a:solidFill>
-              <a:latin typeface="Muli"/>
-            </a:endParaRPr>
           </a:p>
           <a:p>
             <a:endParaRPr lang="en-US" sz="1800" dirty="0">
@@ -15204,7 +14142,15 @@
             </a:endParaRPr>
           </a:p>
           <a:p>
-            <a:endParaRPr lang="en-US" sz="1800" dirty="0" smtClean="0">
+            <a:endParaRPr lang="en-US" sz="1800" dirty="0">
+              <a:solidFill>
+                <a:srgbClr val="C6DAEC"/>
+              </a:solidFill>
+              <a:latin typeface="Muli"/>
+            </a:endParaRPr>
+          </a:p>
+          <a:p>
+            <a:endParaRPr lang="en-US" sz="1800" dirty="0">
               <a:solidFill>
                 <a:srgbClr val="C6DAEC"/>
               </a:solidFill>
@@ -15223,13 +14169,6 @@
   <p:clrMapOvr>
     <a:masterClrMapping/>
   </p:clrMapOvr>
-  <p:timing>
-    <p:tnLst>
-      <p:par>
-        <p:cTn id="1" dur="indefinite" restart="never" nodeType="tmRoot"/>
-      </p:par>
-    </p:tnLst>
-  </p:timing>
 </p:sld>
 </file>
 
@@ -15320,7 +14259,7 @@
           <a:lstStyle/>
           <a:p>
             <a:r>
-              <a:rPr lang="en-CA" sz="3600" dirty="0" smtClean="0">
+              <a:rPr lang="en-CA" sz="3600" dirty="0">
                 <a:solidFill>
                   <a:srgbClr val="19BBD5"/>
                 </a:solidFill>
@@ -15376,7 +14315,7 @@
           <a:lstStyle/>
           <a:p>
             <a:r>
-              <a:rPr lang="en-US" sz="1800" dirty="0" smtClean="0">
+              <a:rPr lang="en-US" sz="1800" dirty="0">
                 <a:solidFill>
                   <a:srgbClr val="C6DAEC"/>
                 </a:solidFill>
@@ -15384,7 +14323,7 @@
               </a:rPr>
               <a:t>Can convert object of one type to another</a:t>
             </a:r>
-            <a:endParaRPr lang="en-US" sz="1800" dirty="0" smtClean="0">
+            <a:endParaRPr lang="en-US" sz="1800" dirty="0">
               <a:solidFill>
                 <a:schemeClr val="accent2"/>
               </a:solidFill>
@@ -15408,24 +14347,14 @@
               <a:buChar char="o"/>
             </a:pPr>
             <a:r>
-              <a:rPr lang="en-US" sz="1800" dirty="0" smtClean="0">
+              <a:rPr lang="en-US" sz="1800" dirty="0">
                 <a:solidFill>
                   <a:schemeClr val="accent2"/>
                 </a:solidFill>
                 <a:latin typeface="Courier New" panose="02070309020205020404" pitchFamily="49" charset="0"/>
                 <a:cs typeface="Courier New" panose="02070309020205020404" pitchFamily="49" charset="0"/>
               </a:rPr>
-              <a:t>f</a:t>
-            </a:r>
-            <a:r>
-              <a:rPr lang="en-US" sz="1800" dirty="0" smtClean="0">
-                <a:solidFill>
-                  <a:schemeClr val="accent2"/>
-                </a:solidFill>
-                <a:latin typeface="Courier New" panose="02070309020205020404" pitchFamily="49" charset="0"/>
-                <a:cs typeface="Courier New" panose="02070309020205020404" pitchFamily="49" charset="0"/>
-              </a:rPr>
-              <a:t>loat(3)</a:t>
+              <a:t>float(3)</a:t>
             </a:r>
             <a:r>
               <a:rPr lang="en-US" sz="1800" dirty="0">
@@ -15434,16 +14363,7 @@
                 </a:solidFill>
                 <a:latin typeface="Muli"/>
               </a:rPr>
-              <a:t> </a:t>
-            </a:r>
-            <a:r>
-              <a:rPr lang="en-US" sz="1800" dirty="0" smtClean="0">
-                <a:solidFill>
-                  <a:srgbClr val="C6DAEC"/>
-                </a:solidFill>
-                <a:latin typeface="Muli"/>
-              </a:rPr>
-              <a:t>converts integer </a:t>
+              <a:t> converts integer </a:t>
             </a:r>
             <a:r>
               <a:rPr lang="en-US" sz="1800" dirty="0">
@@ -15456,7 +14376,7 @@
               <a:t>3</a:t>
             </a:r>
             <a:r>
-              <a:rPr lang="en-US" sz="1800" dirty="0" smtClean="0">
+              <a:rPr lang="en-US" sz="1800" dirty="0">
                 <a:solidFill>
                   <a:srgbClr val="C6DAEC"/>
                 </a:solidFill>
@@ -15465,7 +14385,7 @@
               <a:t> to float </a:t>
             </a:r>
             <a:r>
-              <a:rPr lang="en-US" sz="1800" dirty="0" smtClean="0">
+              <a:rPr lang="en-US" sz="1800" dirty="0">
                 <a:solidFill>
                   <a:schemeClr val="accent2"/>
                 </a:solidFill>
@@ -15484,7 +14404,7 @@
               <a:buChar char="o"/>
             </a:pPr>
             <a:r>
-              <a:rPr lang="en-US" sz="1800" dirty="0" err="1" smtClean="0">
+              <a:rPr lang="en-US" sz="1800" dirty="0" err="1">
                 <a:solidFill>
                   <a:schemeClr val="accent2"/>
                 </a:solidFill>
@@ -15494,7 +14414,7 @@
               <a:t>int</a:t>
             </a:r>
             <a:r>
-              <a:rPr lang="en-US" sz="1800" dirty="0" smtClean="0">
+              <a:rPr lang="en-US" sz="1800" dirty="0">
                 <a:solidFill>
                   <a:schemeClr val="accent2"/>
                 </a:solidFill>
@@ -15510,28 +14430,10 @@
                 </a:solidFill>
                 <a:latin typeface="Muli"/>
               </a:rPr>
-              <a:t> </a:t>
-            </a:r>
-            <a:r>
-              <a:rPr lang="en-US" sz="1800" dirty="0" smtClean="0">
-                <a:solidFill>
-                  <a:srgbClr val="C6DAEC"/>
-                </a:solidFill>
-                <a:latin typeface="Muli"/>
-              </a:rPr>
-              <a:t>converts </a:t>
+              <a:t> converts float </a:t>
             </a:r>
             <a:r>
               <a:rPr lang="en-US" sz="1800" dirty="0">
-                <a:solidFill>
-                  <a:srgbClr val="C6DAEC"/>
-                </a:solidFill>
-                <a:latin typeface="Muli"/>
-              </a:rPr>
-              <a:t>float </a:t>
-            </a:r>
-            <a:r>
-              <a:rPr lang="en-US" sz="1800" dirty="0" smtClean="0">
                 <a:solidFill>
                   <a:schemeClr val="accent2"/>
                 </a:solidFill>
@@ -15550,7 +14452,7 @@
               <a:t>to integer </a:t>
             </a:r>
             <a:r>
-              <a:rPr lang="en-US" sz="1800" dirty="0" smtClean="0">
+              <a:rPr lang="en-US" sz="1800" dirty="0">
                 <a:solidFill>
                   <a:schemeClr val="accent2"/>
                 </a:solidFill>
@@ -15559,21 +14461,6 @@
               </a:rPr>
               <a:t>3</a:t>
             </a:r>
-            <a:endParaRPr lang="en-US" sz="1800" dirty="0">
-              <a:solidFill>
-                <a:schemeClr val="accent2"/>
-              </a:solidFill>
-              <a:latin typeface="Courier New" panose="02070309020205020404" pitchFamily="49" charset="0"/>
-              <a:cs typeface="Courier New" panose="02070309020205020404" pitchFamily="49" charset="0"/>
-            </a:endParaRPr>
-          </a:p>
-          <a:p>
-            <a:endParaRPr lang="en-US" sz="1800" dirty="0" smtClean="0">
-              <a:solidFill>
-                <a:srgbClr val="C6DAEC"/>
-              </a:solidFill>
-              <a:latin typeface="Muli"/>
-            </a:endParaRPr>
           </a:p>
           <a:p>
             <a:endParaRPr lang="en-US" sz="1800" dirty="0">
@@ -15584,7 +14471,15 @@
             </a:endParaRPr>
           </a:p>
           <a:p>
-            <a:endParaRPr lang="en-US" sz="1800" dirty="0" smtClean="0">
+            <a:endParaRPr lang="en-US" sz="1800" dirty="0">
+              <a:solidFill>
+                <a:srgbClr val="C6DAEC"/>
+              </a:solidFill>
+              <a:latin typeface="Muli"/>
+            </a:endParaRPr>
+          </a:p>
+          <a:p>
+            <a:endParaRPr lang="en-US" sz="1800" dirty="0">
               <a:solidFill>
                 <a:srgbClr val="C6DAEC"/>
               </a:solidFill>
@@ -15603,13 +14498,6 @@
   <p:clrMapOvr>
     <a:masterClrMapping/>
   </p:clrMapOvr>
-  <p:timing>
-    <p:tnLst>
-      <p:par>
-        <p:cTn id="1" dur="indefinite" restart="never" nodeType="tmRoot"/>
-      </p:par>
-    </p:tnLst>
-  </p:timing>
 </p:sld>
 </file>
 
@@ -15700,7 +14588,7 @@
           <a:lstStyle/>
           <a:p>
             <a:r>
-              <a:rPr lang="en-CA" sz="3600" dirty="0" smtClean="0">
+              <a:rPr lang="en-CA" sz="3600" dirty="0">
                 <a:solidFill>
                   <a:srgbClr val="19BBD5"/>
                 </a:solidFill>
@@ -15709,13 +14597,6 @@
               </a:rPr>
               <a:t>Printing to Console</a:t>
             </a:r>
-            <a:endParaRPr lang="en-CA" sz="3600" dirty="0">
-              <a:solidFill>
-                <a:srgbClr val="19BBD5"/>
-              </a:solidFill>
-              <a:latin typeface="Nixie One"/>
-              <a:sym typeface="Nixie One"/>
-            </a:endParaRPr>
           </a:p>
         </p:txBody>
       </p:sp>
@@ -15747,7 +14628,7 @@
           <a:lstStyle/>
           <a:p>
             <a:r>
-              <a:rPr lang="en-US" sz="1800" dirty="0" smtClean="0">
+              <a:rPr lang="en-US" sz="1800" dirty="0">
                 <a:solidFill>
                   <a:srgbClr val="C6DAEC"/>
                 </a:solidFill>
@@ -15755,7 +14636,7 @@
               </a:rPr>
               <a:t>To show output from code to a user, use print command</a:t>
             </a:r>
-            <a:endParaRPr lang="en-US" sz="1800" dirty="0" smtClean="0">
+            <a:endParaRPr lang="en-US" sz="1800" dirty="0">
               <a:solidFill>
                 <a:schemeClr val="accent2"/>
               </a:solidFill>
@@ -15772,7 +14653,7 @@
           </a:p>
           <a:p>
             <a:r>
-              <a:rPr lang="en-US" sz="1800" dirty="0" smtClean="0">
+              <a:rPr lang="en-US" sz="1800" dirty="0">
                 <a:solidFill>
                   <a:srgbClr val="C6DAEC"/>
                 </a:solidFill>
@@ -15782,7 +14663,7 @@
               <a:t>In [11]: </a:t>
             </a:r>
             <a:r>
-              <a:rPr lang="en-US" sz="1800" dirty="0" smtClean="0">
+              <a:rPr lang="en-US" sz="1800" dirty="0">
                 <a:solidFill>
                   <a:schemeClr val="accent2"/>
                 </a:solidFill>
@@ -15791,17 +14672,10 @@
               </a:rPr>
               <a:t>3+2</a:t>
             </a:r>
-            <a:endParaRPr lang="en-US" sz="1800" dirty="0">
-              <a:solidFill>
-                <a:schemeClr val="accent2"/>
-              </a:solidFill>
-              <a:latin typeface="Courier New" panose="02070309020205020404" pitchFamily="49" charset="0"/>
-              <a:cs typeface="Courier New" panose="02070309020205020404" pitchFamily="49" charset="0"/>
-            </a:endParaRPr>
-          </a:p>
-          <a:p>
-            <a:r>
-              <a:rPr lang="en-US" sz="1800" dirty="0" smtClean="0">
+          </a:p>
+          <a:p>
+            <a:r>
+              <a:rPr lang="en-US" sz="1800" dirty="0">
                 <a:solidFill>
                   <a:srgbClr val="C6DAEC"/>
                 </a:solidFill>
@@ -15811,7 +14685,7 @@
               <a:t>Out[11]: </a:t>
             </a:r>
             <a:r>
-              <a:rPr lang="en-US" sz="1800" dirty="0" smtClean="0">
+              <a:rPr lang="en-US" sz="1800" dirty="0">
                 <a:solidFill>
                   <a:schemeClr val="accent2"/>
                 </a:solidFill>
@@ -15820,13 +14694,6 @@
               </a:rPr>
               <a:t>5</a:t>
             </a:r>
-            <a:endParaRPr lang="en-US" sz="1800" dirty="0">
-              <a:solidFill>
-                <a:schemeClr val="accent2"/>
-              </a:solidFill>
-              <a:latin typeface="Courier New" panose="02070309020205020404" pitchFamily="49" charset="0"/>
-              <a:cs typeface="Courier New" panose="02070309020205020404" pitchFamily="49" charset="0"/>
-            </a:endParaRPr>
           </a:p>
           <a:p>
             <a:endParaRPr lang="en-US" sz="1800" dirty="0">
@@ -15838,7 +14705,7 @@
           </a:p>
           <a:p>
             <a:r>
-              <a:rPr lang="en-US" sz="1800" dirty="0" smtClean="0">
+              <a:rPr lang="en-US" sz="1800" dirty="0">
                 <a:solidFill>
                   <a:srgbClr val="C6DAEC"/>
                 </a:solidFill>
@@ -15848,7 +14715,7 @@
               <a:t>In [12]: </a:t>
             </a:r>
             <a:r>
-              <a:rPr lang="en-US" sz="1800" dirty="0" smtClean="0">
+              <a:rPr lang="en-US" sz="1800" dirty="0">
                 <a:solidFill>
                   <a:schemeClr val="accent2"/>
                 </a:solidFill>
@@ -15857,13 +14724,6 @@
               </a:rPr>
               <a:t>print(3+2)</a:t>
             </a:r>
-            <a:endParaRPr lang="en-US" sz="1800" dirty="0">
-              <a:solidFill>
-                <a:schemeClr val="accent2"/>
-              </a:solidFill>
-              <a:latin typeface="Courier New" panose="02070309020205020404" pitchFamily="49" charset="0"/>
-              <a:cs typeface="Courier New" panose="02070309020205020404" pitchFamily="49" charset="0"/>
-            </a:endParaRPr>
           </a:p>
           <a:p>
             <a:r>
@@ -15885,14 +14745,6 @@
             </a:endParaRPr>
           </a:p>
           <a:p>
-            <a:endParaRPr lang="en-US" sz="1800" dirty="0" smtClean="0">
-              <a:solidFill>
-                <a:srgbClr val="C6DAEC"/>
-              </a:solidFill>
-              <a:latin typeface="Muli"/>
-            </a:endParaRPr>
-          </a:p>
-          <a:p>
             <a:endParaRPr lang="en-US" sz="1800" dirty="0">
               <a:solidFill>
                 <a:srgbClr val="C6DAEC"/>
@@ -15901,7 +14753,15 @@
             </a:endParaRPr>
           </a:p>
           <a:p>
-            <a:endParaRPr lang="en-US" sz="1800" dirty="0" smtClean="0">
+            <a:endParaRPr lang="en-US" sz="1800" dirty="0">
+              <a:solidFill>
+                <a:srgbClr val="C6DAEC"/>
+              </a:solidFill>
+              <a:latin typeface="Muli"/>
+            </a:endParaRPr>
+          </a:p>
+          <a:p>
+            <a:endParaRPr lang="en-US" sz="1800" dirty="0">
               <a:solidFill>
                 <a:srgbClr val="C6DAEC"/>
               </a:solidFill>
@@ -15920,13 +14780,6 @@
   <p:clrMapOvr>
     <a:masterClrMapping/>
   </p:clrMapOvr>
-  <p:timing>
-    <p:tnLst>
-      <p:par>
-        <p:cTn id="1" dur="indefinite" restart="never" nodeType="tmRoot"/>
-      </p:par>
-    </p:tnLst>
-  </p:timing>
 </p:sld>
 </file>
 
@@ -16017,7 +14870,7 @@
           <a:lstStyle/>
           <a:p>
             <a:r>
-              <a:rPr lang="en-CA" sz="3600" dirty="0" smtClean="0">
+              <a:rPr lang="en-CA" sz="3600" dirty="0">
                 <a:solidFill>
                   <a:srgbClr val="19BBD5"/>
                 </a:solidFill>
@@ -16026,13 +14879,6 @@
               </a:rPr>
               <a:t>Expressions</a:t>
             </a:r>
-            <a:endParaRPr lang="en-CA" sz="3600" dirty="0">
-              <a:solidFill>
-                <a:srgbClr val="19BBD5"/>
-              </a:solidFill>
-              <a:latin typeface="Nixie One"/>
-              <a:sym typeface="Nixie One"/>
-            </a:endParaRPr>
           </a:p>
         </p:txBody>
       </p:sp>
@@ -16064,7 +14910,7 @@
           <a:lstStyle/>
           <a:p>
             <a:r>
-              <a:rPr lang="en-US" sz="1800" dirty="0" smtClean="0">
+              <a:rPr lang="en-US" sz="1800" dirty="0">
                 <a:solidFill>
                   <a:schemeClr val="accent2"/>
                 </a:solidFill>
@@ -16073,7 +14919,7 @@
               <a:t>Combine objects and operators </a:t>
             </a:r>
             <a:r>
-              <a:rPr lang="en-US" sz="1800" dirty="0" smtClean="0">
+              <a:rPr lang="en-US" sz="1800" dirty="0">
                 <a:solidFill>
                   <a:srgbClr val="C6DAEC"/>
                 </a:solidFill>
@@ -16081,7 +14927,7 @@
               </a:rPr>
               <a:t>to form expressions</a:t>
             </a:r>
-            <a:endParaRPr lang="en-US" sz="1800" dirty="0" smtClean="0">
+            <a:endParaRPr lang="en-US" sz="1800" dirty="0">
               <a:solidFill>
                 <a:schemeClr val="accent2"/>
               </a:solidFill>
@@ -16114,7 +14960,7 @@
               <a:t>An expression has a </a:t>
             </a:r>
             <a:r>
-              <a:rPr lang="en-US" sz="1800" dirty="0" smtClean="0">
+              <a:rPr lang="en-US" sz="1800" dirty="0">
                 <a:solidFill>
                   <a:schemeClr val="accent2"/>
                 </a:solidFill>
@@ -16123,7 +14969,7 @@
               <a:t>value</a:t>
             </a:r>
             <a:r>
-              <a:rPr lang="en-US" sz="1800" dirty="0" smtClean="0">
+              <a:rPr lang="en-US" sz="1800" dirty="0">
                 <a:solidFill>
                   <a:schemeClr val="accent2"/>
                 </a:solidFill>
@@ -16139,28 +14985,10 @@
                 </a:solidFill>
                 <a:latin typeface="Muli"/>
               </a:rPr>
-              <a:t> </a:t>
-            </a:r>
-            <a:r>
-              <a:rPr lang="en-US" sz="1800" dirty="0" smtClean="0">
-                <a:solidFill>
-                  <a:srgbClr val="C6DAEC"/>
-                </a:solidFill>
-                <a:latin typeface="Muli"/>
-              </a:rPr>
-              <a:t>which </a:t>
+              <a:t> which has a </a:t>
             </a:r>
             <a:r>
               <a:rPr lang="en-US" sz="1800" dirty="0">
-                <a:solidFill>
-                  <a:srgbClr val="C6DAEC"/>
-                </a:solidFill>
-                <a:latin typeface="Muli"/>
-              </a:rPr>
-              <a:t>has a </a:t>
-            </a:r>
-            <a:r>
-              <a:rPr lang="en-US" sz="1800" dirty="0" smtClean="0">
                 <a:solidFill>
                   <a:schemeClr val="accent2"/>
                 </a:solidFill>
@@ -16185,23 +15013,8 @@
                 </a:solidFill>
                 <a:latin typeface="Muli"/>
               </a:rPr>
-              <a:t>Syntax for a simple </a:t>
-            </a:r>
-            <a:r>
-              <a:rPr lang="en-US" sz="1800" dirty="0" smtClean="0">
-                <a:solidFill>
-                  <a:srgbClr val="C6DAEC"/>
-                </a:solidFill>
-                <a:latin typeface="Muli"/>
-              </a:rPr>
-              <a:t>expression:</a:t>
-            </a:r>
-            <a:endParaRPr lang="en-US" sz="1800" dirty="0">
-              <a:solidFill>
-                <a:srgbClr val="C6DAEC"/>
-              </a:solidFill>
-              <a:latin typeface="Muli"/>
-            </a:endParaRPr>
+              <a:t>Syntax for a simple expression:</a:t>
+            </a:r>
           </a:p>
           <a:p>
             <a:pPr lvl="1">
@@ -16209,16 +15022,6 @@
                 <a:schemeClr val="accent4"/>
               </a:buClr>
             </a:pPr>
-            <a:r>
-              <a:rPr lang="en-US" sz="1800" dirty="0" smtClean="0">
-                <a:solidFill>
-                  <a:schemeClr val="accent2"/>
-                </a:solidFill>
-                <a:latin typeface="Courier New" panose="02070309020205020404" pitchFamily="49" charset="0"/>
-                <a:cs typeface="Courier New" panose="02070309020205020404" pitchFamily="49" charset="0"/>
-              </a:rPr>
-              <a:t>  &lt;</a:t>
-            </a:r>
             <a:r>
               <a:rPr lang="en-US" sz="1800" dirty="0">
                 <a:solidFill>
@@ -16227,16 +15030,8 @@
                 <a:latin typeface="Courier New" panose="02070309020205020404" pitchFamily="49" charset="0"/>
                 <a:cs typeface="Courier New" panose="02070309020205020404" pitchFamily="49" charset="0"/>
               </a:rPr>
-              <a:t>object&gt; &lt;operator&gt; &lt;object&gt;</a:t>
-            </a:r>
-          </a:p>
-          <a:p>
-            <a:endParaRPr lang="en-US" sz="1800" dirty="0" smtClean="0">
-              <a:solidFill>
-                <a:srgbClr val="C6DAEC"/>
-              </a:solidFill>
-              <a:latin typeface="Muli"/>
-            </a:endParaRPr>
+              <a:t>  &lt;object&gt; &lt;operator&gt; &lt;object&gt;</a:t>
+            </a:r>
           </a:p>
           <a:p>
             <a:endParaRPr lang="en-US" sz="1800" dirty="0">
@@ -16247,7 +15042,15 @@
             </a:endParaRPr>
           </a:p>
           <a:p>
-            <a:endParaRPr lang="en-US" sz="1800" dirty="0" smtClean="0">
+            <a:endParaRPr lang="en-US" sz="1800" dirty="0">
+              <a:solidFill>
+                <a:srgbClr val="C6DAEC"/>
+              </a:solidFill>
+              <a:latin typeface="Muli"/>
+            </a:endParaRPr>
+          </a:p>
+          <a:p>
+            <a:endParaRPr lang="en-US" sz="1800" dirty="0">
               <a:solidFill>
                 <a:srgbClr val="C6DAEC"/>
               </a:solidFill>
@@ -16266,13 +15069,6 @@
   <p:clrMapOvr>
     <a:masterClrMapping/>
   </p:clrMapOvr>
-  <p:timing>
-    <p:tnLst>
-      <p:par>
-        <p:cTn id="1" dur="indefinite" restart="never" nodeType="tmRoot"/>
-      </p:par>
-    </p:tnLst>
-  </p:timing>
 </p:sld>
 </file>
 
@@ -16363,7 +15159,7 @@
           <a:lstStyle/>
           <a:p>
             <a:r>
-              <a:rPr lang="en-CA" sz="3600" dirty="0" smtClean="0">
+              <a:rPr lang="en-CA" sz="3600" dirty="0">
                 <a:solidFill>
                   <a:srgbClr val="19BBD5"/>
                 </a:solidFill>
@@ -16372,13 +15168,6 @@
               </a:rPr>
               <a:t>Operators on ints and floats</a:t>
             </a:r>
-            <a:endParaRPr lang="en-CA" sz="3600" dirty="0">
-              <a:solidFill>
-                <a:srgbClr val="19BBD5"/>
-              </a:solidFill>
-              <a:latin typeface="Nixie One"/>
-              <a:sym typeface="Nixie One"/>
-            </a:endParaRPr>
           </a:p>
         </p:txBody>
       </p:sp>
@@ -16433,16 +15222,7 @@
                 </a:solidFill>
                 <a:latin typeface="Muli"/>
               </a:rPr>
-              <a:t> </a:t>
-            </a:r>
-            <a:r>
-              <a:rPr lang="en-US" sz="1800" dirty="0" smtClean="0">
-                <a:solidFill>
-                  <a:srgbClr val="C6DAEC"/>
-                </a:solidFill>
-                <a:latin typeface="Muli"/>
-              </a:rPr>
-              <a:t>  → the sum</a:t>
+              <a:t>   → the sum</a:t>
             </a:r>
           </a:p>
           <a:p>
@@ -16466,6 +15246,202 @@
               <a:buFont typeface="Courier New" panose="02070309020205020404" pitchFamily="49" charset="0"/>
               <a:buChar char="o"/>
             </a:pPr>
+            <a:r>
+              <a:rPr lang="en-US" sz="1800" dirty="0">
+                <a:solidFill>
+                  <a:schemeClr val="accent2"/>
+                </a:solidFill>
+                <a:latin typeface="Courier New" panose="02070309020205020404" pitchFamily="49" charset="0"/>
+                <a:cs typeface="Courier New" panose="02070309020205020404" pitchFamily="49" charset="0"/>
+              </a:rPr>
+              <a:t>i – j</a:t>
+            </a:r>
+            <a:r>
+              <a:rPr lang="en-US" sz="1800" dirty="0">
+                <a:solidFill>
+                  <a:srgbClr val="C6DAEC"/>
+                </a:solidFill>
+                <a:latin typeface="Muli"/>
+              </a:rPr>
+              <a:t>   → the difference  → → →</a:t>
+            </a:r>
+          </a:p>
+          <a:p>
+            <a:pPr>
+              <a:buClr>
+                <a:schemeClr val="accent4"/>
+              </a:buClr>
+            </a:pPr>
+            <a:endParaRPr lang="en-US" sz="1800" dirty="0">
+              <a:solidFill>
+                <a:schemeClr val="accent2"/>
+              </a:solidFill>
+              <a:latin typeface="Courier New" panose="02070309020205020404" pitchFamily="49" charset="0"/>
+              <a:cs typeface="Courier New" panose="02070309020205020404" pitchFamily="49" charset="0"/>
+            </a:endParaRPr>
+          </a:p>
+          <a:p>
+            <a:pPr marL="285750" indent="-285750">
+              <a:buClr>
+                <a:schemeClr val="accent4"/>
+              </a:buClr>
+              <a:buFont typeface="Courier New" panose="02070309020205020404" pitchFamily="49" charset="0"/>
+              <a:buChar char="o"/>
+            </a:pPr>
+            <a:r>
+              <a:rPr lang="en-US" sz="1800" dirty="0">
+                <a:solidFill>
+                  <a:schemeClr val="accent2"/>
+                </a:solidFill>
+                <a:latin typeface="Courier New" panose="02070309020205020404" pitchFamily="49" charset="0"/>
+                <a:cs typeface="Courier New" panose="02070309020205020404" pitchFamily="49" charset="0"/>
+              </a:rPr>
+              <a:t>i * j</a:t>
+            </a:r>
+            <a:r>
+              <a:rPr lang="en-US" sz="1800" dirty="0">
+                <a:solidFill>
+                  <a:srgbClr val="C6DAEC"/>
+                </a:solidFill>
+                <a:latin typeface="Muli"/>
+              </a:rPr>
+              <a:t>   → the product</a:t>
+            </a:r>
+          </a:p>
+          <a:p>
+            <a:pPr>
+              <a:buClr>
+                <a:schemeClr val="accent4"/>
+              </a:buClr>
+            </a:pPr>
+            <a:endParaRPr lang="en-US" sz="1800" dirty="0">
+              <a:solidFill>
+                <a:schemeClr val="accent2"/>
+              </a:solidFill>
+              <a:latin typeface="Courier New" panose="02070309020205020404" pitchFamily="49" charset="0"/>
+              <a:cs typeface="Courier New" panose="02070309020205020404" pitchFamily="49" charset="0"/>
+            </a:endParaRPr>
+          </a:p>
+          <a:p>
+            <a:pPr marL="285750" indent="-285750">
+              <a:buClr>
+                <a:schemeClr val="accent4"/>
+              </a:buClr>
+              <a:buFont typeface="Courier New" panose="02070309020205020404" pitchFamily="49" charset="0"/>
+              <a:buChar char="o"/>
+            </a:pPr>
+            <a:r>
+              <a:rPr lang="en-US" sz="1800" dirty="0">
+                <a:solidFill>
+                  <a:schemeClr val="accent2"/>
+                </a:solidFill>
+                <a:latin typeface="Courier New" panose="02070309020205020404" pitchFamily="49" charset="0"/>
+                <a:cs typeface="Courier New" panose="02070309020205020404" pitchFamily="49" charset="0"/>
+              </a:rPr>
+              <a:t>i / j</a:t>
+            </a:r>
+            <a:r>
+              <a:rPr lang="en-US" sz="1800" dirty="0">
+                <a:solidFill>
+                  <a:srgbClr val="C6DAEC"/>
+                </a:solidFill>
+                <a:latin typeface="Muli"/>
+              </a:rPr>
+              <a:t>   → the quotient (division) → →    </a:t>
+            </a:r>
+            <a:r>
+              <a:rPr lang="en-US" dirty="0">
+                <a:solidFill>
+                  <a:schemeClr val="accent2"/>
+                </a:solidFill>
+                <a:latin typeface="Muli"/>
+              </a:rPr>
+              <a:t>Result is float</a:t>
+            </a:r>
+          </a:p>
+          <a:p>
+            <a:pPr>
+              <a:buClr>
+                <a:schemeClr val="accent4"/>
+              </a:buClr>
+            </a:pPr>
+            <a:endParaRPr lang="en-US" sz="1800" dirty="0">
+              <a:solidFill>
+                <a:schemeClr val="accent2"/>
+              </a:solidFill>
+              <a:latin typeface="Courier New" panose="02070309020205020404" pitchFamily="49" charset="0"/>
+              <a:cs typeface="Courier New" panose="02070309020205020404" pitchFamily="49" charset="0"/>
+            </a:endParaRPr>
+          </a:p>
+          <a:p>
+            <a:pPr marL="285750" indent="-285750">
+              <a:buClr>
+                <a:schemeClr val="accent4"/>
+              </a:buClr>
+              <a:buFont typeface="Courier New" panose="02070309020205020404" pitchFamily="49" charset="0"/>
+              <a:buChar char="o"/>
+            </a:pPr>
+            <a:r>
+              <a:rPr lang="en-US" sz="1800" dirty="0">
+                <a:solidFill>
+                  <a:schemeClr val="accent2"/>
+                </a:solidFill>
+                <a:latin typeface="Courier New" panose="02070309020205020404" pitchFamily="49" charset="0"/>
+                <a:cs typeface="Courier New" panose="02070309020205020404" pitchFamily="49" charset="0"/>
+              </a:rPr>
+              <a:t>i // j</a:t>
+            </a:r>
+            <a:r>
+              <a:rPr lang="en-US" sz="1800" dirty="0">
+                <a:solidFill>
+                  <a:srgbClr val="C6DAEC"/>
+                </a:solidFill>
+                <a:latin typeface="Muli"/>
+              </a:rPr>
+              <a:t> → int division → → → → → →</a:t>
+            </a:r>
+          </a:p>
+          <a:p>
+            <a:pPr>
+              <a:buClr>
+                <a:schemeClr val="accent4"/>
+              </a:buClr>
+            </a:pPr>
+            <a:endParaRPr lang="en-US" sz="1800" dirty="0">
+              <a:solidFill>
+                <a:schemeClr val="accent2"/>
+              </a:solidFill>
+              <a:latin typeface="Courier New" panose="02070309020205020404" pitchFamily="49" charset="0"/>
+              <a:cs typeface="Courier New" panose="02070309020205020404" pitchFamily="49" charset="0"/>
+            </a:endParaRPr>
+          </a:p>
+          <a:p>
+            <a:pPr marL="285750" indent="-285750">
+              <a:buClr>
+                <a:schemeClr val="accent4"/>
+              </a:buClr>
+              <a:buFont typeface="Courier New" panose="02070309020205020404" pitchFamily="49" charset="0"/>
+              <a:buChar char="o"/>
+            </a:pPr>
+            <a:r>
+              <a:rPr lang="en-US" sz="1800" dirty="0">
+                <a:solidFill>
+                  <a:schemeClr val="accent2"/>
+                </a:solidFill>
+                <a:latin typeface="Courier New" panose="02070309020205020404" pitchFamily="49" charset="0"/>
+                <a:cs typeface="Courier New" panose="02070309020205020404" pitchFamily="49" charset="0"/>
+              </a:rPr>
+              <a:t>i % j</a:t>
+            </a:r>
+            <a:r>
+              <a:rPr lang="en-US" sz="1800" dirty="0">
+                <a:solidFill>
+                  <a:srgbClr val="C6DAEC"/>
+                </a:solidFill>
+                <a:latin typeface="Muli"/>
+              </a:rPr>
+              <a:t>   → the remainder when </a:t>
+            </a:r>
             <a:r>
               <a:rPr lang="en-US" sz="1800" dirty="0">
                 <a:solidFill>
@@ -16479,15 +15455,14 @@
             <a:r>
               <a:rPr lang="en-US" sz="1800" dirty="0">
                 <a:solidFill>
-                  <a:schemeClr val="accent2"/>
+                  <a:srgbClr val="C6DAEC"/>
                 </a:solidFill>
-                <a:latin typeface="Courier New" panose="02070309020205020404" pitchFamily="49" charset="0"/>
-                <a:cs typeface="Courier New" panose="02070309020205020404" pitchFamily="49" charset="0"/>
+                <a:latin typeface="Muli"/>
               </a:rPr>
-              <a:t> – </a:t>
-            </a:r>
-            <a:r>
-              <a:rPr lang="en-US" sz="1800" dirty="0" smtClean="0">
+              <a:t> is divided by </a:t>
+            </a:r>
+            <a:r>
+              <a:rPr lang="en-US" sz="1800" dirty="0">
                 <a:solidFill>
                   <a:schemeClr val="accent2"/>
                 </a:solidFill>
@@ -16496,60 +15471,6 @@
               </a:rPr>
               <a:t>j</a:t>
             </a:r>
-            <a:r>
-              <a:rPr lang="en-US" sz="1800" dirty="0">
-                <a:solidFill>
-                  <a:srgbClr val="C6DAEC"/>
-                </a:solidFill>
-                <a:latin typeface="Muli"/>
-              </a:rPr>
-              <a:t>  </a:t>
-            </a:r>
-            <a:r>
-              <a:rPr lang="en-US" sz="1800" dirty="0" smtClean="0">
-                <a:solidFill>
-                  <a:srgbClr val="C6DAEC"/>
-                </a:solidFill>
-                <a:latin typeface="Muli"/>
-              </a:rPr>
-              <a:t> → </a:t>
-            </a:r>
-            <a:r>
-              <a:rPr lang="en-US" sz="1800" dirty="0">
-                <a:solidFill>
-                  <a:srgbClr val="C6DAEC"/>
-                </a:solidFill>
-                <a:latin typeface="Muli"/>
-              </a:rPr>
-              <a:t>the </a:t>
-            </a:r>
-            <a:r>
-              <a:rPr lang="en-US" sz="1800" dirty="0" smtClean="0">
-                <a:solidFill>
-                  <a:srgbClr val="C6DAEC"/>
-                </a:solidFill>
-                <a:latin typeface="Muli"/>
-              </a:rPr>
-              <a:t>difference  → →</a:t>
-            </a:r>
-            <a:r>
-              <a:rPr lang="en-US" sz="1800" dirty="0">
-                <a:solidFill>
-                  <a:srgbClr val="C6DAEC"/>
-                </a:solidFill>
-                <a:latin typeface="Muli"/>
-              </a:rPr>
-              <a:t> </a:t>
-            </a:r>
-            <a:r>
-              <a:rPr lang="en-US" sz="1800" dirty="0" smtClean="0">
-                <a:solidFill>
-                  <a:srgbClr val="C6DAEC"/>
-                </a:solidFill>
-                <a:latin typeface="Muli"/>
-              </a:rPr>
-              <a:t>→</a:t>
-            </a:r>
           </a:p>
           <a:p>
             <a:pPr>
@@ -16573,6 +15494,25 @@
               <a:buFont typeface="Courier New" panose="02070309020205020404" pitchFamily="49" charset="0"/>
               <a:buChar char="o"/>
             </a:pPr>
+            <a:r>
+              <a:rPr lang="en-US" sz="1800" dirty="0">
+                <a:solidFill>
+                  <a:schemeClr val="accent2"/>
+                </a:solidFill>
+                <a:latin typeface="Courier New" panose="02070309020205020404" pitchFamily="49" charset="0"/>
+                <a:cs typeface="Courier New" panose="02070309020205020404" pitchFamily="49" charset="0"/>
+              </a:rPr>
+              <a:t>i ** j</a:t>
+            </a:r>
+            <a:r>
+              <a:rPr lang="en-US" sz="1800" dirty="0">
+                <a:solidFill>
+                  <a:srgbClr val="C6DAEC"/>
+                </a:solidFill>
+                <a:latin typeface="Muli"/>
+              </a:rPr>
+              <a:t> → </a:t>
+            </a:r>
             <a:r>
               <a:rPr lang="en-US" sz="1800" dirty="0">
                 <a:solidFill>
@@ -16584,407 +15524,7 @@
               <a:t>i</a:t>
             </a:r>
             <a:r>
-              <a:rPr lang="en-US" sz="1800" dirty="0" smtClean="0">
-                <a:solidFill>
-                  <a:schemeClr val="accent2"/>
-                </a:solidFill>
-                <a:latin typeface="Courier New" panose="02070309020205020404" pitchFamily="49" charset="0"/>
-                <a:cs typeface="Courier New" panose="02070309020205020404" pitchFamily="49" charset="0"/>
-              </a:rPr>
-              <a:t> * j</a:t>
-            </a:r>
-            <a:r>
               <a:rPr lang="en-US" sz="1800" dirty="0">
-                <a:solidFill>
-                  <a:srgbClr val="C6DAEC"/>
-                </a:solidFill>
-                <a:latin typeface="Muli"/>
-              </a:rPr>
-              <a:t>  </a:t>
-            </a:r>
-            <a:r>
-              <a:rPr lang="en-US" sz="1800" dirty="0" smtClean="0">
-                <a:solidFill>
-                  <a:srgbClr val="C6DAEC"/>
-                </a:solidFill>
-                <a:latin typeface="Muli"/>
-              </a:rPr>
-              <a:t> → </a:t>
-            </a:r>
-            <a:r>
-              <a:rPr lang="en-US" sz="1800" dirty="0">
-                <a:solidFill>
-                  <a:srgbClr val="C6DAEC"/>
-                </a:solidFill>
-                <a:latin typeface="Muli"/>
-              </a:rPr>
-              <a:t>the </a:t>
-            </a:r>
-            <a:r>
-              <a:rPr lang="en-US" sz="1800" dirty="0" smtClean="0">
-                <a:solidFill>
-                  <a:srgbClr val="C6DAEC"/>
-                </a:solidFill>
-                <a:latin typeface="Muli"/>
-              </a:rPr>
-              <a:t>product</a:t>
-            </a:r>
-          </a:p>
-          <a:p>
-            <a:pPr>
-              <a:buClr>
-                <a:schemeClr val="accent4"/>
-              </a:buClr>
-            </a:pPr>
-            <a:endParaRPr lang="en-US" sz="1800" dirty="0" smtClean="0">
-              <a:solidFill>
-                <a:schemeClr val="accent2"/>
-              </a:solidFill>
-              <a:latin typeface="Courier New" panose="02070309020205020404" pitchFamily="49" charset="0"/>
-              <a:cs typeface="Courier New" panose="02070309020205020404" pitchFamily="49" charset="0"/>
-            </a:endParaRPr>
-          </a:p>
-          <a:p>
-            <a:pPr marL="285750" indent="-285750">
-              <a:buClr>
-                <a:schemeClr val="accent4"/>
-              </a:buClr>
-              <a:buFont typeface="Courier New" panose="02070309020205020404" pitchFamily="49" charset="0"/>
-              <a:buChar char="o"/>
-            </a:pPr>
-            <a:r>
-              <a:rPr lang="en-US" sz="1800" dirty="0">
-                <a:solidFill>
-                  <a:schemeClr val="accent2"/>
-                </a:solidFill>
-                <a:latin typeface="Courier New" panose="02070309020205020404" pitchFamily="49" charset="0"/>
-                <a:cs typeface="Courier New" panose="02070309020205020404" pitchFamily="49" charset="0"/>
-              </a:rPr>
-              <a:t>i</a:t>
-            </a:r>
-            <a:r>
-              <a:rPr lang="en-US" sz="1800" dirty="0" smtClean="0">
-                <a:solidFill>
-                  <a:schemeClr val="accent2"/>
-                </a:solidFill>
-                <a:latin typeface="Courier New" panose="02070309020205020404" pitchFamily="49" charset="0"/>
-                <a:cs typeface="Courier New" panose="02070309020205020404" pitchFamily="49" charset="0"/>
-              </a:rPr>
-              <a:t> / j</a:t>
-            </a:r>
-            <a:r>
-              <a:rPr lang="en-US" sz="1800" dirty="0">
-                <a:solidFill>
-                  <a:srgbClr val="C6DAEC"/>
-                </a:solidFill>
-                <a:latin typeface="Muli"/>
-              </a:rPr>
-              <a:t> </a:t>
-            </a:r>
-            <a:r>
-              <a:rPr lang="en-US" sz="1800" dirty="0" smtClean="0">
-                <a:solidFill>
-                  <a:srgbClr val="C6DAEC"/>
-                </a:solidFill>
-                <a:latin typeface="Muli"/>
-              </a:rPr>
-              <a:t>  → </a:t>
-            </a:r>
-            <a:r>
-              <a:rPr lang="en-US" sz="1800" dirty="0">
-                <a:solidFill>
-                  <a:srgbClr val="C6DAEC"/>
-                </a:solidFill>
-                <a:latin typeface="Muli"/>
-              </a:rPr>
-              <a:t>the </a:t>
-            </a:r>
-            <a:r>
-              <a:rPr lang="en-US" sz="1800" dirty="0" smtClean="0">
-                <a:solidFill>
-                  <a:srgbClr val="C6DAEC"/>
-                </a:solidFill>
-                <a:latin typeface="Muli"/>
-              </a:rPr>
-              <a:t>quotient (division)</a:t>
-            </a:r>
-            <a:r>
-              <a:rPr lang="en-US" sz="1800" dirty="0">
-                <a:solidFill>
-                  <a:srgbClr val="C6DAEC"/>
-                </a:solidFill>
-                <a:latin typeface="Muli"/>
-              </a:rPr>
-              <a:t> → </a:t>
-            </a:r>
-            <a:r>
-              <a:rPr lang="en-US" sz="1800" dirty="0" smtClean="0">
-                <a:solidFill>
-                  <a:srgbClr val="C6DAEC"/>
-                </a:solidFill>
-                <a:latin typeface="Muli"/>
-              </a:rPr>
-              <a:t>→</a:t>
-            </a:r>
-            <a:r>
-              <a:rPr lang="en-US" sz="1800" dirty="0">
-                <a:solidFill>
-                  <a:srgbClr val="C6DAEC"/>
-                </a:solidFill>
-                <a:latin typeface="Muli"/>
-              </a:rPr>
-              <a:t>  </a:t>
-            </a:r>
-            <a:r>
-              <a:rPr lang="en-US" sz="1800" dirty="0" smtClean="0">
-                <a:solidFill>
-                  <a:srgbClr val="C6DAEC"/>
-                </a:solidFill>
-                <a:latin typeface="Muli"/>
-              </a:rPr>
-              <a:t>  </a:t>
-            </a:r>
-            <a:r>
-              <a:rPr lang="en-US" dirty="0" smtClean="0">
-                <a:solidFill>
-                  <a:schemeClr val="accent2"/>
-                </a:solidFill>
-                <a:latin typeface="Muli"/>
-              </a:rPr>
-              <a:t>Result </a:t>
-            </a:r>
-            <a:r>
-              <a:rPr lang="en-US" dirty="0">
-                <a:solidFill>
-                  <a:schemeClr val="accent2"/>
-                </a:solidFill>
-                <a:latin typeface="Muli"/>
-              </a:rPr>
-              <a:t>is float</a:t>
-            </a:r>
-          </a:p>
-          <a:p>
-            <a:pPr>
-              <a:buClr>
-                <a:schemeClr val="accent4"/>
-              </a:buClr>
-            </a:pPr>
-            <a:endParaRPr lang="en-US" sz="1800" dirty="0" smtClean="0">
-              <a:solidFill>
-                <a:schemeClr val="accent2"/>
-              </a:solidFill>
-              <a:latin typeface="Courier New" panose="02070309020205020404" pitchFamily="49" charset="0"/>
-              <a:cs typeface="Courier New" panose="02070309020205020404" pitchFamily="49" charset="0"/>
-            </a:endParaRPr>
-          </a:p>
-          <a:p>
-            <a:pPr marL="285750" indent="-285750">
-              <a:buClr>
-                <a:schemeClr val="accent4"/>
-              </a:buClr>
-              <a:buFont typeface="Courier New" panose="02070309020205020404" pitchFamily="49" charset="0"/>
-              <a:buChar char="o"/>
-            </a:pPr>
-            <a:r>
-              <a:rPr lang="en-US" sz="1800" dirty="0">
-                <a:solidFill>
-                  <a:schemeClr val="accent2"/>
-                </a:solidFill>
-                <a:latin typeface="Courier New" panose="02070309020205020404" pitchFamily="49" charset="0"/>
-                <a:cs typeface="Courier New" panose="02070309020205020404" pitchFamily="49" charset="0"/>
-              </a:rPr>
-              <a:t>i</a:t>
-            </a:r>
-            <a:r>
-              <a:rPr lang="en-US" sz="1800" dirty="0" smtClean="0">
-                <a:solidFill>
-                  <a:schemeClr val="accent2"/>
-                </a:solidFill>
-                <a:latin typeface="Courier New" panose="02070309020205020404" pitchFamily="49" charset="0"/>
-                <a:cs typeface="Courier New" panose="02070309020205020404" pitchFamily="49" charset="0"/>
-              </a:rPr>
-              <a:t> // j</a:t>
-            </a:r>
-            <a:r>
-              <a:rPr lang="en-US" sz="1800" dirty="0">
-                <a:solidFill>
-                  <a:srgbClr val="C6DAEC"/>
-                </a:solidFill>
-                <a:latin typeface="Muli"/>
-              </a:rPr>
-              <a:t> → </a:t>
-            </a:r>
-            <a:r>
-              <a:rPr lang="en-US" sz="1800" dirty="0" smtClean="0">
-                <a:solidFill>
-                  <a:srgbClr val="C6DAEC"/>
-                </a:solidFill>
-                <a:latin typeface="Muli"/>
-              </a:rPr>
-              <a:t>int division</a:t>
-            </a:r>
-            <a:r>
-              <a:rPr lang="en-US" sz="1800" dirty="0">
-                <a:solidFill>
-                  <a:srgbClr val="C6DAEC"/>
-                </a:solidFill>
-                <a:latin typeface="Muli"/>
-              </a:rPr>
-              <a:t> → → → → → </a:t>
-            </a:r>
-            <a:r>
-              <a:rPr lang="en-US" sz="1800" dirty="0" smtClean="0">
-                <a:solidFill>
-                  <a:srgbClr val="C6DAEC"/>
-                </a:solidFill>
-                <a:latin typeface="Muli"/>
-              </a:rPr>
-              <a:t>→</a:t>
-            </a:r>
-          </a:p>
-          <a:p>
-            <a:pPr>
-              <a:buClr>
-                <a:schemeClr val="accent4"/>
-              </a:buClr>
-            </a:pPr>
-            <a:endParaRPr lang="en-US" sz="1800" dirty="0" smtClean="0">
-              <a:solidFill>
-                <a:schemeClr val="accent2"/>
-              </a:solidFill>
-              <a:latin typeface="Courier New" panose="02070309020205020404" pitchFamily="49" charset="0"/>
-              <a:cs typeface="Courier New" panose="02070309020205020404" pitchFamily="49" charset="0"/>
-            </a:endParaRPr>
-          </a:p>
-          <a:p>
-            <a:pPr marL="285750" indent="-285750">
-              <a:buClr>
-                <a:schemeClr val="accent4"/>
-              </a:buClr>
-              <a:buFont typeface="Courier New" panose="02070309020205020404" pitchFamily="49" charset="0"/>
-              <a:buChar char="o"/>
-            </a:pPr>
-            <a:r>
-              <a:rPr lang="en-US" sz="1800" dirty="0" smtClean="0">
-                <a:solidFill>
-                  <a:schemeClr val="accent2"/>
-                </a:solidFill>
-                <a:latin typeface="Courier New" panose="02070309020205020404" pitchFamily="49" charset="0"/>
-                <a:cs typeface="Courier New" panose="02070309020205020404" pitchFamily="49" charset="0"/>
-              </a:rPr>
-              <a:t>i % j</a:t>
-            </a:r>
-            <a:r>
-              <a:rPr lang="en-US" sz="1800" dirty="0">
-                <a:solidFill>
-                  <a:srgbClr val="C6DAEC"/>
-                </a:solidFill>
-                <a:latin typeface="Muli"/>
-              </a:rPr>
-              <a:t> </a:t>
-            </a:r>
-            <a:r>
-              <a:rPr lang="en-US" sz="1800" dirty="0" smtClean="0">
-                <a:solidFill>
-                  <a:srgbClr val="C6DAEC"/>
-                </a:solidFill>
-                <a:latin typeface="Muli"/>
-              </a:rPr>
-              <a:t>  → the remainder when </a:t>
-            </a:r>
-            <a:r>
-              <a:rPr lang="en-US" sz="1800" dirty="0">
-                <a:solidFill>
-                  <a:schemeClr val="accent2"/>
-                </a:solidFill>
-                <a:latin typeface="Courier New" panose="02070309020205020404" pitchFamily="49" charset="0"/>
-                <a:cs typeface="Courier New" panose="02070309020205020404" pitchFamily="49" charset="0"/>
-              </a:rPr>
-              <a:t>i</a:t>
-            </a:r>
-            <a:r>
-              <a:rPr lang="en-US" sz="1800" dirty="0" smtClean="0">
-                <a:solidFill>
-                  <a:srgbClr val="C6DAEC"/>
-                </a:solidFill>
-                <a:latin typeface="Muli"/>
-              </a:rPr>
-              <a:t> is divided by </a:t>
-            </a:r>
-            <a:r>
-              <a:rPr lang="en-US" sz="1800" dirty="0" smtClean="0">
-                <a:solidFill>
-                  <a:schemeClr val="accent2"/>
-                </a:solidFill>
-                <a:latin typeface="Courier New" panose="02070309020205020404" pitchFamily="49" charset="0"/>
-                <a:cs typeface="Courier New" panose="02070309020205020404" pitchFamily="49" charset="0"/>
-              </a:rPr>
-              <a:t>j</a:t>
-            </a:r>
-          </a:p>
-          <a:p>
-            <a:pPr>
-              <a:buClr>
-                <a:schemeClr val="accent4"/>
-              </a:buClr>
-            </a:pPr>
-            <a:endParaRPr lang="en-US" sz="1800" dirty="0">
-              <a:solidFill>
-                <a:schemeClr val="accent2"/>
-              </a:solidFill>
-              <a:latin typeface="Courier New" panose="02070309020205020404" pitchFamily="49" charset="0"/>
-              <a:cs typeface="Courier New" panose="02070309020205020404" pitchFamily="49" charset="0"/>
-            </a:endParaRPr>
-          </a:p>
-          <a:p>
-            <a:pPr marL="285750" indent="-285750">
-              <a:buClr>
-                <a:schemeClr val="accent4"/>
-              </a:buClr>
-              <a:buFont typeface="Courier New" panose="02070309020205020404" pitchFamily="49" charset="0"/>
-              <a:buChar char="o"/>
-            </a:pPr>
-            <a:r>
-              <a:rPr lang="en-US" sz="1800" dirty="0">
-                <a:solidFill>
-                  <a:schemeClr val="accent2"/>
-                </a:solidFill>
-                <a:latin typeface="Courier New" panose="02070309020205020404" pitchFamily="49" charset="0"/>
-                <a:cs typeface="Courier New" panose="02070309020205020404" pitchFamily="49" charset="0"/>
-              </a:rPr>
-              <a:t>i</a:t>
-            </a:r>
-            <a:r>
-              <a:rPr lang="en-US" sz="1800" dirty="0" smtClean="0">
-                <a:solidFill>
-                  <a:schemeClr val="accent2"/>
-                </a:solidFill>
-                <a:latin typeface="Courier New" panose="02070309020205020404" pitchFamily="49" charset="0"/>
-                <a:cs typeface="Courier New" panose="02070309020205020404" pitchFamily="49" charset="0"/>
-              </a:rPr>
-              <a:t> ** j</a:t>
-            </a:r>
-            <a:r>
-              <a:rPr lang="en-US" sz="1800" dirty="0">
-                <a:solidFill>
-                  <a:srgbClr val="C6DAEC"/>
-                </a:solidFill>
-                <a:latin typeface="Muli"/>
-              </a:rPr>
-              <a:t> → </a:t>
-            </a:r>
-            <a:r>
-              <a:rPr lang="en-US" sz="1800" dirty="0">
-                <a:solidFill>
-                  <a:schemeClr val="accent2"/>
-                </a:solidFill>
-                <a:latin typeface="Courier New" panose="02070309020205020404" pitchFamily="49" charset="0"/>
-                <a:cs typeface="Courier New" panose="02070309020205020404" pitchFamily="49" charset="0"/>
-              </a:rPr>
-              <a:t>i</a:t>
-            </a:r>
-            <a:r>
-              <a:rPr lang="en-US" sz="1800" dirty="0" smtClean="0">
                 <a:solidFill>
                   <a:srgbClr val="C6DAEC"/>
                 </a:solidFill>
@@ -17010,14 +15550,6 @@
             </a:endParaRPr>
           </a:p>
           <a:p>
-            <a:endParaRPr lang="en-US" sz="1800" dirty="0" smtClean="0">
-              <a:solidFill>
-                <a:srgbClr val="C6DAEC"/>
-              </a:solidFill>
-              <a:latin typeface="Muli"/>
-            </a:endParaRPr>
-          </a:p>
-          <a:p>
             <a:endParaRPr lang="en-US" sz="1800" dirty="0">
               <a:solidFill>
                 <a:srgbClr val="C6DAEC"/>
@@ -17026,7 +15558,15 @@
             </a:endParaRPr>
           </a:p>
           <a:p>
-            <a:endParaRPr lang="en-US" sz="1800" dirty="0" smtClean="0">
+            <a:endParaRPr lang="en-US" sz="1800" dirty="0">
+              <a:solidFill>
+                <a:srgbClr val="C6DAEC"/>
+              </a:solidFill>
+              <a:latin typeface="Muli"/>
+            </a:endParaRPr>
+          </a:p>
+          <a:p>
+            <a:endParaRPr lang="en-US" sz="1800" dirty="0">
               <a:solidFill>
                 <a:srgbClr val="C6DAEC"/>
               </a:solidFill>
@@ -17117,23 +15657,8 @@
                 </a:solidFill>
                 <a:latin typeface="Muli"/>
               </a:rPr>
-              <a:t>If both are ints, result is </a:t>
-            </a:r>
-            <a:r>
-              <a:rPr lang="en-US" dirty="0" smtClean="0">
-                <a:solidFill>
-                  <a:schemeClr val="accent2"/>
-                </a:solidFill>
-                <a:latin typeface="Muli"/>
-              </a:rPr>
-              <a:t>int</a:t>
-            </a:r>
-            <a:endParaRPr lang="en-US" dirty="0">
-              <a:solidFill>
-                <a:schemeClr val="accent2"/>
-              </a:solidFill>
-              <a:latin typeface="Muli"/>
-            </a:endParaRPr>
+              <a:t>If both are ints, result is int</a:t>
+            </a:r>
           </a:p>
           <a:p>
             <a:pPr marL="285750" indent="-285750">
@@ -17152,12 +15677,6 @@
               </a:rPr>
               <a:t>If either or both are floats, result is float</a:t>
             </a:r>
-            <a:endParaRPr lang="en-US" dirty="0">
-              <a:solidFill>
-                <a:schemeClr val="accent2"/>
-              </a:solidFill>
-              <a:latin typeface="Muli"/>
-            </a:endParaRPr>
           </a:p>
         </p:txBody>
       </p:sp>
@@ -17192,12 +15711,6 @@
               </a:rPr>
               <a:t>Result is int, quotient without remainder</a:t>
             </a:r>
-            <a:endParaRPr lang="en-US" dirty="0">
-              <a:solidFill>
-                <a:schemeClr val="accent2"/>
-              </a:solidFill>
-              <a:latin typeface="Muli"/>
-            </a:endParaRPr>
           </a:p>
         </p:txBody>
       </p:sp>
@@ -17211,13 +15724,6 @@
   <p:clrMapOvr>
     <a:masterClrMapping/>
   </p:clrMapOvr>
-  <p:timing>
-    <p:tnLst>
-      <p:par>
-        <p:cTn id="1" dur="indefinite" restart="never" nodeType="tmRoot"/>
-      </p:par>
-    </p:tnLst>
-  </p:timing>
 </p:sld>
 </file>
 
@@ -17308,7 +15814,7 @@
           <a:lstStyle/>
           <a:p>
             <a:r>
-              <a:rPr lang="en-CA" sz="3600" dirty="0" smtClean="0">
+              <a:rPr lang="en-CA" sz="3600" dirty="0">
                 <a:solidFill>
                   <a:srgbClr val="19BBD5"/>
                 </a:solidFill>
@@ -17317,13 +15823,6 @@
               </a:rPr>
               <a:t>Order of Operations</a:t>
             </a:r>
-            <a:endParaRPr lang="en-CA" sz="3600" dirty="0">
-              <a:solidFill>
-                <a:srgbClr val="19BBD5"/>
-              </a:solidFill>
-              <a:latin typeface="Nixie One"/>
-              <a:sym typeface="Nixie One"/>
-            </a:endParaRPr>
           </a:p>
         </p:txBody>
       </p:sp>
@@ -17361,25 +15860,7 @@
                 </a:solidFill>
                 <a:latin typeface="Muli"/>
               </a:rPr>
-              <a:t>Parentheses used to tell Python to do </a:t>
-            </a:r>
-            <a:r>
-              <a:rPr lang="en-US" sz="1800" dirty="0" smtClean="0">
-                <a:solidFill>
-                  <a:srgbClr val="C6DAEC"/>
-                </a:solidFill>
-                <a:latin typeface="Muli"/>
-              </a:rPr>
-              <a:t>these </a:t>
-            </a:r>
-            <a:r>
-              <a:rPr lang="en-US" sz="1800" dirty="0">
-                <a:solidFill>
-                  <a:srgbClr val="C6DAEC"/>
-                </a:solidFill>
-                <a:latin typeface="Muli"/>
-              </a:rPr>
-              <a:t>operations first:</a:t>
+              <a:t>Parentheses used to tell Python to do these operations first:</a:t>
             </a:r>
           </a:p>
           <a:p>
@@ -17407,16 +15888,7 @@
                 </a:solidFill>
                 <a:latin typeface="Muli"/>
               </a:rPr>
-              <a:t> </a:t>
-            </a:r>
-            <a:r>
-              <a:rPr lang="en-US" sz="1800" dirty="0">
-                <a:solidFill>
-                  <a:srgbClr val="C6DAEC"/>
-                </a:solidFill>
-                <a:latin typeface="Muli"/>
-              </a:rPr>
-              <a:t>evaluates to </a:t>
+              <a:t> evaluates to </a:t>
             </a:r>
             <a:r>
               <a:rPr lang="en-US" sz="1800" dirty="0">
@@ -17445,17 +15917,7 @@
                 <a:latin typeface="Courier New" panose="02070309020205020404" pitchFamily="49" charset="0"/>
                 <a:cs typeface="Courier New" panose="02070309020205020404" pitchFamily="49" charset="0"/>
               </a:rPr>
-              <a:t>3 * (5+</a:t>
-            </a:r>
-            <a:r>
-              <a:rPr lang="en-US" sz="1800" dirty="0">
-                <a:solidFill>
-                  <a:schemeClr val="accent2"/>
-                </a:solidFill>
-                <a:latin typeface="Courier New" panose="02070309020205020404" pitchFamily="49" charset="0"/>
-                <a:cs typeface="Courier New" panose="02070309020205020404" pitchFamily="49" charset="0"/>
-              </a:rPr>
-              <a:t>1)</a:t>
+              <a:t>3 * (5+1)</a:t>
             </a:r>
             <a:r>
               <a:rPr lang="en-US" sz="1800" dirty="0">
@@ -17464,16 +15926,7 @@
                 </a:solidFill>
                 <a:latin typeface="Muli"/>
               </a:rPr>
-              <a:t> </a:t>
-            </a:r>
-            <a:r>
-              <a:rPr lang="en-US" sz="1800" dirty="0">
-                <a:solidFill>
-                  <a:srgbClr val="C6DAEC"/>
-                </a:solidFill>
-                <a:latin typeface="Muli"/>
-              </a:rPr>
-              <a:t>evaluates to </a:t>
+              <a:t> evaluates to </a:t>
             </a:r>
             <a:r>
               <a:rPr lang="en-US" sz="1800" dirty="0">
@@ -17501,7 +15954,7 @@
               </a:buClr>
             </a:pPr>
             <a:r>
-              <a:rPr lang="en-US" sz="1800" dirty="0" smtClean="0">
+              <a:rPr lang="en-US" sz="1800" dirty="0">
                 <a:solidFill>
                   <a:srgbClr val="C6DAEC"/>
                 </a:solidFill>
@@ -17509,7 +15962,7 @@
               </a:rPr>
               <a:t>Operator precedence without parentheses</a:t>
             </a:r>
-            <a:endParaRPr lang="en-US" sz="1800" dirty="0" smtClean="0">
+            <a:endParaRPr lang="en-US" sz="1800" dirty="0">
               <a:solidFill>
                 <a:schemeClr val="accent2"/>
               </a:solidFill>
@@ -17599,25 +16052,7 @@
                 </a:solidFill>
                 <a:latin typeface="Muli"/>
               </a:rPr>
-              <a:t> </a:t>
-            </a:r>
-            <a:r>
-              <a:rPr lang="en-US" sz="1800" dirty="0" smtClean="0">
-                <a:solidFill>
-                  <a:srgbClr val="C6DAEC"/>
-                </a:solidFill>
-                <a:latin typeface="Muli"/>
-              </a:rPr>
-              <a:t>and</a:t>
-            </a:r>
-            <a:r>
-              <a:rPr lang="en-US" sz="1800" dirty="0">
-                <a:solidFill>
-                  <a:srgbClr val="C6DAEC"/>
-                </a:solidFill>
-                <a:latin typeface="Muli"/>
-              </a:rPr>
-              <a:t> </a:t>
+              <a:t> and </a:t>
             </a:r>
             <a:r>
               <a:rPr lang="en-US" sz="1800" dirty="0">
@@ -17639,7 +16074,7 @@
               <a:buChar char="o"/>
             </a:pPr>
             <a:r>
-              <a:rPr lang="en-US" sz="1800" dirty="0" smtClean="0">
+              <a:rPr lang="en-US" sz="1800" dirty="0">
                 <a:solidFill>
                   <a:srgbClr val="C6DAEC"/>
                 </a:solidFill>
@@ -17647,12 +16082,6 @@
               </a:rPr>
               <a:t>Executed left to right, as appear in expression</a:t>
             </a:r>
-            <a:endParaRPr lang="en-US" sz="1800" dirty="0" smtClean="0">
-              <a:solidFill>
-                <a:srgbClr val="C6DAEC"/>
-              </a:solidFill>
-              <a:latin typeface="Muli"/>
-            </a:endParaRPr>
           </a:p>
           <a:p>
             <a:endParaRPr lang="en-US" sz="1800" dirty="0">
@@ -17663,7 +16092,7 @@
             </a:endParaRPr>
           </a:p>
           <a:p>
-            <a:endParaRPr lang="en-US" sz="1800" dirty="0" smtClean="0">
+            <a:endParaRPr lang="en-US" sz="1800" dirty="0">
               <a:solidFill>
                 <a:srgbClr val="C6DAEC"/>
               </a:solidFill>
@@ -17682,13 +16111,6 @@
   <p:clrMapOvr>
     <a:masterClrMapping/>
   </p:clrMapOvr>
-  <p:timing>
-    <p:tnLst>
-      <p:par>
-        <p:cTn id="1" dur="indefinite" restart="never" nodeType="tmRoot"/>
-      </p:par>
-    </p:tnLst>
-  </p:timing>
 </p:sld>
 </file>
 
